--- a/Document/slide.pptx
+++ b/Document/slide.pptx
@@ -5,14 +5,19 @@
     <p:sldMasterId id="2147483732" r:id="rId1"/>
   </p:sldMasterIdLst>
   <p:notesMasterIdLst>
-    <p:notesMasterId r:id="rId4"/>
+    <p:notesMasterId r:id="rId9"/>
   </p:notesMasterIdLst>
   <p:handoutMasterIdLst>
-    <p:handoutMasterId r:id="rId5"/>
+    <p:handoutMasterId r:id="rId10"/>
   </p:handoutMasterIdLst>
   <p:sldIdLst>
     <p:sldId id="258" r:id="rId2"/>
     <p:sldId id="259" r:id="rId3"/>
+    <p:sldId id="260" r:id="rId4"/>
+    <p:sldId id="262" r:id="rId5"/>
+    <p:sldId id="263" r:id="rId6"/>
+    <p:sldId id="264" r:id="rId7"/>
+    <p:sldId id="265" r:id="rId8"/>
   </p:sldIdLst>
   <p:sldSz cx="9144000" cy="6858000" type="screen4x3"/>
   <p:notesSz cx="6858000" cy="9144000"/>
@@ -264,7 +269,7 @@
           <a:p>
             <a:fld id="{8D7828F8-F4D1-4D7C-B2A2-5D2EAD744C32}" type="datetime5">
               <a:rPr lang="ja-JP" altLang="en-US" smtClean="0"/>
-              <a:t>2015/01/13</a:t>
+              <a:t>2015/01/25</a:t>
             </a:fld>
             <a:endParaRPr lang="ja-JP" altLang="en-US"/>
           </a:p>
@@ -469,7 +474,7 @@
           <a:p>
             <a:fld id="{C1C47100-5945-4E7B-93BD-0F76D6801D2B}" type="datetime5">
               <a:rPr lang="ja-JP" altLang="en-US" smtClean="0"/>
-              <a:t>2015/01/13</a:t>
+              <a:t>2015/01/25</a:t>
             </a:fld>
             <a:endParaRPr lang="ja-JP" altLang="en-US"/>
           </a:p>
@@ -887,7 +892,7 @@
           <a:p>
             <a:fld id="{9299DBD7-46CD-41EC-8257-09A5BB15B36B}" type="datetime5">
               <a:rPr lang="ja-JP" altLang="en-US" smtClean="0"/>
-              <a:t>2015/01/13</a:t>
+              <a:t>2015/01/25</a:t>
             </a:fld>
             <a:endParaRPr lang="ja-JP" altLang="en-US"/>
           </a:p>
@@ -1078,14 +1083,14 @@
           </a:ln>
           <a:extLst>
             <a:ext uri="{909E8E84-426E-40dd-AFC4-6F175D3DCCD1}">
-              <a14:hiddenFill xmlns:a14="http://schemas.microsoft.com/office/drawing/2010/main" xmlns="">
+              <a14:hiddenFill xmlns="" xmlns:a14="http://schemas.microsoft.com/office/drawing/2010/main">
                 <a:solidFill>
                   <a:srgbClr val="FFFFFF"/>
                 </a:solidFill>
               </a14:hiddenFill>
             </a:ext>
             <a:ext uri="{91240B29-F687-4f45-9708-019B960494DF}">
-              <a14:hiddenLine xmlns:a14="http://schemas.microsoft.com/office/drawing/2010/main" xmlns="" w="9525">
+              <a14:hiddenLine xmlns="" xmlns:a14="http://schemas.microsoft.com/office/drawing/2010/main" w="9525">
                 <a:solidFill>
                   <a:srgbClr val="000000"/>
                 </a:solidFill>
@@ -1188,7 +1193,7 @@
           <a:p>
             <a:fld id="{EB3B1B24-1106-4A08-8E08-D7AF42BBB6FC}" type="datetime5">
               <a:rPr lang="ja-JP" altLang="en-US" smtClean="0"/>
-              <a:t>2015/01/13</a:t>
+              <a:t>2015/01/25</a:t>
             </a:fld>
             <a:endParaRPr lang="en-US"/>
           </a:p>
@@ -1459,7 +1464,7 @@
           <a:p>
             <a:fld id="{CDC15169-E0E3-4D62-A8D4-04CB16B70F98}" type="datetime5">
               <a:rPr lang="ja-JP" altLang="en-US" smtClean="0"/>
-              <a:t>2015/01/13</a:t>
+              <a:t>2015/01/25</a:t>
             </a:fld>
             <a:endParaRPr lang="ja-JP" altLang="en-US"/>
           </a:p>
@@ -1740,7 +1745,7 @@
           <a:p>
             <a:fld id="{51DE529F-9DE0-423D-9A9D-DCC2312C04BC}" type="datetime5">
               <a:rPr lang="ja-JP" altLang="en-US" smtClean="0"/>
-              <a:t>2015/01/13</a:t>
+              <a:t>2015/01/25</a:t>
             </a:fld>
             <a:endParaRPr lang="ja-JP" altLang="en-US"/>
           </a:p>
@@ -2011,7 +2016,7 @@
           <a:p>
             <a:fld id="{02874C3E-193B-4648-96E5-AE3C8CCAC9B7}" type="datetime5">
               <a:rPr lang="ja-JP" altLang="en-US" smtClean="0"/>
-              <a:t>2015/01/13</a:t>
+              <a:t>2015/01/25</a:t>
             </a:fld>
             <a:endParaRPr lang="en-US"/>
           </a:p>
@@ -2224,7 +2229,7 @@
           <a:p>
             <a:fld id="{AC4A3CCA-AE8E-4E48-B5C4-E803B0407494}" type="datetime5">
               <a:rPr lang="ja-JP" altLang="en-US" smtClean="0"/>
-              <a:t>2015/01/13</a:t>
+              <a:t>2015/01/25</a:t>
             </a:fld>
             <a:endParaRPr lang="ja-JP" altLang="en-US"/>
           </a:p>
@@ -2647,7 +2652,7 @@
           <a:p>
             <a:fld id="{BAAC47BD-DEF7-4341-95BC-EAFD0EA52C30}" type="datetime5">
               <a:rPr lang="ja-JP" altLang="en-US" smtClean="0"/>
-              <a:t>2015/01/13</a:t>
+              <a:t>2015/01/25</a:t>
             </a:fld>
             <a:endParaRPr lang="ja-JP" altLang="en-US"/>
           </a:p>
@@ -3213,7 +3218,7 @@
           <a:p>
             <a:fld id="{82CDE4FB-8F1F-479E-A0A0-E400FBBD9538}" type="datetime5">
               <a:rPr lang="ja-JP" altLang="en-US" smtClean="0"/>
-              <a:t>2015/01/13</a:t>
+              <a:t>2015/01/25</a:t>
             </a:fld>
             <a:endParaRPr lang="ja-JP" altLang="en-US"/>
           </a:p>
@@ -3398,7 +3403,7 @@
           <a:p>
             <a:fld id="{1CA7B19E-EC61-4B37-ABFE-062421806E1D}" type="datetime5">
               <a:rPr lang="ja-JP" altLang="en-US" smtClean="0"/>
-              <a:t>2015/01/13</a:t>
+              <a:t>2015/01/25</a:t>
             </a:fld>
             <a:endParaRPr lang="ja-JP" altLang="en-US"/>
           </a:p>
@@ -3510,7 +3515,7 @@
           <a:p>
             <a:fld id="{5F37F08D-3DAC-4CD7-A7B0-3E40DA4FCB8B}" type="datetime5">
               <a:rPr lang="ja-JP" altLang="en-US" smtClean="0"/>
-              <a:t>2015/01/13</a:t>
+              <a:t>2015/01/25</a:t>
             </a:fld>
             <a:endParaRPr lang="ja-JP" altLang="en-US"/>
           </a:p>
@@ -3842,7 +3847,7 @@
           <a:p>
             <a:fld id="{3B99449D-95F5-497A-9C96-76A2685DE47C}" type="datetime5">
               <a:rPr lang="ja-JP" altLang="en-US" smtClean="0"/>
-              <a:t>2015/01/13</a:t>
+              <a:t>2015/01/25</a:t>
             </a:fld>
             <a:endParaRPr lang="ja-JP" altLang="en-US"/>
           </a:p>
@@ -4120,7 +4125,7 @@
           <a:p>
             <a:fld id="{A1C6322D-8622-4ED6-809C-E3CC13695BEC}" type="datetime5">
               <a:rPr lang="ja-JP" altLang="en-US" smtClean="0"/>
-              <a:t>2015/01/13</a:t>
+              <a:t>2015/01/25</a:t>
             </a:fld>
             <a:endParaRPr lang="ja-JP" altLang="en-US"/>
           </a:p>
@@ -4243,14 +4248,14 @@
           </a:ln>
           <a:extLst>
             <a:ext uri="{909E8E84-426E-40dd-AFC4-6F175D3DCCD1}">
-              <a14:hiddenFill xmlns:a14="http://schemas.microsoft.com/office/drawing/2010/main" xmlns="">
+              <a14:hiddenFill xmlns="" xmlns:a14="http://schemas.microsoft.com/office/drawing/2010/main">
                 <a:solidFill>
                   <a:srgbClr val="FFFFFF"/>
                 </a:solidFill>
               </a14:hiddenFill>
             </a:ext>
             <a:ext uri="{91240B29-F687-4f45-9708-019B960494DF}">
-              <a14:hiddenLine xmlns:a14="http://schemas.microsoft.com/office/drawing/2010/main" xmlns="" w="9525">
+              <a14:hiddenLine xmlns="" xmlns:a14="http://schemas.microsoft.com/office/drawing/2010/main" w="9525">
                 <a:solidFill>
                   <a:srgbClr val="000000"/>
                 </a:solidFill>
@@ -4260,7 +4265,7 @@
               </a14:hiddenLine>
             </a:ext>
             <a:ext uri="{FAA26D3D-D897-4be2-8F04-BA451C77F1D7}">
-              <ma14:placeholderFlag xmlns:ma14="http://schemas.microsoft.com/office/mac/drawingml/2011/main" xmlns="" val="1"/>
+              <ma14:placeholderFlag xmlns="" xmlns:ma14="http://schemas.microsoft.com/office/mac/drawingml/2011/main" val="1"/>
             </a:ext>
           </a:extLst>
         </p:spPr>
@@ -4304,14 +4309,14 @@
           </a:ln>
           <a:extLst>
             <a:ext uri="{909E8E84-426E-40dd-AFC4-6F175D3DCCD1}">
-              <a14:hiddenFill xmlns:a14="http://schemas.microsoft.com/office/drawing/2010/main" xmlns="">
+              <a14:hiddenFill xmlns="" xmlns:a14="http://schemas.microsoft.com/office/drawing/2010/main">
                 <a:solidFill>
                   <a:srgbClr val="FFFFFF"/>
                 </a:solidFill>
               </a14:hiddenFill>
             </a:ext>
             <a:ext uri="{91240B29-F687-4f45-9708-019B960494DF}">
-              <a14:hiddenLine xmlns:a14="http://schemas.microsoft.com/office/drawing/2010/main" xmlns="" w="9525">
+              <a14:hiddenLine xmlns="" xmlns:a14="http://schemas.microsoft.com/office/drawing/2010/main" w="9525">
                 <a:solidFill>
                   <a:srgbClr val="000000"/>
                 </a:solidFill>
@@ -4321,7 +4326,7 @@
               </a14:hiddenLine>
             </a:ext>
             <a:ext uri="{FAA26D3D-D897-4be2-8F04-BA451C77F1D7}">
-              <ma14:placeholderFlag xmlns:ma14="http://schemas.microsoft.com/office/mac/drawingml/2011/main" xmlns="" val="1"/>
+              <ma14:placeholderFlag xmlns="" xmlns:ma14="http://schemas.microsoft.com/office/mac/drawingml/2011/main" val="1"/>
             </a:ext>
           </a:extLst>
         </p:spPr>
@@ -4563,14 +4568,14 @@
             </a:ln>
             <a:extLst>
               <a:ext uri="{909E8E84-426E-40dd-AFC4-6F175D3DCCD1}">
-                <a14:hiddenFill xmlns:a14="http://schemas.microsoft.com/office/drawing/2010/main" xmlns="">
+                <a14:hiddenFill xmlns="" xmlns:a14="http://schemas.microsoft.com/office/drawing/2010/main">
                   <a:solidFill>
                     <a:srgbClr val="FFFFFF"/>
                   </a:solidFill>
                 </a14:hiddenFill>
               </a:ext>
               <a:ext uri="{91240B29-F687-4f45-9708-019B960494DF}">
-                <a14:hiddenLine xmlns:a14="http://schemas.microsoft.com/office/drawing/2010/main" xmlns="" w="9525">
+                <a14:hiddenLine xmlns="" xmlns:a14="http://schemas.microsoft.com/office/drawing/2010/main" w="9525">
                   <a:solidFill>
                     <a:srgbClr val="000000"/>
                   </a:solidFill>
@@ -4720,7 +4725,7 @@
           <a:p>
             <a:fld id="{EE258544-25A5-482C-9FBB-4909D573953D}" type="datetime5">
               <a:rPr lang="ja-JP" altLang="en-US" smtClean="0"/>
-              <a:t>2015/01/13</a:t>
+              <a:t>2015/01/25</a:t>
             </a:fld>
             <a:endParaRPr lang="en-US"/>
           </a:p>
@@ -5243,10 +5248,15 @@
             <p:ph type="subTitle" idx="1"/>
           </p:nvPr>
         </p:nvSpPr>
-        <p:spPr/>
+        <p:spPr>
+          <a:xfrm>
+            <a:off x="1043608" y="3270250"/>
+            <a:ext cx="7848872" cy="3183086"/>
+          </a:xfrm>
+        </p:spPr>
         <p:txBody>
           <a:bodyPr>
-            <a:normAutofit fontScale="77500" lnSpcReduction="20000"/>
+            <a:normAutofit fontScale="92500" lnSpcReduction="20000"/>
           </a:bodyPr>
           <a:lstStyle/>
           <a:p>
@@ -5257,15 +5267,25 @@
           </a:p>
           <a:p>
             <a:r>
+              <a:rPr lang="en-US" altLang="ja-JP" sz="5700" dirty="0" smtClean="0">
+                <a:solidFill>
+                  <a:srgbClr val="0070C0"/>
+                </a:solidFill>
+              </a:rPr>
+              <a:t>Make people smile!</a:t>
+            </a:r>
+            <a:endParaRPr lang="en-US" altLang="ja-JP" sz="5700" dirty="0" smtClean="0">
+              <a:solidFill>
+                <a:srgbClr val="0070C0"/>
+              </a:solidFill>
+            </a:endParaRPr>
+          </a:p>
+          <a:p>
+            <a:r>
               <a:rPr lang="en-US" altLang="ja-JP" dirty="0" smtClean="0"/>
-              <a:t>[Topic Name]</a:t>
-            </a:r>
-          </a:p>
-          <a:p>
-            <a:r>
-              <a:rPr lang="en-US" altLang="ja-JP" dirty="0" smtClean="0"/>
-              <a:t>Presenter</a:t>
-            </a:r>
+              <a:t>Presenter:</a:t>
+            </a:r>
+            <a:endParaRPr lang="en-US" altLang="ja-JP" dirty="0" smtClean="0"/>
           </a:p>
           <a:p>
             <a:r>
@@ -5355,7 +5375,7 @@
           <a:p>
             <a:r>
               <a:rPr lang="en-US" altLang="ja-JP" dirty="0" smtClean="0"/>
-              <a:t>Title</a:t>
+              <a:t>Contents</a:t>
             </a:r>
             <a:endParaRPr kumimoji="1" lang="ja-JP" altLang="en-US" dirty="0"/>
           </a:p>
@@ -5378,8 +5398,31 @@
           <a:p>
             <a:r>
               <a:rPr lang="en-US" altLang="ja-JP" dirty="0" smtClean="0"/>
-              <a:t>Content</a:t>
-            </a:r>
+              <a:t>Introduction</a:t>
+            </a:r>
+          </a:p>
+          <a:p>
+            <a:r>
+              <a:rPr lang="en-US" altLang="ja-JP" dirty="0" smtClean="0"/>
+              <a:t>Implementation</a:t>
+            </a:r>
+          </a:p>
+          <a:p>
+            <a:r>
+              <a:rPr lang="en-US" altLang="ja-JP" dirty="0" smtClean="0"/>
+              <a:t>Extension</a:t>
+            </a:r>
+          </a:p>
+          <a:p>
+            <a:r>
+              <a:rPr kumimoji="1" lang="en-US" altLang="ja-JP" dirty="0" smtClean="0"/>
+              <a:t>Demo</a:t>
+            </a:r>
+          </a:p>
+          <a:p>
+            <a:endParaRPr kumimoji="1" lang="en-US" altLang="ja-JP" dirty="0" smtClean="0"/>
+          </a:p>
+          <a:p>
             <a:endParaRPr kumimoji="1" lang="ja-JP" altLang="en-US" dirty="0"/>
           </a:p>
         </p:txBody>
@@ -5418,6 +5461,618 @@
   <p:clrMapOvr>
     <a:masterClrMapping/>
   </p:clrMapOvr>
+  <p:timing>
+    <p:tnLst>
+      <p:par>
+        <p:cTn id="1" dur="indefinite" restart="never" nodeType="tmRoot"/>
+      </p:par>
+    </p:tnLst>
+  </p:timing>
+</p:sld>
+</file>
+
+<file path=ppt/slides/slide3.xml><?xml version="1.0" encoding="utf-8"?>
+<p:sld xmlns:a="http://schemas.openxmlformats.org/drawingml/2006/main" xmlns:r="http://schemas.openxmlformats.org/officeDocument/2006/relationships" xmlns:p="http://schemas.openxmlformats.org/presentationml/2006/main">
+  <p:cSld>
+    <p:spTree>
+      <p:nvGrpSpPr>
+        <p:cNvPr id="1" name=""/>
+        <p:cNvGrpSpPr/>
+        <p:nvPr/>
+      </p:nvGrpSpPr>
+      <p:grpSpPr>
+        <a:xfrm>
+          <a:off x="0" y="0"/>
+          <a:ext cx="0" cy="0"/>
+          <a:chOff x="0" y="0"/>
+          <a:chExt cx="0" cy="0"/>
+        </a:xfrm>
+      </p:grpSpPr>
+      <p:sp>
+        <p:nvSpPr>
+          <p:cNvPr id="2" name="Title 1"/>
+          <p:cNvSpPr>
+            <a:spLocks noGrp="1"/>
+          </p:cNvSpPr>
+          <p:nvPr>
+            <p:ph type="title"/>
+          </p:nvPr>
+        </p:nvSpPr>
+        <p:spPr/>
+        <p:txBody>
+          <a:bodyPr/>
+          <a:lstStyle/>
+          <a:p>
+            <a:r>
+              <a:rPr lang="en-US" dirty="0" smtClean="0"/>
+              <a:t>Introduction</a:t>
+            </a:r>
+            <a:endParaRPr lang="vi-VN" dirty="0"/>
+          </a:p>
+        </p:txBody>
+      </p:sp>
+      <p:sp>
+        <p:nvSpPr>
+          <p:cNvPr id="3" name="Content Placeholder 2"/>
+          <p:cNvSpPr>
+            <a:spLocks noGrp="1"/>
+          </p:cNvSpPr>
+          <p:nvPr>
+            <p:ph idx="1"/>
+          </p:nvPr>
+        </p:nvSpPr>
+        <p:spPr/>
+        <p:txBody>
+          <a:bodyPr/>
+          <a:lstStyle/>
+          <a:p>
+            <a:endParaRPr lang="vi-VN" dirty="0"/>
+          </a:p>
+        </p:txBody>
+      </p:sp>
+      <p:sp>
+        <p:nvSpPr>
+          <p:cNvPr id="4" name="Slide Number Placeholder 3"/>
+          <p:cNvSpPr>
+            <a:spLocks noGrp="1"/>
+          </p:cNvSpPr>
+          <p:nvPr>
+            <p:ph type="sldNum" sz="quarter" idx="11"/>
+          </p:nvPr>
+        </p:nvSpPr>
+        <p:spPr/>
+        <p:txBody>
+          <a:bodyPr/>
+          <a:lstStyle/>
+          <a:p>
+            <a:fld id="{AC358548-9BFF-2A41-B589-C75B6C647976}" type="slidenum">
+              <a:rPr lang="en-US" altLang="ja-JP" smtClean="0"/>
+              <a:pPr/>
+              <a:t>3</a:t>
+            </a:fld>
+            <a:endParaRPr lang="en-US"/>
+          </a:p>
+        </p:txBody>
+      </p:sp>
+    </p:spTree>
+    <p:extLst>
+      <p:ext uri="{BB962C8B-B14F-4D97-AF65-F5344CB8AC3E}">
+        <p14:creationId xmlns:p14="http://schemas.microsoft.com/office/powerpoint/2010/main" val="1068766402"/>
+      </p:ext>
+    </p:extLst>
+  </p:cSld>
+  <p:clrMapOvr>
+    <a:masterClrMapping/>
+  </p:clrMapOvr>
+  <p:timing>
+    <p:tnLst>
+      <p:par>
+        <p:cTn id="1" dur="indefinite" restart="never" nodeType="tmRoot"/>
+      </p:par>
+    </p:tnLst>
+  </p:timing>
+</p:sld>
+</file>
+
+<file path=ppt/slides/slide4.xml><?xml version="1.0" encoding="utf-8"?>
+<p:sld xmlns:a="http://schemas.openxmlformats.org/drawingml/2006/main" xmlns:r="http://schemas.openxmlformats.org/officeDocument/2006/relationships" xmlns:p="http://schemas.openxmlformats.org/presentationml/2006/main">
+  <p:cSld>
+    <p:spTree>
+      <p:nvGrpSpPr>
+        <p:cNvPr id="1" name=""/>
+        <p:cNvGrpSpPr/>
+        <p:nvPr/>
+      </p:nvGrpSpPr>
+      <p:grpSpPr>
+        <a:xfrm>
+          <a:off x="0" y="0"/>
+          <a:ext cx="0" cy="0"/>
+          <a:chOff x="0" y="0"/>
+          <a:chExt cx="0" cy="0"/>
+        </a:xfrm>
+      </p:grpSpPr>
+      <p:sp>
+        <p:nvSpPr>
+          <p:cNvPr id="2" name="Title 1"/>
+          <p:cNvSpPr>
+            <a:spLocks noGrp="1"/>
+          </p:cNvSpPr>
+          <p:nvPr>
+            <p:ph type="title"/>
+          </p:nvPr>
+        </p:nvSpPr>
+        <p:spPr/>
+        <p:txBody>
+          <a:bodyPr/>
+          <a:lstStyle/>
+          <a:p>
+            <a:r>
+              <a:rPr lang="en-US" dirty="0" smtClean="0"/>
+              <a:t>Implementation</a:t>
+            </a:r>
+            <a:endParaRPr lang="vi-VN" dirty="0"/>
+          </a:p>
+        </p:txBody>
+      </p:sp>
+      <p:sp>
+        <p:nvSpPr>
+          <p:cNvPr id="3" name="Content Placeholder 2"/>
+          <p:cNvSpPr>
+            <a:spLocks noGrp="1"/>
+          </p:cNvSpPr>
+          <p:nvPr>
+            <p:ph idx="1"/>
+          </p:nvPr>
+        </p:nvSpPr>
+        <p:spPr/>
+        <p:txBody>
+          <a:bodyPr/>
+          <a:lstStyle/>
+          <a:p>
+            <a:endParaRPr lang="vi-VN"/>
+          </a:p>
+        </p:txBody>
+      </p:sp>
+      <p:sp>
+        <p:nvSpPr>
+          <p:cNvPr id="4" name="Slide Number Placeholder 3"/>
+          <p:cNvSpPr>
+            <a:spLocks noGrp="1"/>
+          </p:cNvSpPr>
+          <p:nvPr>
+            <p:ph type="sldNum" sz="quarter" idx="11"/>
+          </p:nvPr>
+        </p:nvSpPr>
+        <p:spPr/>
+        <p:txBody>
+          <a:bodyPr/>
+          <a:lstStyle/>
+          <a:p>
+            <a:fld id="{AC358548-9BFF-2A41-B589-C75B6C647976}" type="slidenum">
+              <a:rPr lang="en-US" altLang="ja-JP" smtClean="0"/>
+              <a:pPr/>
+              <a:t>4</a:t>
+            </a:fld>
+            <a:endParaRPr lang="en-US"/>
+          </a:p>
+        </p:txBody>
+      </p:sp>
+    </p:spTree>
+    <p:extLst>
+      <p:ext uri="{BB962C8B-B14F-4D97-AF65-F5344CB8AC3E}">
+        <p14:creationId xmlns:p14="http://schemas.microsoft.com/office/powerpoint/2010/main" val="2504429931"/>
+      </p:ext>
+    </p:extLst>
+  </p:cSld>
+  <p:clrMapOvr>
+    <a:masterClrMapping/>
+  </p:clrMapOvr>
+  <p:timing>
+    <p:tnLst>
+      <p:par>
+        <p:cTn id="1" dur="indefinite" restart="never" nodeType="tmRoot"/>
+      </p:par>
+    </p:tnLst>
+  </p:timing>
+</p:sld>
+</file>
+
+<file path=ppt/slides/slide5.xml><?xml version="1.0" encoding="utf-8"?>
+<p:sld xmlns:a="http://schemas.openxmlformats.org/drawingml/2006/main" xmlns:r="http://schemas.openxmlformats.org/officeDocument/2006/relationships" xmlns:p="http://schemas.openxmlformats.org/presentationml/2006/main">
+  <p:cSld>
+    <p:spTree>
+      <p:nvGrpSpPr>
+        <p:cNvPr id="1" name=""/>
+        <p:cNvGrpSpPr/>
+        <p:nvPr/>
+      </p:nvGrpSpPr>
+      <p:grpSpPr>
+        <a:xfrm>
+          <a:off x="0" y="0"/>
+          <a:ext cx="0" cy="0"/>
+          <a:chOff x="0" y="0"/>
+          <a:chExt cx="0" cy="0"/>
+        </a:xfrm>
+      </p:grpSpPr>
+      <p:sp>
+        <p:nvSpPr>
+          <p:cNvPr id="2" name="Title 1"/>
+          <p:cNvSpPr>
+            <a:spLocks noGrp="1"/>
+          </p:cNvSpPr>
+          <p:nvPr>
+            <p:ph type="title"/>
+          </p:nvPr>
+        </p:nvSpPr>
+        <p:spPr/>
+        <p:txBody>
+          <a:bodyPr/>
+          <a:lstStyle/>
+          <a:p>
+            <a:r>
+              <a:rPr lang="en-US" dirty="0" smtClean="0"/>
+              <a:t>Extension</a:t>
+            </a:r>
+            <a:endParaRPr lang="vi-VN" dirty="0"/>
+          </a:p>
+        </p:txBody>
+      </p:sp>
+      <p:sp>
+        <p:nvSpPr>
+          <p:cNvPr id="3" name="Content Placeholder 2"/>
+          <p:cNvSpPr>
+            <a:spLocks noGrp="1"/>
+          </p:cNvSpPr>
+          <p:nvPr>
+            <p:ph idx="1"/>
+          </p:nvPr>
+        </p:nvSpPr>
+        <p:spPr/>
+        <p:txBody>
+          <a:bodyPr/>
+          <a:lstStyle/>
+          <a:p>
+            <a:endParaRPr lang="vi-VN"/>
+          </a:p>
+        </p:txBody>
+      </p:sp>
+      <p:sp>
+        <p:nvSpPr>
+          <p:cNvPr id="4" name="Slide Number Placeholder 3"/>
+          <p:cNvSpPr>
+            <a:spLocks noGrp="1"/>
+          </p:cNvSpPr>
+          <p:nvPr>
+            <p:ph type="sldNum" sz="quarter" idx="11"/>
+          </p:nvPr>
+        </p:nvSpPr>
+        <p:spPr/>
+        <p:txBody>
+          <a:bodyPr/>
+          <a:lstStyle/>
+          <a:p>
+            <a:fld id="{AC358548-9BFF-2A41-B589-C75B6C647976}" type="slidenum">
+              <a:rPr lang="en-US" altLang="ja-JP" smtClean="0"/>
+              <a:pPr/>
+              <a:t>5</a:t>
+            </a:fld>
+            <a:endParaRPr lang="en-US"/>
+          </a:p>
+        </p:txBody>
+      </p:sp>
+    </p:spTree>
+    <p:extLst>
+      <p:ext uri="{BB962C8B-B14F-4D97-AF65-F5344CB8AC3E}">
+        <p14:creationId xmlns:p14="http://schemas.microsoft.com/office/powerpoint/2010/main" val="2652369140"/>
+      </p:ext>
+    </p:extLst>
+  </p:cSld>
+  <p:clrMapOvr>
+    <a:masterClrMapping/>
+  </p:clrMapOvr>
+</p:sld>
+</file>
+
+<file path=ppt/slides/slide6.xml><?xml version="1.0" encoding="utf-8"?>
+<p:sld xmlns:a="http://schemas.openxmlformats.org/drawingml/2006/main" xmlns:r="http://schemas.openxmlformats.org/officeDocument/2006/relationships" xmlns:p="http://schemas.openxmlformats.org/presentationml/2006/main">
+  <p:cSld>
+    <p:spTree>
+      <p:nvGrpSpPr>
+        <p:cNvPr id="1" name=""/>
+        <p:cNvGrpSpPr/>
+        <p:nvPr/>
+      </p:nvGrpSpPr>
+      <p:grpSpPr>
+        <a:xfrm>
+          <a:off x="0" y="0"/>
+          <a:ext cx="0" cy="0"/>
+          <a:chOff x="0" y="0"/>
+          <a:chExt cx="0" cy="0"/>
+        </a:xfrm>
+      </p:grpSpPr>
+      <p:sp>
+        <p:nvSpPr>
+          <p:cNvPr id="2" name="Title 1"/>
+          <p:cNvSpPr>
+            <a:spLocks noGrp="1"/>
+          </p:cNvSpPr>
+          <p:nvPr>
+            <p:ph type="title"/>
+          </p:nvPr>
+        </p:nvSpPr>
+        <p:spPr/>
+        <p:txBody>
+          <a:bodyPr/>
+          <a:lstStyle/>
+          <a:p>
+            <a:r>
+              <a:rPr lang="en-US" dirty="0" smtClean="0"/>
+              <a:t>Demo</a:t>
+            </a:r>
+            <a:endParaRPr lang="vi-VN" dirty="0"/>
+          </a:p>
+        </p:txBody>
+      </p:sp>
+      <p:sp>
+        <p:nvSpPr>
+          <p:cNvPr id="3" name="Content Placeholder 2"/>
+          <p:cNvSpPr>
+            <a:spLocks noGrp="1"/>
+          </p:cNvSpPr>
+          <p:nvPr>
+            <p:ph idx="1"/>
+          </p:nvPr>
+        </p:nvSpPr>
+        <p:spPr/>
+        <p:txBody>
+          <a:bodyPr/>
+          <a:lstStyle/>
+          <a:p>
+            <a:endParaRPr lang="vi-VN"/>
+          </a:p>
+        </p:txBody>
+      </p:sp>
+      <p:sp>
+        <p:nvSpPr>
+          <p:cNvPr id="4" name="Slide Number Placeholder 3"/>
+          <p:cNvSpPr>
+            <a:spLocks noGrp="1"/>
+          </p:cNvSpPr>
+          <p:nvPr>
+            <p:ph type="sldNum" sz="quarter" idx="11"/>
+          </p:nvPr>
+        </p:nvSpPr>
+        <p:spPr/>
+        <p:txBody>
+          <a:bodyPr/>
+          <a:lstStyle/>
+          <a:p>
+            <a:fld id="{AC358548-9BFF-2A41-B589-C75B6C647976}" type="slidenum">
+              <a:rPr lang="en-US" altLang="ja-JP" smtClean="0"/>
+              <a:pPr/>
+              <a:t>6</a:t>
+            </a:fld>
+            <a:endParaRPr lang="en-US"/>
+          </a:p>
+        </p:txBody>
+      </p:sp>
+    </p:spTree>
+    <p:extLst>
+      <p:ext uri="{BB962C8B-B14F-4D97-AF65-F5344CB8AC3E}">
+        <p14:creationId xmlns:p14="http://schemas.microsoft.com/office/powerpoint/2010/main" val="3188867542"/>
+      </p:ext>
+    </p:extLst>
+  </p:cSld>
+  <p:clrMapOvr>
+    <a:masterClrMapping/>
+  </p:clrMapOvr>
+  <p:timing>
+    <p:tnLst>
+      <p:par>
+        <p:cTn id="1" dur="indefinite" restart="never" nodeType="tmRoot"/>
+      </p:par>
+    </p:tnLst>
+  </p:timing>
+</p:sld>
+</file>
+
+<file path=ppt/slides/slide7.xml><?xml version="1.0" encoding="utf-8"?>
+<p:sld xmlns:a="http://schemas.openxmlformats.org/drawingml/2006/main" xmlns:r="http://schemas.openxmlformats.org/officeDocument/2006/relationships" xmlns:p="http://schemas.openxmlformats.org/presentationml/2006/main">
+  <p:cSld>
+    <p:spTree>
+      <p:nvGrpSpPr>
+        <p:cNvPr id="1" name=""/>
+        <p:cNvGrpSpPr/>
+        <p:nvPr/>
+      </p:nvGrpSpPr>
+      <p:grpSpPr>
+        <a:xfrm>
+          <a:off x="0" y="0"/>
+          <a:ext cx="0" cy="0"/>
+          <a:chOff x="0" y="0"/>
+          <a:chExt cx="0" cy="0"/>
+        </a:xfrm>
+      </p:grpSpPr>
+      <p:sp>
+        <p:nvSpPr>
+          <p:cNvPr id="2" name="Title 1"/>
+          <p:cNvSpPr>
+            <a:spLocks noGrp="1"/>
+          </p:cNvSpPr>
+          <p:nvPr>
+            <p:ph type="title"/>
+          </p:nvPr>
+        </p:nvSpPr>
+        <p:spPr/>
+        <p:txBody>
+          <a:bodyPr/>
+          <a:lstStyle/>
+          <a:p>
+            <a:r>
+              <a:rPr lang="en-US" dirty="0" smtClean="0"/>
+              <a:t>Question and Answer</a:t>
+            </a:r>
+            <a:endParaRPr lang="vi-VN" dirty="0"/>
+          </a:p>
+        </p:txBody>
+      </p:sp>
+      <p:sp>
+        <p:nvSpPr>
+          <p:cNvPr id="3" name="Content Placeholder 2"/>
+          <p:cNvSpPr>
+            <a:spLocks noGrp="1"/>
+          </p:cNvSpPr>
+          <p:nvPr>
+            <p:ph idx="1"/>
+          </p:nvPr>
+        </p:nvSpPr>
+        <p:spPr/>
+        <p:txBody>
+          <a:bodyPr/>
+          <a:lstStyle/>
+          <a:p>
+            <a:pPr marL="0" indent="0">
+              <a:buNone/>
+            </a:pPr>
+            <a:endParaRPr lang="en-US" dirty="0" smtClean="0"/>
+          </a:p>
+          <a:p>
+            <a:pPr marL="0" indent="0">
+              <a:buNone/>
+            </a:pPr>
+            <a:endParaRPr lang="en-US" dirty="0"/>
+          </a:p>
+          <a:p>
+            <a:pPr marL="0" indent="0">
+              <a:buNone/>
+            </a:pPr>
+            <a:endParaRPr lang="en-US" dirty="0" smtClean="0"/>
+          </a:p>
+          <a:p>
+            <a:pPr marL="0" indent="0" algn="ctr">
+              <a:buNone/>
+            </a:pPr>
+            <a:r>
+              <a:rPr lang="en-US" sz="4000" dirty="0" smtClean="0"/>
+              <a:t>Thank you for your attention!</a:t>
+            </a:r>
+            <a:endParaRPr lang="vi-VN" sz="4000" dirty="0"/>
+          </a:p>
+        </p:txBody>
+      </p:sp>
+      <p:sp>
+        <p:nvSpPr>
+          <p:cNvPr id="4" name="Slide Number Placeholder 3"/>
+          <p:cNvSpPr>
+            <a:spLocks noGrp="1"/>
+          </p:cNvSpPr>
+          <p:nvPr>
+            <p:ph type="sldNum" sz="quarter" idx="11"/>
+          </p:nvPr>
+        </p:nvSpPr>
+        <p:spPr/>
+        <p:txBody>
+          <a:bodyPr/>
+          <a:lstStyle/>
+          <a:p>
+            <a:fld id="{AC358548-9BFF-2A41-B589-C75B6C647976}" type="slidenum">
+              <a:rPr lang="en-US" altLang="ja-JP" smtClean="0"/>
+              <a:pPr/>
+              <a:t>7</a:t>
+            </a:fld>
+            <a:endParaRPr lang="en-US"/>
+          </a:p>
+        </p:txBody>
+      </p:sp>
+    </p:spTree>
+    <p:extLst>
+      <p:ext uri="{BB962C8B-B14F-4D97-AF65-F5344CB8AC3E}">
+        <p14:creationId xmlns:p14="http://schemas.microsoft.com/office/powerpoint/2010/main" val="1064953238"/>
+      </p:ext>
+    </p:extLst>
+  </p:cSld>
+  <p:clrMapOvr>
+    <a:masterClrMapping/>
+  </p:clrMapOvr>
+  <p:timing>
+    <p:tnLst>
+      <p:par>
+        <p:cTn id="1" dur="indefinite" restart="never" nodeType="tmRoot">
+          <p:childTnLst>
+            <p:seq concurrent="1" nextAc="seek">
+              <p:cTn id="2" dur="indefinite" nodeType="mainSeq">
+                <p:childTnLst>
+                  <p:par>
+                    <p:cTn id="3" fill="hold">
+                      <p:stCondLst>
+                        <p:cond delay="indefinite"/>
+                      </p:stCondLst>
+                      <p:childTnLst>
+                        <p:par>
+                          <p:cTn id="4" fill="hold">
+                            <p:stCondLst>
+                              <p:cond delay="0"/>
+                            </p:stCondLst>
+                            <p:childTnLst>
+                              <p:par>
+                                <p:cTn id="5" presetID="1" presetClass="entr" presetSubtype="0" fill="hold" nodeType="clickEffect">
+                                  <p:stCondLst>
+                                    <p:cond delay="0"/>
+                                  </p:stCondLst>
+                                  <p:childTnLst>
+                                    <p:set>
+                                      <p:cBhvr>
+                                        <p:cTn id="6" dur="1" fill="hold">
+                                          <p:stCondLst>
+                                            <p:cond delay="0"/>
+                                          </p:stCondLst>
+                                        </p:cTn>
+                                        <p:tgtEl>
+                                          <p:spTgt spid="3">
+                                            <p:txEl>
+                                              <p:pRg st="3" end="3"/>
+                                            </p:txEl>
+                                          </p:spTgt>
+                                        </p:tgtEl>
+                                        <p:attrNameLst>
+                                          <p:attrName>style.visibility</p:attrName>
+                                        </p:attrNameLst>
+                                      </p:cBhvr>
+                                      <p:to>
+                                        <p:strVal val="visible"/>
+                                      </p:to>
+                                    </p:set>
+                                  </p:childTnLst>
+                                </p:cTn>
+                              </p:par>
+                            </p:childTnLst>
+                          </p:cTn>
+                        </p:par>
+                      </p:childTnLst>
+                    </p:cTn>
+                  </p:par>
+                </p:childTnLst>
+              </p:cTn>
+              <p:prevCondLst>
+                <p:cond evt="onPrev" delay="0">
+                  <p:tgtEl>
+                    <p:sldTgt/>
+                  </p:tgtEl>
+                </p:cond>
+              </p:prevCondLst>
+              <p:nextCondLst>
+                <p:cond evt="onNext" delay="0">
+                  <p:tgtEl>
+                    <p:sldTgt/>
+                  </p:tgtEl>
+                </p:cond>
+              </p:nextCondLst>
+            </p:seq>
+          </p:childTnLst>
+        </p:cTn>
+      </p:par>
+    </p:tnLst>
+  </p:timing>
 </p:sld>
 </file>
 

--- a/Document/slide.pptx
+++ b/Document/slide.pptx
@@ -5,19 +5,29 @@
     <p:sldMasterId id="2147483732" r:id="rId1"/>
   </p:sldMasterIdLst>
   <p:notesMasterIdLst>
-    <p:notesMasterId r:id="rId9"/>
+    <p:notesMasterId r:id="rId19"/>
   </p:notesMasterIdLst>
   <p:handoutMasterIdLst>
-    <p:handoutMasterId r:id="rId10"/>
+    <p:handoutMasterId r:id="rId20"/>
   </p:handoutMasterIdLst>
   <p:sldIdLst>
     <p:sldId id="258" r:id="rId2"/>
     <p:sldId id="259" r:id="rId3"/>
     <p:sldId id="260" r:id="rId4"/>
-    <p:sldId id="262" r:id="rId5"/>
-    <p:sldId id="263" r:id="rId6"/>
-    <p:sldId id="264" r:id="rId7"/>
-    <p:sldId id="265" r:id="rId8"/>
+    <p:sldId id="266" r:id="rId5"/>
+    <p:sldId id="267" r:id="rId6"/>
+    <p:sldId id="262" r:id="rId7"/>
+    <p:sldId id="268" r:id="rId8"/>
+    <p:sldId id="269" r:id="rId9"/>
+    <p:sldId id="271" r:id="rId10"/>
+    <p:sldId id="270" r:id="rId11"/>
+    <p:sldId id="272" r:id="rId12"/>
+    <p:sldId id="273" r:id="rId13"/>
+    <p:sldId id="274" r:id="rId14"/>
+    <p:sldId id="275" r:id="rId15"/>
+    <p:sldId id="263" r:id="rId16"/>
+    <p:sldId id="264" r:id="rId17"/>
+    <p:sldId id="265" r:id="rId18"/>
   </p:sldIdLst>
   <p:sldSz cx="9144000" cy="6858000" type="screen4x3"/>
   <p:notesSz cx="6858000" cy="9144000"/>
@@ -148,7 +158,7 @@
   </p:defaultTextStyle>
   <p:extLst>
     <p:ext uri="{EFAFB233-063F-42B5-8137-9DF3F51BA10A}">
-      <p15:sldGuideLst xmlns:p15="http://schemas.microsoft.com/office/powerpoint/2012/main">
+      <p15:sldGuideLst xmlns:p15="http://schemas.microsoft.com/office/powerpoint/2012/main" xmlns="">
         <p15:guide id="1" orient="horz" pos="2160">
           <p15:clr>
             <a:srgbClr val="A4A3A4"/>
@@ -162,7 +172,7 @@
       </p15:sldGuideLst>
     </p:ext>
     <p:ext uri="{2D200454-40CA-4A62-9FC3-DE9A4176ACB9}">
-      <p15:notesGuideLst xmlns:p15="http://schemas.microsoft.com/office/powerpoint/2012/main"/>
+      <p15:notesGuideLst xmlns:p15="http://schemas.microsoft.com/office/powerpoint/2012/main" xmlns=""/>
     </p:ext>
   </p:extLst>
 </p:presentation>
@@ -1082,15 +1092,15 @@
             <a:noFill/>
           </a:ln>
           <a:extLst>
-            <a:ext uri="{909E8E84-426E-40dd-AFC4-6F175D3DCCD1}">
-              <a14:hiddenFill xmlns="" xmlns:a14="http://schemas.microsoft.com/office/drawing/2010/main">
+            <a:ext uri="{909E8E84-426E-40DD-AFC4-6F175D3DCCD1}">
+              <a14:hiddenFill xmlns:a14="http://schemas.microsoft.com/office/drawing/2010/main">
                 <a:solidFill>
                   <a:srgbClr val="FFFFFF"/>
                 </a:solidFill>
               </a14:hiddenFill>
             </a:ext>
-            <a:ext uri="{91240B29-F687-4f45-9708-019B960494DF}">
-              <a14:hiddenLine xmlns="" xmlns:a14="http://schemas.microsoft.com/office/drawing/2010/main" w="9525">
+            <a:ext uri="{91240B29-F687-4F45-9708-019B960494DF}">
+              <a14:hiddenLine xmlns:a14="http://schemas.microsoft.com/office/drawing/2010/main" w="9525">
                 <a:solidFill>
                   <a:srgbClr val="000000"/>
                 </a:solidFill>
@@ -4247,15 +4257,15 @@
             <a:noFill/>
           </a:ln>
           <a:extLst>
-            <a:ext uri="{909E8E84-426E-40dd-AFC4-6F175D3DCCD1}">
-              <a14:hiddenFill xmlns="" xmlns:a14="http://schemas.microsoft.com/office/drawing/2010/main">
+            <a:ext uri="{909E8E84-426E-40DD-AFC4-6F175D3DCCD1}">
+              <a14:hiddenFill xmlns:a14="http://schemas.microsoft.com/office/drawing/2010/main">
                 <a:solidFill>
                   <a:srgbClr val="FFFFFF"/>
                 </a:solidFill>
               </a14:hiddenFill>
             </a:ext>
-            <a:ext uri="{91240B29-F687-4f45-9708-019B960494DF}">
-              <a14:hiddenLine xmlns="" xmlns:a14="http://schemas.microsoft.com/office/drawing/2010/main" w="9525">
+            <a:ext uri="{91240B29-F687-4F45-9708-019B960494DF}">
+              <a14:hiddenLine xmlns:a14="http://schemas.microsoft.com/office/drawing/2010/main" w="9525">
                 <a:solidFill>
                   <a:srgbClr val="000000"/>
                 </a:solidFill>
@@ -4265,7 +4275,7 @@
               </a14:hiddenLine>
             </a:ext>
             <a:ext uri="{FAA26D3D-D897-4be2-8F04-BA451C77F1D7}">
-              <ma14:placeholderFlag xmlns="" xmlns:ma14="http://schemas.microsoft.com/office/mac/drawingml/2011/main" val="1"/>
+              <ma14:placeholderFlag xmlns:ma14="http://schemas.microsoft.com/office/mac/drawingml/2011/main" xmlns="" val="1"/>
             </a:ext>
           </a:extLst>
         </p:spPr>
@@ -4308,15 +4318,15 @@
             <a:noFill/>
           </a:ln>
           <a:extLst>
-            <a:ext uri="{909E8E84-426E-40dd-AFC4-6F175D3DCCD1}">
-              <a14:hiddenFill xmlns="" xmlns:a14="http://schemas.microsoft.com/office/drawing/2010/main">
+            <a:ext uri="{909E8E84-426E-40DD-AFC4-6F175D3DCCD1}">
+              <a14:hiddenFill xmlns:a14="http://schemas.microsoft.com/office/drawing/2010/main">
                 <a:solidFill>
                   <a:srgbClr val="FFFFFF"/>
                 </a:solidFill>
               </a14:hiddenFill>
             </a:ext>
-            <a:ext uri="{91240B29-F687-4f45-9708-019B960494DF}">
-              <a14:hiddenLine xmlns="" xmlns:a14="http://schemas.microsoft.com/office/drawing/2010/main" w="9525">
+            <a:ext uri="{91240B29-F687-4F45-9708-019B960494DF}">
+              <a14:hiddenLine xmlns:a14="http://schemas.microsoft.com/office/drawing/2010/main" w="9525">
                 <a:solidFill>
                   <a:srgbClr val="000000"/>
                 </a:solidFill>
@@ -4326,7 +4336,7 @@
               </a14:hiddenLine>
             </a:ext>
             <a:ext uri="{FAA26D3D-D897-4be2-8F04-BA451C77F1D7}">
-              <ma14:placeholderFlag xmlns="" xmlns:ma14="http://schemas.microsoft.com/office/mac/drawingml/2011/main" val="1"/>
+              <ma14:placeholderFlag xmlns:ma14="http://schemas.microsoft.com/office/mac/drawingml/2011/main" xmlns="" val="1"/>
             </a:ext>
           </a:extLst>
         </p:spPr>
@@ -4567,15 +4577,15 @@
               <a:noFill/>
             </a:ln>
             <a:extLst>
-              <a:ext uri="{909E8E84-426E-40dd-AFC4-6F175D3DCCD1}">
-                <a14:hiddenFill xmlns="" xmlns:a14="http://schemas.microsoft.com/office/drawing/2010/main">
+              <a:ext uri="{909E8E84-426E-40DD-AFC4-6F175D3DCCD1}">
+                <a14:hiddenFill xmlns:a14="http://schemas.microsoft.com/office/drawing/2010/main">
                   <a:solidFill>
                     <a:srgbClr val="FFFFFF"/>
                   </a:solidFill>
                 </a14:hiddenFill>
               </a:ext>
-              <a:ext uri="{91240B29-F687-4f45-9708-019B960494DF}">
-                <a14:hiddenLine xmlns="" xmlns:a14="http://schemas.microsoft.com/office/drawing/2010/main" w="9525">
+              <a:ext uri="{91240B29-F687-4F45-9708-019B960494DF}">
+                <a14:hiddenLine xmlns:a14="http://schemas.microsoft.com/office/drawing/2010/main" w="9525">
                   <a:solidFill>
                     <a:srgbClr val="000000"/>
                   </a:solidFill>
@@ -5274,18 +5284,12 @@
               </a:rPr>
               <a:t>Make people smile!</a:t>
             </a:r>
-            <a:endParaRPr lang="en-US" altLang="ja-JP" sz="5700" dirty="0" smtClean="0">
-              <a:solidFill>
-                <a:srgbClr val="0070C0"/>
-              </a:solidFill>
-            </a:endParaRPr>
           </a:p>
           <a:p>
             <a:r>
               <a:rPr lang="en-US" altLang="ja-JP" dirty="0" smtClean="0"/>
               <a:t>Presenter:</a:t>
             </a:r>
-            <a:endParaRPr lang="en-US" altLang="ja-JP" dirty="0" smtClean="0"/>
           </a:p>
           <a:p>
             <a:r>
@@ -5341,7 +5345,7 @@
 </p:sld>
 </file>
 
-<file path=ppt/slides/slide2.xml><?xml version="1.0" encoding="utf-8"?>
+<file path=ppt/slides/slide10.xml><?xml version="1.0" encoding="utf-8"?>
 <p:sld xmlns:a="http://schemas.openxmlformats.org/drawingml/2006/main" xmlns:r="http://schemas.openxmlformats.org/officeDocument/2006/relationships" xmlns:p="http://schemas.openxmlformats.org/presentationml/2006/main">
   <p:cSld>
     <p:spTree>
@@ -5360,7 +5364,7 @@
       </p:grpSpPr>
       <p:sp>
         <p:nvSpPr>
-          <p:cNvPr id="2" name="タイトル 1"/>
+          <p:cNvPr id="2" name="Title 1"/>
           <p:cNvSpPr>
             <a:spLocks noGrp="1"/>
           </p:cNvSpPr>
@@ -5374,56 +5378,10 @@
           <a:lstStyle/>
           <a:p>
             <a:r>
-              <a:rPr lang="en-US" altLang="ja-JP" dirty="0" smtClean="0"/>
-              <a:t>Contents</a:t>
-            </a:r>
-            <a:endParaRPr kumimoji="1" lang="ja-JP" altLang="en-US" dirty="0"/>
-          </a:p>
-        </p:txBody>
-      </p:sp>
-      <p:sp>
-        <p:nvSpPr>
-          <p:cNvPr id="3" name="コンテンツ プレースホルダー 2"/>
-          <p:cNvSpPr>
-            <a:spLocks noGrp="1"/>
-          </p:cNvSpPr>
-          <p:nvPr>
-            <p:ph idx="1"/>
-          </p:nvPr>
-        </p:nvSpPr>
-        <p:spPr/>
-        <p:txBody>
-          <a:bodyPr/>
-          <a:lstStyle/>
-          <a:p>
-            <a:r>
-              <a:rPr lang="en-US" altLang="ja-JP" dirty="0" smtClean="0"/>
-              <a:t>Introduction</a:t>
-            </a:r>
-          </a:p>
-          <a:p>
-            <a:r>
-              <a:rPr lang="en-US" altLang="ja-JP" dirty="0" smtClean="0"/>
+              <a:rPr lang="en-US" dirty="0" smtClean="0"/>
               <a:t>Implementation</a:t>
             </a:r>
-          </a:p>
-          <a:p>
-            <a:r>
-              <a:rPr lang="en-US" altLang="ja-JP" dirty="0" smtClean="0"/>
-              <a:t>Extension</a:t>
-            </a:r>
-          </a:p>
-          <a:p>
-            <a:r>
-              <a:rPr kumimoji="1" lang="en-US" altLang="ja-JP" dirty="0" smtClean="0"/>
-              <a:t>Demo</a:t>
-            </a:r>
-          </a:p>
-          <a:p>
-            <a:endParaRPr kumimoji="1" lang="en-US" altLang="ja-JP" dirty="0" smtClean="0"/>
-          </a:p>
-          <a:p>
-            <a:endParaRPr kumimoji="1" lang="ja-JP" altLang="en-US" dirty="0"/>
+            <a:endParaRPr lang="vi-VN" dirty="0"/>
           </a:p>
         </p:txBody>
       </p:sp>
@@ -5445,16 +5403,441 @@
             <a:fld id="{AC358548-9BFF-2A41-B589-C75B6C647976}" type="slidenum">
               <a:rPr lang="en-US" altLang="ja-JP" smtClean="0"/>
               <a:pPr/>
-              <a:t>2</a:t>
+              <a:t>10</a:t>
             </a:fld>
             <a:endParaRPr lang="en-US"/>
           </a:p>
         </p:txBody>
       </p:sp>
+      <p:sp>
+        <p:nvSpPr>
+          <p:cNvPr id="5" name="AutoShape 2" descr="http://images.clipartpanda.com/unhappy-family-clipart-sad-smiley.svg"/>
+          <p:cNvSpPr>
+            <a:spLocks noChangeAspect="1" noChangeArrowheads="1"/>
+          </p:cNvSpPr>
+          <p:nvPr/>
+        </p:nvSpPr>
+        <p:spPr bwMode="auto">
+          <a:xfrm>
+            <a:off x="155575" y="-144463"/>
+            <a:ext cx="304800" cy="304801"/>
+          </a:xfrm>
+          <a:prstGeom prst="rect">
+            <a:avLst/>
+          </a:prstGeom>
+          <a:noFill/>
+          <a:extLst>
+            <a:ext uri="{909E8E84-426E-40DD-AFC4-6F175D3DCCD1}">
+              <a14:hiddenFill xmlns:a14="http://schemas.microsoft.com/office/drawing/2010/main">
+                <a:solidFill>
+                  <a:srgbClr val="FFFFFF"/>
+                </a:solidFill>
+              </a14:hiddenFill>
+            </a:ext>
+          </a:extLst>
+        </p:spPr>
+        <p:txBody>
+          <a:bodyPr vert="horz" wrap="square" lIns="91440" tIns="45720" rIns="91440" bIns="45720" numCol="1" anchor="t" anchorCtr="0" compatLnSpc="1">
+            <a:prstTxWarp prst="textNoShape">
+              <a:avLst/>
+            </a:prstTxWarp>
+          </a:bodyPr>
+          <a:lstStyle/>
+          <a:p>
+            <a:endParaRPr lang="en-US"/>
+          </a:p>
+        </p:txBody>
+      </p:sp>
+      <p:sp>
+        <p:nvSpPr>
+          <p:cNvPr id="8" name="Rectangle 7"/>
+          <p:cNvSpPr/>
+          <p:nvPr/>
+        </p:nvSpPr>
+        <p:spPr>
+          <a:xfrm>
+            <a:off x="7020272" y="2636912"/>
+            <a:ext cx="1584175" cy="770450"/>
+          </a:xfrm>
+          <a:prstGeom prst="rect">
+            <a:avLst/>
+          </a:prstGeom>
+        </p:spPr>
+        <p:style>
+          <a:lnRef idx="0">
+            <a:schemeClr val="accent1"/>
+          </a:lnRef>
+          <a:fillRef idx="3">
+            <a:schemeClr val="accent1"/>
+          </a:fillRef>
+          <a:effectRef idx="3">
+            <a:schemeClr val="accent1"/>
+          </a:effectRef>
+          <a:fontRef idx="minor">
+            <a:schemeClr val="lt1"/>
+          </a:fontRef>
+        </p:style>
+        <p:txBody>
+          <a:bodyPr rtlCol="0" anchor="ctr"/>
+          <a:lstStyle/>
+          <a:p>
+            <a:pPr algn="ctr"/>
+            <a:r>
+              <a:rPr lang="en-US" smtClean="0"/>
+              <a:t>User</a:t>
+            </a:r>
+            <a:endParaRPr lang="en-US"/>
+          </a:p>
+        </p:txBody>
+      </p:sp>
+      <p:cxnSp>
+        <p:nvCxnSpPr>
+          <p:cNvPr id="9" name="Straight Arrow Connector 8"/>
+          <p:cNvCxnSpPr>
+            <a:stCxn id="8" idx="1"/>
+          </p:cNvCxnSpPr>
+          <p:nvPr/>
+        </p:nvCxnSpPr>
+        <p:spPr>
+          <a:xfrm flipH="1">
+            <a:off x="2990900" y="3022137"/>
+            <a:ext cx="4029372" cy="32457"/>
+          </a:xfrm>
+          <a:prstGeom prst="straightConnector1">
+            <a:avLst/>
+          </a:prstGeom>
+          <a:ln>
+            <a:solidFill>
+              <a:srgbClr val="002060"/>
+            </a:solidFill>
+            <a:tailEnd type="arrow"/>
+          </a:ln>
+        </p:spPr>
+        <p:style>
+          <a:lnRef idx="1">
+            <a:schemeClr val="accent1"/>
+          </a:lnRef>
+          <a:fillRef idx="0">
+            <a:schemeClr val="accent1"/>
+          </a:fillRef>
+          <a:effectRef idx="0">
+            <a:schemeClr val="accent1"/>
+          </a:effectRef>
+          <a:fontRef idx="minor">
+            <a:schemeClr val="tx1"/>
+          </a:fontRef>
+        </p:style>
+      </p:cxnSp>
+      <p:sp>
+        <p:nvSpPr>
+          <p:cNvPr id="10" name="TextBox 9"/>
+          <p:cNvSpPr txBox="1"/>
+          <p:nvPr/>
+        </p:nvSpPr>
+        <p:spPr>
+          <a:xfrm>
+            <a:off x="3026102" y="2479102"/>
+            <a:ext cx="3994170" cy="584775"/>
+          </a:xfrm>
+          <a:prstGeom prst="rect">
+            <a:avLst/>
+          </a:prstGeom>
+          <a:noFill/>
+        </p:spPr>
+        <p:txBody>
+          <a:bodyPr wrap="none" rtlCol="0">
+            <a:spAutoFit/>
+          </a:bodyPr>
+          <a:lstStyle/>
+          <a:p>
+            <a:r>
+              <a:rPr lang="en-US" sz="3200" b="1" smtClean="0">
+                <a:solidFill>
+                  <a:srgbClr val="FF0000"/>
+                </a:solidFill>
+              </a:rPr>
+              <a:t>Interesting Answer</a:t>
+            </a:r>
+            <a:r>
+              <a:rPr lang="en-US" sz="3200" b="1">
+                <a:solidFill>
+                  <a:srgbClr val="FF0000"/>
+                </a:solidFill>
+              </a:rPr>
+              <a:t>!</a:t>
+            </a:r>
+          </a:p>
+        </p:txBody>
+      </p:sp>
+      <p:pic>
+        <p:nvPicPr>
+          <p:cNvPr id="4098" name="Picture 2" descr="http://youthvillage.co.za/wp-content/uploads/2014/05/lol.jpg"/>
+          <p:cNvPicPr>
+            <a:picLocks noChangeAspect="1" noChangeArrowheads="1"/>
+          </p:cNvPicPr>
+          <p:nvPr/>
+        </p:nvPicPr>
+        <p:blipFill>
+          <a:blip r:embed="rId2" cstate="email">
+            <a:extLst>
+              <a:ext uri="{28A0092B-C50C-407E-A947-70E740481C1C}">
+                <a14:useLocalDpi xmlns:a14="http://schemas.microsoft.com/office/drawing/2010/main" val="0"/>
+              </a:ext>
+            </a:extLst>
+          </a:blip>
+          <a:srcRect/>
+          <a:stretch>
+            <a:fillRect/>
+          </a:stretch>
+        </p:blipFill>
+        <p:spPr bwMode="auto">
+          <a:xfrm>
+            <a:off x="1006850" y="1981001"/>
+            <a:ext cx="1984050" cy="2082271"/>
+          </a:xfrm>
+          <a:prstGeom prst="rect">
+            <a:avLst/>
+          </a:prstGeom>
+          <a:noFill/>
+          <a:extLst>
+            <a:ext uri="{909E8E84-426E-40DD-AFC4-6F175D3DCCD1}">
+              <a14:hiddenFill xmlns:a14="http://schemas.microsoft.com/office/drawing/2010/main">
+                <a:solidFill>
+                  <a:srgbClr val="FFFFFF"/>
+                </a:solidFill>
+              </a14:hiddenFill>
+            </a:ext>
+          </a:extLst>
+        </p:spPr>
+      </p:pic>
+      <p:graphicFrame>
+        <p:nvGraphicFramePr>
+          <p:cNvPr id="3" name="Table 2"/>
+          <p:cNvGraphicFramePr>
+            <a:graphicFrameLocks noGrp="1"/>
+          </p:cNvGraphicFramePr>
+          <p:nvPr>
+            <p:extLst>
+              <p:ext uri="{D42A27DB-BD31-4B8C-83A1-F6EECF244321}">
+                <p14:modId xmlns:p14="http://schemas.microsoft.com/office/powerpoint/2010/main" val="1057184972"/>
+              </p:ext>
+            </p:extLst>
+          </p:nvPr>
+        </p:nvGraphicFramePr>
+        <p:xfrm>
+          <a:off x="755576" y="4437112"/>
+          <a:ext cx="7659362" cy="1967096"/>
+        </p:xfrm>
+        <a:graphic>
+          <a:graphicData uri="http://schemas.openxmlformats.org/drawingml/2006/table">
+            <a:tbl>
+              <a:tblPr firstRow="1" bandRow="1">
+                <a:tableStyleId>{073A0DAA-6AF3-43AB-8588-CEC1D06C72B9}</a:tableStyleId>
+              </a:tblPr>
+              <a:tblGrid>
+                <a:gridCol w="3829681"/>
+                <a:gridCol w="3829681"/>
+              </a:tblGrid>
+              <a:tr h="504056">
+                <a:tc>
+                  <a:txBody>
+                    <a:bodyPr/>
+                    <a:lstStyle/>
+                    <a:p>
+                      <a:r>
+                        <a:rPr lang="en-US" smtClean="0"/>
+                        <a:t>What</a:t>
+                      </a:r>
+                      <a:r>
+                        <a:rPr lang="en-US" baseline="0" smtClean="0"/>
+                        <a:t> is your favourite food?</a:t>
+                      </a:r>
+                      <a:endParaRPr lang="en-US"/>
+                    </a:p>
+                  </a:txBody>
+                  <a:tcPr>
+                    <a:solidFill>
+                      <a:schemeClr val="accent1">
+                        <a:lumMod val="60000"/>
+                        <a:lumOff val="40000"/>
+                      </a:schemeClr>
+                    </a:solidFill>
+                  </a:tcPr>
+                </a:tc>
+                <a:tc>
+                  <a:txBody>
+                    <a:bodyPr/>
+                    <a:lstStyle/>
+                    <a:p>
+                      <a:endParaRPr lang="en-US"/>
+                    </a:p>
+                  </a:txBody>
+                  <a:tcPr>
+                    <a:solidFill>
+                      <a:schemeClr val="bg1">
+                        <a:lumMod val="95000"/>
+                      </a:schemeClr>
+                    </a:solidFill>
+                  </a:tcPr>
+                </a:tc>
+              </a:tr>
+              <a:tr h="504056">
+                <a:tc>
+                  <a:txBody>
+                    <a:bodyPr/>
+                    <a:lstStyle/>
+                    <a:p>
+                      <a:endParaRPr lang="en-US"/>
+                    </a:p>
+                  </a:txBody>
+                  <a:tcPr>
+                    <a:solidFill>
+                      <a:schemeClr val="bg1">
+                        <a:lumMod val="95000"/>
+                      </a:schemeClr>
+                    </a:solidFill>
+                  </a:tcPr>
+                </a:tc>
+                <a:tc>
+                  <a:txBody>
+                    <a:bodyPr/>
+                    <a:lstStyle/>
+                    <a:p>
+                      <a:r>
+                        <a:rPr kumimoji="1" lang="en-US" sz="1800" b="1" kern="1200" smtClean="0">
+                          <a:solidFill>
+                            <a:schemeClr val="lt1"/>
+                          </a:solidFill>
+                          <a:latin typeface="+mn-lt"/>
+                          <a:ea typeface="+mn-ea"/>
+                          <a:cs typeface="+mn-cs"/>
+                        </a:rPr>
+                        <a:t>Taylor Swift ! </a:t>
+                      </a:r>
+                    </a:p>
+                    <a:p>
+                      <a:endParaRPr kumimoji="1" lang="en-US" sz="1800" b="1" kern="1200" smtClean="0">
+                        <a:solidFill>
+                          <a:schemeClr val="lt1"/>
+                        </a:solidFill>
+                        <a:latin typeface="+mn-lt"/>
+                        <a:ea typeface="+mn-ea"/>
+                        <a:cs typeface="+mn-cs"/>
+                      </a:endParaRPr>
+                    </a:p>
+                    <a:p>
+                      <a:endParaRPr kumimoji="1" lang="en-US" sz="1800" b="1" kern="1200" smtClean="0">
+                        <a:solidFill>
+                          <a:schemeClr val="lt1"/>
+                        </a:solidFill>
+                        <a:latin typeface="+mn-lt"/>
+                        <a:ea typeface="+mn-ea"/>
+                        <a:cs typeface="+mn-cs"/>
+                      </a:endParaRPr>
+                    </a:p>
+                    <a:p>
+                      <a:endParaRPr kumimoji="1" lang="en-US" sz="1800" b="1" kern="1200" smtClean="0">
+                        <a:solidFill>
+                          <a:schemeClr val="lt1"/>
+                        </a:solidFill>
+                        <a:latin typeface="+mn-lt"/>
+                        <a:ea typeface="+mn-ea"/>
+                        <a:cs typeface="+mn-cs"/>
+                      </a:endParaRPr>
+                    </a:p>
+                    <a:p>
+                      <a:endParaRPr kumimoji="1" lang="en-US" sz="1800" b="1" kern="1200">
+                        <a:solidFill>
+                          <a:schemeClr val="lt1"/>
+                        </a:solidFill>
+                        <a:latin typeface="+mn-lt"/>
+                        <a:ea typeface="+mn-ea"/>
+                        <a:cs typeface="+mn-cs"/>
+                      </a:endParaRPr>
+                    </a:p>
+                  </a:txBody>
+                  <a:tcPr>
+                    <a:solidFill>
+                      <a:schemeClr val="accent1">
+                        <a:lumMod val="60000"/>
+                        <a:lumOff val="40000"/>
+                      </a:schemeClr>
+                    </a:solidFill>
+                  </a:tcPr>
+                </a:tc>
+              </a:tr>
+            </a:tbl>
+          </a:graphicData>
+        </a:graphic>
+      </p:graphicFrame>
+      <p:pic>
+        <p:nvPicPr>
+          <p:cNvPr id="4099" name="Picture 3"/>
+          <p:cNvPicPr>
+            <a:picLocks noChangeAspect="1" noChangeArrowheads="1"/>
+          </p:cNvPicPr>
+          <p:nvPr/>
+        </p:nvPicPr>
+        <p:blipFill>
+          <a:blip r:embed="rId3" cstate="email">
+            <a:extLst>
+              <a:ext uri="{28A0092B-C50C-407E-A947-70E740481C1C}">
+                <a14:useLocalDpi xmlns:a14="http://schemas.microsoft.com/office/drawing/2010/main" val="0"/>
+              </a:ext>
+            </a:extLst>
+          </a:blip>
+          <a:srcRect/>
+          <a:stretch>
+            <a:fillRect/>
+          </a:stretch>
+        </p:blipFill>
+        <p:spPr bwMode="auto">
+          <a:xfrm>
+            <a:off x="6516216" y="5250031"/>
+            <a:ext cx="1616174" cy="1071594"/>
+          </a:xfrm>
+          <a:prstGeom prst="rect">
+            <a:avLst/>
+          </a:prstGeom>
+          <a:noFill/>
+          <a:ln>
+            <a:noFill/>
+          </a:ln>
+          <a:effectLst/>
+          <a:extLst>
+            <a:ext uri="{909E8E84-426E-40DD-AFC4-6F175D3DCCD1}">
+              <a14:hiddenFill xmlns:a14="http://schemas.microsoft.com/office/drawing/2010/main">
+                <a:solidFill>
+                  <a:schemeClr val="accent1"/>
+                </a:solidFill>
+              </a14:hiddenFill>
+            </a:ext>
+            <a:ext uri="{91240B29-F687-4F45-9708-019B960494DF}">
+              <a14:hiddenLine xmlns:a14="http://schemas.microsoft.com/office/drawing/2010/main" w="9525">
+                <a:solidFill>
+                  <a:schemeClr val="tx1"/>
+                </a:solidFill>
+                <a:miter lim="800000"/>
+                <a:headEnd/>
+                <a:tailEnd/>
+              </a14:hiddenLine>
+            </a:ext>
+            <a:ext uri="{AF507438-7753-43E0-B8FC-AC1667EBCBE1}">
+              <a14:hiddenEffects xmlns:a14="http://schemas.microsoft.com/office/drawing/2010/main">
+                <a:effectLst>
+                  <a:outerShdw dist="35921" dir="2700000" algn="ctr" rotWithShape="0">
+                    <a:schemeClr val="bg2"/>
+                  </a:outerShdw>
+                </a:effectLst>
+              </a14:hiddenEffects>
+            </a:ext>
+          </a:extLst>
+        </p:spPr>
+      </p:pic>
     </p:spTree>
     <p:extLst>
       <p:ext uri="{BB962C8B-B14F-4D97-AF65-F5344CB8AC3E}">
-        <p14:creationId xmlns:p14="http://schemas.microsoft.com/office/powerpoint/2010/main" val="3780838480"/>
+        <p14:creationId xmlns:p14="http://schemas.microsoft.com/office/powerpoint/2010/main" val="49287179"/>
       </p:ext>
     </p:extLst>
   </p:cSld>
@@ -5471,7 +5854,7 @@
 </p:sld>
 </file>
 
-<file path=ppt/slides/slide3.xml><?xml version="1.0" encoding="utf-8"?>
+<file path=ppt/slides/slide11.xml><?xml version="1.0" encoding="utf-8"?>
 <p:sld xmlns:a="http://schemas.openxmlformats.org/drawingml/2006/main" xmlns:r="http://schemas.openxmlformats.org/officeDocument/2006/relationships" xmlns:p="http://schemas.openxmlformats.org/presentationml/2006/main">
   <p:cSld>
     <p:spTree>
@@ -5490,7 +5873,403 @@
       </p:grpSpPr>
       <p:sp>
         <p:nvSpPr>
-          <p:cNvPr id="2" name="Title 1"/>
+          <p:cNvPr id="4" name="Slide Number Placeholder 3"/>
+          <p:cNvSpPr>
+            <a:spLocks noGrp="1"/>
+          </p:cNvSpPr>
+          <p:nvPr>
+            <p:ph type="sldNum" sz="quarter" idx="11"/>
+          </p:nvPr>
+        </p:nvSpPr>
+        <p:spPr/>
+        <p:txBody>
+          <a:bodyPr/>
+          <a:lstStyle/>
+          <a:p>
+            <a:fld id="{AC358548-9BFF-2A41-B589-C75B6C647976}" type="slidenum">
+              <a:rPr lang="en-US" altLang="ja-JP" smtClean="0"/>
+              <a:pPr/>
+              <a:t>11</a:t>
+            </a:fld>
+            <a:endParaRPr lang="en-US"/>
+          </a:p>
+        </p:txBody>
+      </p:sp>
+      <p:sp>
+        <p:nvSpPr>
+          <p:cNvPr id="5" name="AutoShape 2" descr="http://images.clipartpanda.com/unhappy-family-clipart-sad-smiley.svg"/>
+          <p:cNvSpPr>
+            <a:spLocks noChangeAspect="1" noChangeArrowheads="1"/>
+          </p:cNvSpPr>
+          <p:nvPr/>
+        </p:nvSpPr>
+        <p:spPr bwMode="auto">
+          <a:xfrm>
+            <a:off x="155575" y="-144463"/>
+            <a:ext cx="304800" cy="304801"/>
+          </a:xfrm>
+          <a:prstGeom prst="rect">
+            <a:avLst/>
+          </a:prstGeom>
+          <a:noFill/>
+          <a:extLst>
+            <a:ext uri="{909E8E84-426E-40DD-AFC4-6F175D3DCCD1}">
+              <a14:hiddenFill xmlns:a14="http://schemas.microsoft.com/office/drawing/2010/main">
+                <a:solidFill>
+                  <a:srgbClr val="FFFFFF"/>
+                </a:solidFill>
+              </a14:hiddenFill>
+            </a:ext>
+          </a:extLst>
+        </p:spPr>
+        <p:txBody>
+          <a:bodyPr vert="horz" wrap="square" lIns="91440" tIns="45720" rIns="91440" bIns="45720" numCol="1" anchor="t" anchorCtr="0" compatLnSpc="1">
+            <a:prstTxWarp prst="textNoShape">
+              <a:avLst/>
+            </a:prstTxWarp>
+          </a:bodyPr>
+          <a:lstStyle/>
+          <a:p>
+            <a:endParaRPr lang="en-US"/>
+          </a:p>
+        </p:txBody>
+      </p:sp>
+      <p:sp>
+        <p:nvSpPr>
+          <p:cNvPr id="11" name="Rectangle 10"/>
+          <p:cNvSpPr/>
+          <p:nvPr/>
+        </p:nvSpPr>
+        <p:spPr>
+          <a:xfrm>
+            <a:off x="7020272" y="2636912"/>
+            <a:ext cx="1584175" cy="770450"/>
+          </a:xfrm>
+          <a:prstGeom prst="rect">
+            <a:avLst/>
+          </a:prstGeom>
+        </p:spPr>
+        <p:style>
+          <a:lnRef idx="0">
+            <a:schemeClr val="accent1"/>
+          </a:lnRef>
+          <a:fillRef idx="3">
+            <a:schemeClr val="accent1"/>
+          </a:fillRef>
+          <a:effectRef idx="3">
+            <a:schemeClr val="accent1"/>
+          </a:effectRef>
+          <a:fontRef idx="minor">
+            <a:schemeClr val="lt1"/>
+          </a:fontRef>
+        </p:style>
+        <p:txBody>
+          <a:bodyPr rtlCol="0" anchor="ctr"/>
+          <a:lstStyle/>
+          <a:p>
+            <a:pPr algn="ctr"/>
+            <a:r>
+              <a:rPr lang="en-US" smtClean="0"/>
+              <a:t>User</a:t>
+            </a:r>
+            <a:endParaRPr lang="en-US"/>
+          </a:p>
+        </p:txBody>
+      </p:sp>
+      <p:sp>
+        <p:nvSpPr>
+          <p:cNvPr id="12" name="Rectangle 11"/>
+          <p:cNvSpPr/>
+          <p:nvPr/>
+        </p:nvSpPr>
+        <p:spPr>
+          <a:xfrm>
+            <a:off x="1403648" y="2636912"/>
+            <a:ext cx="1584175" cy="770450"/>
+          </a:xfrm>
+          <a:prstGeom prst="rect">
+            <a:avLst/>
+          </a:prstGeom>
+        </p:spPr>
+        <p:style>
+          <a:lnRef idx="0">
+            <a:schemeClr val="accent1"/>
+          </a:lnRef>
+          <a:fillRef idx="3">
+            <a:schemeClr val="accent1"/>
+          </a:fillRef>
+          <a:effectRef idx="3">
+            <a:schemeClr val="accent1"/>
+          </a:effectRef>
+          <a:fontRef idx="minor">
+            <a:schemeClr val="lt1"/>
+          </a:fontRef>
+        </p:style>
+        <p:txBody>
+          <a:bodyPr rtlCol="0" anchor="ctr"/>
+          <a:lstStyle/>
+          <a:p>
+            <a:pPr algn="ctr"/>
+            <a:r>
+              <a:rPr lang="en-US" smtClean="0"/>
+              <a:t>User</a:t>
+            </a:r>
+            <a:endParaRPr lang="en-US"/>
+          </a:p>
+        </p:txBody>
+      </p:sp>
+      <p:cxnSp>
+        <p:nvCxnSpPr>
+          <p:cNvPr id="7" name="Straight Arrow Connector 6"/>
+          <p:cNvCxnSpPr/>
+          <p:nvPr/>
+        </p:nvCxnSpPr>
+        <p:spPr>
+          <a:xfrm>
+            <a:off x="2987823" y="3022137"/>
+            <a:ext cx="4032449" cy="0"/>
+          </a:xfrm>
+          <a:prstGeom prst="straightConnector1">
+            <a:avLst/>
+          </a:prstGeom>
+          <a:ln>
+            <a:headEnd type="arrow"/>
+            <a:tailEnd type="arrow"/>
+          </a:ln>
+        </p:spPr>
+        <p:style>
+          <a:lnRef idx="2">
+            <a:schemeClr val="dk1"/>
+          </a:lnRef>
+          <a:fillRef idx="0">
+            <a:schemeClr val="dk1"/>
+          </a:fillRef>
+          <a:effectRef idx="1">
+            <a:schemeClr val="dk1"/>
+          </a:effectRef>
+          <a:fontRef idx="minor">
+            <a:schemeClr val="tx1"/>
+          </a:fontRef>
+        </p:style>
+      </p:cxnSp>
+      <p:sp>
+        <p:nvSpPr>
+          <p:cNvPr id="15" name="TextBox 14"/>
+          <p:cNvSpPr txBox="1"/>
+          <p:nvPr/>
+        </p:nvSpPr>
+        <p:spPr>
+          <a:xfrm>
+            <a:off x="4456461" y="2344524"/>
+            <a:ext cx="1095172" cy="584775"/>
+          </a:xfrm>
+          <a:prstGeom prst="rect">
+            <a:avLst/>
+          </a:prstGeom>
+          <a:noFill/>
+        </p:spPr>
+        <p:txBody>
+          <a:bodyPr wrap="none" rtlCol="0">
+            <a:spAutoFit/>
+          </a:bodyPr>
+          <a:lstStyle/>
+          <a:p>
+            <a:r>
+              <a:rPr lang="en-US" sz="3200" b="1" smtClean="0">
+                <a:solidFill>
+                  <a:srgbClr val="FF0000"/>
+                </a:solidFill>
+              </a:rPr>
+              <a:t>Chat</a:t>
+            </a:r>
+            <a:endParaRPr lang="en-US" sz="3200" b="1">
+              <a:solidFill>
+                <a:srgbClr val="FF0000"/>
+              </a:solidFill>
+            </a:endParaRPr>
+          </a:p>
+        </p:txBody>
+      </p:sp>
+      <p:sp>
+        <p:nvSpPr>
+          <p:cNvPr id="13" name="AutoShape 2" descr="data:image/jpeg;base64,/9j/4AAQSkZJRgABAQAAAQABAAD/2wCEAAkGBxMREhQQEhEVFRIXEhQQERgRExAUFhESFRIYGBQTExMZHSkhGBolHRUVITIiKSkrLi4uFx8zODMsNygtLisBCgoKDg0OGxAQGzQmICQyNTEvLy80LCwvLS8sLCw3LC8tMDQ0LCw3LDQsNCwsLCw3LCwsLC8sNCwwLCw1Ly00LP/AABEIAOEA4QMBEQACEQEDEQH/xAAbAAEAAgMBAQAAAAAAAAAAAAAABQYDBAcCAf/EAEEQAAIBAgIGBQgGCQUAAAAAAAABAgMRBCEFBhIxQVFhcYGRoRMiMlJyscHRI0JTYpLCBxQzc4KisuHwFRdDVKP/xAAbAQEAAgMBAQAAAAAAAAAAAAAABAUCAwYHAf/EADsRAAIBAwEEBwYFAwMFAAAAAAABAgMEEQUhMUGhElFhcZGx0RMiMoHB8BRCUmLhBhUzI4KSFnKy0vH/2gAMAwEAAhEDEQA/AO4gAAAAAAAAAAAAAAAAAAAAAAAAAAAAAAAAAAAAAAAAAAAAAAAAAAAAAAAAAAAAAAAAAAAAAAAAAAAAAAAAAAAAAAAAAAAAAAAAAAAAAAAAAAAAAAAAAAAAAAAAAAAAAAAAAAAAAAAAAAAAAAAAAAAAAAAAAAAAAAAAAAAAAAAAAAAAAAAAAAAAAAAAAAAAAAAAAAAAAAAAAAAAAAAAAAAAAAAAAAAAAAAAAAAAAAAAAAAAAAAAAAAAAAAAAAAAAAAAAAAAAAAAAAAAAAAAAAAAHmpNRTlJpJZtt2S62fJSUVmTwj6k5PCIbE6z0Iu0dqfsrLvdisqavbx2RzLu/nBPhptaW14XeYaetlJ74TX4X8TVHWqLe2LXh6mctLqLc0TGCx9Osr05qXNbmuuLzRZULmlWWabz99RBq0KlJ4msGybzUGwCA0hrfhqTcVJ1JLeqSTS/ibS7mTqWn1prOMd5V19XtqTxnL7PXcaEdfqN86VVLo2H4XNz0qp+pcyMtfocYvl6k5ovTtDEZU6i2vVleMu57+y5DrWtWl8S2dZZW19QuNlOW3q3MkiOSwAAAAAAAAAAAAAAAAAAAAAAAAAADzVqKKcpOySbbfBLeYykoxcpbkfYxcnhFB0zpaWIlxVNPzI/GXN+45G8vZ3Mv28F9X2+R0lraxoR7eLI4hEoAGTD15U5KcJOMlua/wA3GdOpKnJSg8NGM4RnHoyWUX7QukViKanukvNmlwlzXQzrrK6VxS6XHc+85u6t3RqdHhwKVrprDKpOWHpytSi9mbX/ACSW9X9Vbrce46qws1CKqSW17uw4rV9RlObo037q39r9CploUIAPsJNNNNpp3TTs0+aZ8aTWGfU2nlHSNTNYXiIujVf0sVdP7SHPrWVzn7+0VJ9OG58jsNJ1F3EfZ1PiXNepZyuLkAAAAAAAAAAAAAAAAAAAAAAAAAEJrdWcaFl9acYPqzl+Uq9YqONvhcWl9foWGmwUq2epZKScsX4AAAAJrVvFOn5fooSqdsN39ReaC27l03x9V6lPrT6Nv7RcM+T9CkSg7bTTs21fnJWbV+ea7z1LKzg8hcZY6TPJ9MAAACR1dxLp4mjJfaRi/Zk9mXg2R7qCnRkn1eRMsKjp3MJLrx47Dr5yp3wAAAAAAAAAAAAAAAAAAAAAAAAAIfWvDueHbW+ElU7FdPwbfYVmrUnO3bX5dvryJ2nVFCsk+OwpVBRckpNxi8m0r7PTbijmIKLklJ4XX1F/NySzFZZMS1Xrb4ypyi801Jq657iyekV98Wmu9+hBWpUt0k0z1S1VrPfKEV1yb7rH2OjV2/eaXi/ofJanRW5Nm9/otHCwdaq/KSivNTsouXBKPHPncl/gKFpB1aj6TXhnhs/+kb8ZVuZqnDYn447zDqrhHU8tVnumnTvz2s5v3HzRIy6cq7+3nL+g1VxcFRX3swiA1cqRo16mCxMU6c5bD2llGpH0ZdF77+lHfXSlUpqtSe1eR53YSjRrStq62N429a3P5+hOY3UOlJ3pVJU+hpTS6tz8SFT1WovjWeRZVtBoy205Nc/55mh/t/P/ALEfwS+Zv/u0f08yL/09L9fIjNP6Ho4OOw6rq15cElGNOPrSV22+Sv0km2uKld5xiPjkhXtlRtI9Fy6U38ku302mpqvg3VxVKK3KaqS6Iwe079yXabLyooUZP5eJo02i6tzBLg8+B1s5c7sAAAAAAAAAAAAAAAAAAAAAAAAAHxq+T3bmGshPBS9N6AlSbnTTlT32Wbh0NcV0nL3umTpNyprMea/gv7W+jUXRm8S8zBojTtSh5vp0/Vb9H2Xw6jTZ6jUt/d3x6uru9DZc2UK23c+v1Jt620rfs6l+XmW77/AtHrdHHwvl6lf/AGqpn4lzNHyNfHzUpLYordy/hv6UuncRehcahNOS6MF97Ot9u76yOnRsotR2y+/BFqw2HjTioQVopWX+czoKVKNKChBbEU9Scpycpb2V7W3Vn9Z+lpWVZKzTyVRLcm+EuT7H0Wtle+x9yfw+RSanpn4n/Up/F5/z990FgdasRhPocRSctnJbbcZpe1Z7S6fEm1LCjX9+m8d21FZR1W4tf9OvHOOvY/5PukNe6sls0qap/eb22upWSXifKWlwi8zeeR9r69UksU447d/3zK5hsLWxNRqEZVJt3k83m+MpPd1ssJzp0Y7diKenSrXM/dTk397WdJ1X0AsJBttSqytttbkvVj0e8568u3Xls3Lcdhp2nq1ht2ye9/RE4QyyAAAAAAAAAAAAAAAAAAAAAPEKid0mnZ2lZp2fJ8mYqcZZw9x9cWt6PZkfAAACD1g1mp4RqDTnUavsppWXBylwJltZTr7dy6ytvtTp2vutZl1epW4a20as15bCQ2W7OSacorn6OZsuNAozTk0m+7eRLf8AqeopqLWF37jenpnDwd6OFi+UpqK7smcVK+tqUv8ASorK69nqzuY2laovfqeBmpa3Sv51JW+7Jp+KNkNbln3obOxmEtKjj3ZGvjdenB2jh+pynv7EvidZp1KhfU/aU6nesbV3/eGcjql9XsKvs6lLfuedj7tn8oj6mvtf6tOkutTf5kWa0qlxb5FRLX6/5Yrn6oxz10qTWzVw9CpHk4y+LZktNjHbCTX38jF63OaxVpxa++8z6O01gJNKrg403zUVUj2q1/Bmutb3MVmNTK8Ddb3tjUklOjhvqWf55FvwOkcNlTpThHgopbCfUrK/Yc1HUKNaWOnl/fXvOu/A1KMdkMLs/gkiSaQAAAAAAAAAAAAAAAAAAAfJPLLN8Ok+PcfUQtXT06f7XC1Iri1aS/FkvEq5alOn/lpSXg147ifGxjP/AB1E+RC4zTEI1lXw+0nJWqxkrRlbc8nv+XWVla9hGv7a33v4k9z+/viT6VpKVL2Vbhua4E3hdZqEleTcHxUk33NLMtaWrW817zw+0r6mnVov3VkVtZ6C3OUvZi1/VY+T1e2juy/l64EdNrvfhfMi8XrZN5U6aj0ye0+5ZLxIFbWpvZTjjv2/fMmU9Livjee4o2ksTKpVnObvJvNvjZWXgkei6Vl2VJve4pvvayzyzWHm+rdkmvknheRrE8rkS2HjKL2XnHg+XQzzTVKtjfUndUn0Kq+KD/N2rrf03pHqWk0r+wqq0qrp0n8M1+XsfZ1dXBmyc4dMYsVS2otcd66y00a+lZ3kJ591vEu5+m8qdbsI3tnOnj3ltj3r13fMhT1s8cPsEr5uyNdWU4wcoRy0ti3ZfVk20YwnUjGpLoxb2vfhdeCSwihe0U27b2jgNdlqnsVK6koxk8KEX59fbtx2HougQ0r2zhaRcpRWXOS8t2G+GEt283Dkzry6apYyVSlKMndwkkm9+y1km+86jSK86lJxk89F8ih1GjGFROPEnS1K4AAAAAAAAAAAAAAAAAA1dJU9qm/pJU0vOcob0ks+G40XMOlTfvOPHKN1CXRmvdT7GVDGY2GzKMcZWndNWlF2l0O7WRzda4pODjGvJ9jWx+Rd0qM+km6UUQ5Wk4AAAAGjjKCUZP7ya8F8zttA1Sda4o0NqUabi+ptPY/BLmcN/UOlQo2tevszKakutJrDXi3yPEsOr1EluSce4m09Xqqla1pvZOcoy7drS9SDV0ei615RhHbGMZQ7NibXz3G9QleKfQji9Uoqje1aa4SfPb9TuNKruvZUqj3uK8VsZ7IBPB8e4+kHWVpNdL957Vbz6dKEnxSfI8Nu4KFecFwk14M8G4jkph1sWgvSecuhHnOqSeoRq3s5YpU/dp/uefLi+zZwZ6ZpUFprpWUFmrP3qn7Vjz4Lty+JnVZWT5vZXTnYqJaXXVV0dmYx6cv2rGcPt3fNl3HVaEqUa23EpdCP7nnGV2b33Il9VNNKniPIS9CpaKeWVTh2Pd12On0jTJQ05Vmvek+l/t3Lyz3M5rUtXjLU3b591Lo/7t7/APXvRfjYSAAAAAAAAAAAAAAAAAAAAamkaFScbU6ig+N4Kd1yz3Ee4p1ZxxTl0X3ZN1GdODzOOfngrctU6v2kO6S+BRvRav6lzLZapT/Sz4tUqv2kP5vkFotX9S5j+6U/0vkZI6oy41kuqDfxM1ok+M14fyYvVY8I8/4NinqjD61WT9lRXvubo6JT/NN8l6mqWqz4RX34EPrNomFGUIxu4yjfznfzovP3oiXMJafXhUt208Pbv7HyZupdC/oyp11lZWzd2rmiHVNXcuixEleTlaRtWvdjJyXXt4eZIhYwjdyuk/elFRa4bOPkekrEWc5Tk5SeW+L2slQhGEVGCwlwWxH0xMgfJbj6iDrPzpdb957TbR6NGEepLyPDryXTuKkuuT82eDcRzPRxGypPNyasn/cp73S/xFShFYVKm8uK2Za+HC3Y35Lqx1b8NTryll1aiSUntwtvSy9+d2O4+1cRlFLLZXiLPSuhO4nXxJ1ZP/hwXhvMr3V3OFvTt8x9lFf89mX47jBtO9757+0uEklgpHJt9JvadY1X0r+s0Izfpx8yp7SW/tVn2nMXlD2NVrhvR3WnXf4mgpcVsfeS5FJwAAAAAAAAAAAAAAAAAAAAAAAAAK7rpSvThLlO3ZKL+SKbWoZpRl1PzRaaXLFSUewqBzZdgAAHqnTcmox3t2XWzdbwU60IPi0ue01XE3ClKS3pPyK8e0nhgB8AAAPU4OOTVslJdTV0+5nxNPcZSi47yf1I0p5HEKDfmVbQfRL6j73b+Ig6hQ9pSyt62+pa6Pdexr9F7pbPnw9PmdPOcOzAAAAAAAAAAAAAAAAAAAAAAAAABEa1Qvhpvk4P+dL4lbq0c2suzHmibp7xXXz8iinKHRAAAEnq3S2sTT5Jyk+yLt42J2mx6V1Dsy+T+pEvpYoS++JVdIUdirUh6tSce6TR67Sl0oKXWjxe4h0Kso9Tfma5sNIAABJaeVqkYerQoQfX5GLfvI9ttg31t+bJt/sqKPVGK5IjUzeQ08HXtXdIfrGHp1X6Vtmftxyl8+05a6o+yquPgd9Y3Ht6EZ8ePeiSI5LAAAAAAAAAAAAAAAAAAAAAAAANDTsb4er7Dfdn8CJfrNtPuZJtHivHvOenGnTEho3RTrQqzTtsRusr7UrN26Ml4omW1nKvCc0/h5v78yNXuVSnGLW/kR5DJJPam071pS5U33uS+TLfRoZruXUvNordUlikl1srOttLZxlZfeUvxRUviem2Us0Is8o1SPRu5rt80iMw9JzlGC3ykoK/OTsveSZSUYuT4EKnBzkore9hIaxaHeEq+S2tpOKnF2tdO6eXWmaLW49vDpYwS7+zdrV6GcrGSMSvl2EghJZeC1ad0C4UJYmomq0sRkr5RpNuMVllwT6rFZbXSlUVOPwpcy9vbBxoutP4nLwW5EXX0FKCxKk/pKHk20t0oSveS6vNfeSY3UZdBrdLPiiFPT5QVVN7YY+afHyOiaBwcYKVSm0qVbYrQglbYk4edbofm+JQ3NRyajLfHKz17TrLOjGCc6fwyw0urZt+hKkYmgAAAAAAAAAAAAAAAAAAAAAAAGtpKN6NVc6c13xZouY9KjNdafkbaDxVi+1eZzc4k6os2rU7YbEPltP/AMy90yXRtar6s/8AiVN8s3FNfe8rKKJFsWnUmn+1l7Efe/ii/wBEj8cu5eZT6rL4V3lc/SDStir+tShLxlH8p3+mSzQ7meca7HFznrS+pB6Mns1qUuVWEu6aZNrLNOS7H5FZbS6NaD7V5lk/SQ/p6f7r88iu0r/HLv8AoXH9Qf5o931KzgYbVWnHnUgu+SLGo8Qb7CmoLNWK7V5nV9YdHPE0JUotKTcWnK9laSb3dFzmbWsqVRTZ3N9bu4ounF4ezzNetolvF+WsnSnh5UayfF3yy43WXYZxuEqHQ4p5RqlaN3XtPyuOGSeBwkaNONKF9mK2Vd3dulkepUdSTk97JlGlGlBQjuRnMDYAAAAAAAAAAAAAAAAAAAAAAAAamMxVNRknUgnstZyiuBoq1aai05LxN1KnNyTUX4HOEcQtx1TJrRFW2GxS+7D+baRaWc8Wtddi55RAuY5r0n38sEMVhOLbqjWhClLanFN1G7OUU7KK4d50WjzhCk8yWW/oil1KE5VFhPCRAfpDqwnUpShOMnsSjLZlF2s01e27ezuNKz0JZWw4DX3F1IYe3DyVItSgLJr9V2sTH9zDxcn8Su02OKL72XGuS6Vwv+1fUhtENKvRbaSVWm227JJTV22TK+fZSx1PyK60aVeDfWvM69RxlOfoVIS9mUX7mcrKnOO9M76NWEvhkn8zOYGwAAAAAAAAAAAAAAAAAAAAAAAAwY7EqlTlUeair258l3mqvVVKm6j4GylTdSaguJQsfpWrWbc5u3CMW1FdnHtORr3lau8yezqW46SjbU6S91beviaViLhG8AElo5PyGKt6tK/43/cm2yfsK2OqPmyLXa9tS+fkRpCJQAPMoJ5NXN9vc1reXSoycX2P6bjRcWtG4j0a0FJdqIvHYdQeW5+B6ToGrSv6UlU+OOM9qe58nk8w/qLR4afWi6XwTzjrTWMru2rBJa4Qarq+/wAjS/oSfimWVi06WzrfmQNWTVdZ/SvIhCaVYQPuSd0FrRWw8kpTdSle0oyd2lzg3mmuW4hXFjTqrYsPr9S0stVrUJJSeY9T+n3g6lGV1dbnmjmnsO1TyfQAAAAAAAAAAAAAAAAAAAAADHiKEakXCSvGSs+owqU41IuEtzMoTcJKUd6K/PVGHCrJLpUX8ineiU+E3y/gs1qs+MUfI6ow41ZdkYoLRIcZvkHqsv0oyx1SpcalTscF+UyWiUeMpcvQxeqVeCXP1JPB6LpUoOlGN4yvt7WbldWzZYUbOlSpunFbHvzxIdW5qVJqbe1buwjp6qUXulUXQpRaXfG5BlotBvY2vD0Ja1Sqt6XP1MUtUYcKs+1RZreiU+E3yM1qs+MVzPK1Rj9tL8K+Z8/skP1vwR9/usv0mWnqhh1KM5Oc9nNRk47N+lJK/VcurCKsaUqdL8298X9ORS39KN9VjUrbejuXD15m3prV+jirOopKSVlKDSdt9ndNNdhLt7upQ2R3dpFu9Po3WHPeuK3kPPUKhwq1V1um/wAqJa1WrxS5+pAegUOEny9DDLUCnwrz7YxfxMlq0uMTB/0/T4TZmwuodGMk51JzSd7WjFPofGxjPVajWIpIzpaDRi05Sb5FtSKsvQAAAAAAAAAAAAAAAAAAAAAAAAAAAAAAAAAAAAAAAAAAAAAAAAAAAAAAAAAAAAAAAAAAAAAAAAAAAAAAAAAAAAAAAAAAAAAAAAAAAAAAAAAAAAAAAAAAAAAAAAAAAAAAAAAAAAAAAAAAAAAAAAAAAAAAAAAAAAAAAAAAAAAAAAAAAAAAAAAAAAAAAAAAAAAAAAAAAAAAAAAAAAAAAAAAAAAAAAAAAAAAAAAAAAAAAAAAAAAAAAAAAAAAAAAAAAAAAAAAAAAAAAAAAAAAAAAAAAAAAAAAAAAAAAAAAAAAAAAAAAAAAAAAAAAAAAAf/9k="/>
+          <p:cNvSpPr>
+            <a:spLocks noChangeAspect="1" noChangeArrowheads="1"/>
+          </p:cNvSpPr>
+          <p:nvPr/>
+        </p:nvSpPr>
+        <p:spPr bwMode="auto">
+          <a:xfrm>
+            <a:off x="307975" y="7937"/>
+            <a:ext cx="304800" cy="304801"/>
+          </a:xfrm>
+          <a:prstGeom prst="rect">
+            <a:avLst/>
+          </a:prstGeom>
+          <a:noFill/>
+          <a:extLst>
+            <a:ext uri="{909E8E84-426E-40DD-AFC4-6F175D3DCCD1}">
+              <a14:hiddenFill xmlns:a14="http://schemas.microsoft.com/office/drawing/2010/main">
+                <a:solidFill>
+                  <a:srgbClr val="FFFFFF"/>
+                </a:solidFill>
+              </a14:hiddenFill>
+            </a:ext>
+          </a:extLst>
+        </p:spPr>
+        <p:txBody>
+          <a:bodyPr vert="horz" wrap="square" lIns="91440" tIns="45720" rIns="91440" bIns="45720" numCol="1" anchor="t" anchorCtr="0" compatLnSpc="1">
+            <a:prstTxWarp prst="textNoShape">
+              <a:avLst/>
+            </a:prstTxWarp>
+          </a:bodyPr>
+          <a:lstStyle/>
+          <a:p>
+            <a:endParaRPr lang="en-US"/>
+          </a:p>
+        </p:txBody>
+      </p:sp>
+      <p:pic>
+        <p:nvPicPr>
+          <p:cNvPr id="5123" name="Picture 3"/>
+          <p:cNvPicPr>
+            <a:picLocks noChangeAspect="1" noChangeArrowheads="1"/>
+          </p:cNvPicPr>
+          <p:nvPr/>
+        </p:nvPicPr>
+        <p:blipFill>
+          <a:blip r:embed="rId2" cstate="email">
+            <a:extLst>
+              <a:ext uri="{28A0092B-C50C-407E-A947-70E740481C1C}">
+                <a14:useLocalDpi xmlns:a14="http://schemas.microsoft.com/office/drawing/2010/main" val="0"/>
+              </a:ext>
+            </a:extLst>
+          </a:blip>
+          <a:srcRect/>
+          <a:stretch>
+            <a:fillRect/>
+          </a:stretch>
+        </p:blipFill>
+        <p:spPr bwMode="auto">
+          <a:xfrm>
+            <a:off x="2996975" y="4221088"/>
+            <a:ext cx="1791642" cy="1791642"/>
+          </a:xfrm>
+          <a:prstGeom prst="rect">
+            <a:avLst/>
+          </a:prstGeom>
+          <a:noFill/>
+          <a:ln>
+            <a:noFill/>
+          </a:ln>
+          <a:effectLst/>
+          <a:extLst>
+            <a:ext uri="{909E8E84-426E-40DD-AFC4-6F175D3DCCD1}">
+              <a14:hiddenFill xmlns:a14="http://schemas.microsoft.com/office/drawing/2010/main">
+                <a:solidFill>
+                  <a:schemeClr val="accent1"/>
+                </a:solidFill>
+              </a14:hiddenFill>
+            </a:ext>
+            <a:ext uri="{91240B29-F687-4F45-9708-019B960494DF}">
+              <a14:hiddenLine xmlns:a14="http://schemas.microsoft.com/office/drawing/2010/main" w="9525">
+                <a:solidFill>
+                  <a:schemeClr val="tx1"/>
+                </a:solidFill>
+                <a:miter lim="800000"/>
+                <a:headEnd/>
+                <a:tailEnd/>
+              </a14:hiddenLine>
+            </a:ext>
+            <a:ext uri="{AF507438-7753-43E0-B8FC-AC1667EBCBE1}">
+              <a14:hiddenEffects xmlns:a14="http://schemas.microsoft.com/office/drawing/2010/main">
+                <a:effectLst>
+                  <a:outerShdw dist="35921" dir="2700000" algn="ctr" rotWithShape="0">
+                    <a:schemeClr val="bg2"/>
+                  </a:outerShdw>
+                </a:effectLst>
+              </a14:hiddenEffects>
+            </a:ext>
+          </a:extLst>
+        </p:spPr>
+      </p:pic>
+      <p:cxnSp>
+        <p:nvCxnSpPr>
+          <p:cNvPr id="16" name="Straight Arrow Connector 15"/>
+          <p:cNvCxnSpPr/>
+          <p:nvPr/>
+        </p:nvCxnSpPr>
+        <p:spPr>
+          <a:xfrm flipV="1">
+            <a:off x="899592" y="5229200"/>
+            <a:ext cx="1512168" cy="1"/>
+          </a:xfrm>
+          <a:prstGeom prst="straightConnector1">
+            <a:avLst/>
+          </a:prstGeom>
+          <a:ln>
+            <a:solidFill>
+              <a:srgbClr val="FF0000"/>
+            </a:solidFill>
+            <a:tailEnd type="arrow"/>
+          </a:ln>
+        </p:spPr>
+        <p:style>
+          <a:lnRef idx="3">
+            <a:schemeClr val="accent1"/>
+          </a:lnRef>
+          <a:fillRef idx="0">
+            <a:schemeClr val="accent1"/>
+          </a:fillRef>
+          <a:effectRef idx="2">
+            <a:schemeClr val="accent1"/>
+          </a:effectRef>
+          <a:fontRef idx="minor">
+            <a:schemeClr val="tx1"/>
+          </a:fontRef>
+        </p:style>
+      </p:cxnSp>
+      <p:sp>
+        <p:nvSpPr>
+          <p:cNvPr id="21" name="TextBox 20"/>
+          <p:cNvSpPr txBox="1"/>
+          <p:nvPr/>
+        </p:nvSpPr>
+        <p:spPr>
+          <a:xfrm>
+            <a:off x="5004047" y="4824521"/>
+            <a:ext cx="4248473" cy="584775"/>
+          </a:xfrm>
+          <a:prstGeom prst="rect">
+            <a:avLst/>
+          </a:prstGeom>
+          <a:noFill/>
+        </p:spPr>
+        <p:txBody>
+          <a:bodyPr wrap="square" rtlCol="0">
+            <a:spAutoFit/>
+          </a:bodyPr>
+          <a:lstStyle/>
+          <a:p>
+            <a:r>
+              <a:rPr lang="en-US" sz="3200" b="1" smtClean="0">
+                <a:solidFill>
+                  <a:srgbClr val="FF0000"/>
+                </a:solidFill>
+              </a:rPr>
+              <a:t>Friends in real life</a:t>
+            </a:r>
+            <a:endParaRPr lang="en-US" sz="3200" b="1">
+              <a:solidFill>
+                <a:srgbClr val="FF0000"/>
+              </a:solidFill>
+            </a:endParaRPr>
+          </a:p>
+        </p:txBody>
+      </p:sp>
+      <p:sp>
+        <p:nvSpPr>
+          <p:cNvPr id="23" name="Title 1"/>
           <p:cNvSpPr>
             <a:spLocks noGrp="1"/>
           </p:cNvSpPr>
@@ -5498,7 +6277,12 @@
             <p:ph type="title"/>
           </p:nvPr>
         </p:nvSpPr>
-        <p:spPr/>
+        <p:spPr>
+          <a:xfrm>
+            <a:off x="457200" y="277813"/>
+            <a:ext cx="8229600" cy="1139825"/>
+          </a:xfrm>
+        </p:spPr>
         <p:txBody>
           <a:bodyPr/>
           <a:lstStyle/>
@@ -5508,56 +6292,13 @@
               <a:t>Introduction</a:t>
             </a:r>
             <a:endParaRPr lang="vi-VN" dirty="0"/>
-          </a:p>
-        </p:txBody>
-      </p:sp>
-      <p:sp>
-        <p:nvSpPr>
-          <p:cNvPr id="3" name="Content Placeholder 2"/>
-          <p:cNvSpPr>
-            <a:spLocks noGrp="1"/>
-          </p:cNvSpPr>
-          <p:nvPr>
-            <p:ph idx="1"/>
-          </p:nvPr>
-        </p:nvSpPr>
-        <p:spPr/>
-        <p:txBody>
-          <a:bodyPr/>
-          <a:lstStyle/>
-          <a:p>
-            <a:endParaRPr lang="vi-VN" dirty="0"/>
-          </a:p>
-        </p:txBody>
-      </p:sp>
-      <p:sp>
-        <p:nvSpPr>
-          <p:cNvPr id="4" name="Slide Number Placeholder 3"/>
-          <p:cNvSpPr>
-            <a:spLocks noGrp="1"/>
-          </p:cNvSpPr>
-          <p:nvPr>
-            <p:ph type="sldNum" sz="quarter" idx="11"/>
-          </p:nvPr>
-        </p:nvSpPr>
-        <p:spPr/>
-        <p:txBody>
-          <a:bodyPr/>
-          <a:lstStyle/>
-          <a:p>
-            <a:fld id="{AC358548-9BFF-2A41-B589-C75B6C647976}" type="slidenum">
-              <a:rPr lang="en-US" altLang="ja-JP" smtClean="0"/>
-              <a:pPr/>
-              <a:t>3</a:t>
-            </a:fld>
-            <a:endParaRPr lang="en-US"/>
           </a:p>
         </p:txBody>
       </p:sp>
     </p:spTree>
     <p:extLst>
       <p:ext uri="{BB962C8B-B14F-4D97-AF65-F5344CB8AC3E}">
-        <p14:creationId xmlns:p14="http://schemas.microsoft.com/office/powerpoint/2010/main" val="1068766402"/>
+        <p14:creationId xmlns:p14="http://schemas.microsoft.com/office/powerpoint/2010/main" val="352098374"/>
       </p:ext>
     </p:extLst>
   </p:cSld>
@@ -5574,7 +6315,7 @@
 </p:sld>
 </file>
 
-<file path=ppt/slides/slide4.xml><?xml version="1.0" encoding="utf-8"?>
+<file path=ppt/slides/slide12.xml><?xml version="1.0" encoding="utf-8"?>
 <p:sld xmlns:a="http://schemas.openxmlformats.org/drawingml/2006/main" xmlns:r="http://schemas.openxmlformats.org/officeDocument/2006/relationships" xmlns:p="http://schemas.openxmlformats.org/presentationml/2006/main">
   <p:cSld>
     <p:spTree>
@@ -5616,7 +6357,109 @@
       </p:sp>
       <p:sp>
         <p:nvSpPr>
-          <p:cNvPr id="3" name="Content Placeholder 2"/>
+          <p:cNvPr id="4" name="Slide Number Placeholder 3"/>
+          <p:cNvSpPr>
+            <a:spLocks noGrp="1"/>
+          </p:cNvSpPr>
+          <p:nvPr>
+            <p:ph type="sldNum" sz="quarter" idx="11"/>
+          </p:nvPr>
+        </p:nvSpPr>
+        <p:spPr/>
+        <p:txBody>
+          <a:bodyPr/>
+          <a:lstStyle/>
+          <a:p>
+            <a:fld id="{AC358548-9BFF-2A41-B589-C75B6C647976}" type="slidenum">
+              <a:rPr lang="en-US" altLang="ja-JP" smtClean="0"/>
+              <a:pPr/>
+              <a:t>12</a:t>
+            </a:fld>
+            <a:endParaRPr lang="en-US"/>
+          </a:p>
+        </p:txBody>
+      </p:sp>
+      <p:sp>
+        <p:nvSpPr>
+          <p:cNvPr id="5" name="AutoShape 2" descr="http://images.clipartpanda.com/unhappy-family-clipart-sad-smiley.svg"/>
+          <p:cNvSpPr>
+            <a:spLocks noChangeAspect="1" noChangeArrowheads="1"/>
+          </p:cNvSpPr>
+          <p:nvPr/>
+        </p:nvSpPr>
+        <p:spPr bwMode="auto">
+          <a:xfrm>
+            <a:off x="155575" y="-144463"/>
+            <a:ext cx="304800" cy="304801"/>
+          </a:xfrm>
+          <a:prstGeom prst="rect">
+            <a:avLst/>
+          </a:prstGeom>
+          <a:noFill/>
+          <a:extLst>
+            <a:ext uri="{909E8E84-426E-40DD-AFC4-6F175D3DCCD1}">
+              <a14:hiddenFill xmlns:a14="http://schemas.microsoft.com/office/drawing/2010/main">
+                <a:solidFill>
+                  <a:srgbClr val="FFFFFF"/>
+                </a:solidFill>
+              </a14:hiddenFill>
+            </a:ext>
+          </a:extLst>
+        </p:spPr>
+        <p:txBody>
+          <a:bodyPr vert="horz" wrap="square" lIns="91440" tIns="45720" rIns="91440" bIns="45720" numCol="1" anchor="t" anchorCtr="0" compatLnSpc="1">
+            <a:prstTxWarp prst="textNoShape">
+              <a:avLst/>
+            </a:prstTxWarp>
+          </a:bodyPr>
+          <a:lstStyle/>
+          <a:p>
+            <a:endParaRPr lang="en-US"/>
+          </a:p>
+        </p:txBody>
+      </p:sp>
+      <p:sp>
+        <p:nvSpPr>
+          <p:cNvPr id="13" name="AutoShape 2" descr="data:image/jpeg;base64,/9j/4AAQSkZJRgABAQAAAQABAAD/2wCEAAkGBxMREhQQEhEVFRIXEhQQERgRExAUFhESFRIYGBQTExMZHSkhGBolHRUVITIiKSkrLi4uFx8zODMsNygtLisBCgoKDg0OGxAQGzQmICQyNTEvLy80LCwvLS8sLCw3LC8tMDQ0LCw3LDQsNCwsLCw3LCwsLC8sNCwwLCw1Ly00LP/AABEIAOEA4QMBEQACEQEDEQH/xAAbAAEAAgMBAQAAAAAAAAAAAAAABQYDBAcCAf/EAEEQAAIBAgIGBQgGCQUAAAAAAAABAgMRBCEFBhIxQVFhcYGRoRMiMlJyscHRI0JTYpLCBxQzc4KisuHwFRdDVKP/xAAbAQEAAgMBAQAAAAAAAAAAAAAABAUCAwYHAf/EADsRAAIBAwEEBwYFAwMFAAAAAAABAgMEEQUhMUGhElFhcZGx0RMiMoHB8BRCUmLhBhUzI4KSFnKy0vH/2gAMAwEAAhEDEQA/AO4gAAAAAAAAAAAAAAAAAAAAAAAAAAAAAAAAAAAAAAAAAAAAAAAAAAAAAAAAAAAAAAAAAAAAAAAAAAAAAAAAAAAAAAAAAAAAAAAAAAAAAAAAAAAAAAAAAAAAAAAAAAAAAAAAAAAAAAAAAAAAAAAAAAAAAAAAAAAAAAAAAAAAAAAAAAAAAAAAAAAAAAAAAAAAAAAAAAAAAAAAAAAAAAAAAAAAAAAAAAAAAAAAAAAAAAAAAAAAAAAAAAAAAAAAAAAAAAAAAAAAAAAAAAAAAAAAAAAAHmpNRTlJpJZtt2S62fJSUVmTwj6k5PCIbE6z0Iu0dqfsrLvdisqavbx2RzLu/nBPhptaW14XeYaetlJ74TX4X8TVHWqLe2LXh6mctLqLc0TGCx9Osr05qXNbmuuLzRZULmlWWabz99RBq0KlJ4msGybzUGwCA0hrfhqTcVJ1JLeqSTS/ibS7mTqWn1prOMd5V19XtqTxnL7PXcaEdfqN86VVLo2H4XNz0qp+pcyMtfocYvl6k5ovTtDEZU6i2vVleMu57+y5DrWtWl8S2dZZW19QuNlOW3q3MkiOSwAAAAAAAAAAAAAAAAAAAAAAAAAADzVqKKcpOySbbfBLeYykoxcpbkfYxcnhFB0zpaWIlxVNPzI/GXN+45G8vZ3Mv28F9X2+R0lraxoR7eLI4hEoAGTD15U5KcJOMlua/wA3GdOpKnJSg8NGM4RnHoyWUX7QukViKanukvNmlwlzXQzrrK6VxS6XHc+85u6t3RqdHhwKVrprDKpOWHpytSi9mbX/ACSW9X9Vbrce46qws1CKqSW17uw4rV9RlObo037q39r9CploUIAPsJNNNNpp3TTs0+aZ8aTWGfU2nlHSNTNYXiIujVf0sVdP7SHPrWVzn7+0VJ9OG58jsNJ1F3EfZ1PiXNepZyuLkAAAAAAAAAAAAAAAAAAAAAAAAAEJrdWcaFl9acYPqzl+Uq9YqONvhcWl9foWGmwUq2epZKScsX4AAAAJrVvFOn5fooSqdsN39ReaC27l03x9V6lPrT6Nv7RcM+T9CkSg7bTTs21fnJWbV+ea7z1LKzg8hcZY6TPJ9MAAACR1dxLp4mjJfaRi/Zk9mXg2R7qCnRkn1eRMsKjp3MJLrx47Dr5yp3wAAAAAAAAAAAAAAAAAAAAAAAAAIfWvDueHbW+ElU7FdPwbfYVmrUnO3bX5dvryJ2nVFCsk+OwpVBRckpNxi8m0r7PTbijmIKLklJ4XX1F/NySzFZZMS1Xrb4ypyi801Jq657iyekV98Wmu9+hBWpUt0k0z1S1VrPfKEV1yb7rH2OjV2/eaXi/ofJanRW5Nm9/otHCwdaq/KSivNTsouXBKPHPncl/gKFpB1aj6TXhnhs/+kb8ZVuZqnDYn447zDqrhHU8tVnumnTvz2s5v3HzRIy6cq7+3nL+g1VxcFRX3swiA1cqRo16mCxMU6c5bD2llGpH0ZdF77+lHfXSlUpqtSe1eR53YSjRrStq62N429a3P5+hOY3UOlJ3pVJU+hpTS6tz8SFT1WovjWeRZVtBoy205Nc/55mh/t/P/ALEfwS+Zv/u0f08yL/09L9fIjNP6Ho4OOw6rq15cElGNOPrSV22+Sv0km2uKld5xiPjkhXtlRtI9Fy6U38ku302mpqvg3VxVKK3KaqS6Iwe079yXabLyooUZP5eJo02i6tzBLg8+B1s5c7sAAAAAAAAAAAAAAAAAAAAAAAAAHxq+T3bmGshPBS9N6AlSbnTTlT32Wbh0NcV0nL3umTpNyprMea/gv7W+jUXRm8S8zBojTtSh5vp0/Vb9H2Xw6jTZ6jUt/d3x6uru9DZc2UK23c+v1Jt620rfs6l+XmW77/AtHrdHHwvl6lf/AGqpn4lzNHyNfHzUpLYordy/hv6UuncRehcahNOS6MF97Ot9u76yOnRsotR2y+/BFqw2HjTioQVopWX+czoKVKNKChBbEU9Scpycpb2V7W3Vn9Z+lpWVZKzTyVRLcm+EuT7H0Wtle+x9yfw+RSanpn4n/Up/F5/z990FgdasRhPocRSctnJbbcZpe1Z7S6fEm1LCjX9+m8d21FZR1W4tf9OvHOOvY/5PukNe6sls0qap/eb22upWSXifKWlwi8zeeR9r69UksU447d/3zK5hsLWxNRqEZVJt3k83m+MpPd1ssJzp0Y7diKenSrXM/dTk397WdJ1X0AsJBttSqytttbkvVj0e8568u3Xls3Lcdhp2nq1ht2ye9/RE4QyyAAAAAAAAAAAAAAAAAAAAAPEKid0mnZ2lZp2fJ8mYqcZZw9x9cWt6PZkfAAACD1g1mp4RqDTnUavsppWXBylwJltZTr7dy6ytvtTp2vutZl1epW4a20as15bCQ2W7OSacorn6OZsuNAozTk0m+7eRLf8AqeopqLWF37jenpnDwd6OFi+UpqK7smcVK+tqUv8ASorK69nqzuY2laovfqeBmpa3Sv51JW+7Jp+KNkNbln3obOxmEtKjj3ZGvjdenB2jh+pynv7EvidZp1KhfU/aU6nesbV3/eGcjql9XsKvs6lLfuedj7tn8oj6mvtf6tOkutTf5kWa0qlxb5FRLX6/5Yrn6oxz10qTWzVw9CpHk4y+LZktNjHbCTX38jF63OaxVpxa++8z6O01gJNKrg403zUVUj2q1/Bmutb3MVmNTK8Ddb3tjUklOjhvqWf55FvwOkcNlTpThHgopbCfUrK/Yc1HUKNaWOnl/fXvOu/A1KMdkMLs/gkiSaQAAAAAAAAAAAAAAAAAAAfJPLLN8Ok+PcfUQtXT06f7XC1Iri1aS/FkvEq5alOn/lpSXg147ifGxjP/AB1E+RC4zTEI1lXw+0nJWqxkrRlbc8nv+XWVla9hGv7a33v4k9z+/viT6VpKVL2Vbhua4E3hdZqEleTcHxUk33NLMtaWrW817zw+0r6mnVov3VkVtZ6C3OUvZi1/VY+T1e2juy/l64EdNrvfhfMi8XrZN5U6aj0ye0+5ZLxIFbWpvZTjjv2/fMmU9Livjee4o2ksTKpVnObvJvNvjZWXgkei6Vl2VJve4pvvayzyzWHm+rdkmvknheRrE8rkS2HjKL2XnHg+XQzzTVKtjfUndUn0Kq+KD/N2rrf03pHqWk0r+wqq0qrp0n8M1+XsfZ1dXBmyc4dMYsVS2otcd66y00a+lZ3kJ591vEu5+m8qdbsI3tnOnj3ltj3r13fMhT1s8cPsEr5uyNdWU4wcoRy0ti3ZfVk20YwnUjGpLoxb2vfhdeCSwihe0U27b2jgNdlqnsVK6koxk8KEX59fbtx2HougQ0r2zhaRcpRWXOS8t2G+GEt283Dkzry6apYyVSlKMndwkkm9+y1km+86jSK86lJxk89F8ih1GjGFROPEnS1K4AAAAAAAAAAAAAAAAAA1dJU9qm/pJU0vOcob0ks+G40XMOlTfvOPHKN1CXRmvdT7GVDGY2GzKMcZWndNWlF2l0O7WRzda4pODjGvJ9jWx+Rd0qM+km6UUQ5Wk4AAAAGjjKCUZP7ya8F8zttA1Sda4o0NqUabi+ptPY/BLmcN/UOlQo2tevszKakutJrDXi3yPEsOr1EluSce4m09Xqqla1pvZOcoy7drS9SDV0ei615RhHbGMZQ7NibXz3G9QleKfQji9Uoqje1aa4SfPb9TuNKruvZUqj3uK8VsZ7IBPB8e4+kHWVpNdL957Vbz6dKEnxSfI8Nu4KFecFwk14M8G4jkph1sWgvSecuhHnOqSeoRq3s5YpU/dp/uefLi+zZwZ6ZpUFprpWUFmrP3qn7Vjz4Lty+JnVZWT5vZXTnYqJaXXVV0dmYx6cv2rGcPt3fNl3HVaEqUa23EpdCP7nnGV2b33Il9VNNKniPIS9CpaKeWVTh2Pd12On0jTJQ05Vmvek+l/t3Lyz3M5rUtXjLU3b591Lo/7t7/APXvRfjYSAAAAAAAAAAAAAAAAAAAAamkaFScbU6ig+N4Kd1yz3Ee4p1ZxxTl0X3ZN1GdODzOOfngrctU6v2kO6S+BRvRav6lzLZapT/Sz4tUqv2kP5vkFotX9S5j+6U/0vkZI6oy41kuqDfxM1ok+M14fyYvVY8I8/4NinqjD61WT9lRXvubo6JT/NN8l6mqWqz4RX34EPrNomFGUIxu4yjfznfzovP3oiXMJafXhUt208Pbv7HyZupdC/oyp11lZWzd2rmiHVNXcuixEleTlaRtWvdjJyXXt4eZIhYwjdyuk/elFRa4bOPkekrEWc5Tk5SeW+L2slQhGEVGCwlwWxH0xMgfJbj6iDrPzpdb957TbR6NGEepLyPDryXTuKkuuT82eDcRzPRxGypPNyasn/cp73S/xFShFYVKm8uK2Za+HC3Y35Lqx1b8NTryll1aiSUntwtvSy9+d2O4+1cRlFLLZXiLPSuhO4nXxJ1ZP/hwXhvMr3V3OFvTt8x9lFf89mX47jBtO9757+0uEklgpHJt9JvadY1X0r+s0Izfpx8yp7SW/tVn2nMXlD2NVrhvR3WnXf4mgpcVsfeS5FJwAAAAAAAAAAAAAAAAAAAAAAAAAK7rpSvThLlO3ZKL+SKbWoZpRl1PzRaaXLFSUewqBzZdgAAHqnTcmox3t2XWzdbwU60IPi0ue01XE3ClKS3pPyK8e0nhgB8AAAPU4OOTVslJdTV0+5nxNPcZSi47yf1I0p5HEKDfmVbQfRL6j73b+Ig6hQ9pSyt62+pa6Pdexr9F7pbPnw9PmdPOcOzAAAAAAAAAAAAAAAAAAAAAAAAABEa1Qvhpvk4P+dL4lbq0c2suzHmibp7xXXz8iinKHRAAAEnq3S2sTT5Jyk+yLt42J2mx6V1Dsy+T+pEvpYoS++JVdIUdirUh6tSce6TR67Sl0oKXWjxe4h0Kso9Tfma5sNIAABJaeVqkYerQoQfX5GLfvI9ttg31t+bJt/sqKPVGK5IjUzeQ08HXtXdIfrGHp1X6Vtmftxyl8+05a6o+yquPgd9Y3Ht6EZ8ePeiSI5LAAAAAAAAAAAAAAAAAAAAAAAANDTsb4er7Dfdn8CJfrNtPuZJtHivHvOenGnTEho3RTrQqzTtsRusr7UrN26Ml4omW1nKvCc0/h5v78yNXuVSnGLW/kR5DJJPam071pS5U33uS+TLfRoZruXUvNordUlikl1srOttLZxlZfeUvxRUviem2Us0Is8o1SPRu5rt80iMw9JzlGC3ykoK/OTsveSZSUYuT4EKnBzkore9hIaxaHeEq+S2tpOKnF2tdO6eXWmaLW49vDpYwS7+zdrV6GcrGSMSvl2EghJZeC1ad0C4UJYmomq0sRkr5RpNuMVllwT6rFZbXSlUVOPwpcy9vbBxoutP4nLwW5EXX0FKCxKk/pKHk20t0oSveS6vNfeSY3UZdBrdLPiiFPT5QVVN7YY+afHyOiaBwcYKVSm0qVbYrQglbYk4edbofm+JQ3NRyajLfHKz17TrLOjGCc6fwyw0urZt+hKkYmgAAAAAAAAAAAAAAAAAAAAAAAGtpKN6NVc6c13xZouY9KjNdafkbaDxVi+1eZzc4k6os2rU7YbEPltP/AMy90yXRtar6s/8AiVN8s3FNfe8rKKJFsWnUmn+1l7Efe/ii/wBEj8cu5eZT6rL4V3lc/SDStir+tShLxlH8p3+mSzQ7meca7HFznrS+pB6Mns1qUuVWEu6aZNrLNOS7H5FZbS6NaD7V5lk/SQ/p6f7r88iu0r/HLv8AoXH9Qf5o931KzgYbVWnHnUgu+SLGo8Qb7CmoLNWK7V5nV9YdHPE0JUotKTcWnK9laSb3dFzmbWsqVRTZ3N9bu4ounF4ezzNetolvF+WsnSnh5UayfF3yy43WXYZxuEqHQ4p5RqlaN3XtPyuOGSeBwkaNONKF9mK2Vd3dulkepUdSTk97JlGlGlBQjuRnMDYAAAAAAAAAAAAAAAAAAAAAAAAamMxVNRknUgnstZyiuBoq1aai05LxN1KnNyTUX4HOEcQtx1TJrRFW2GxS+7D+baRaWc8Wtddi55RAuY5r0n38sEMVhOLbqjWhClLanFN1G7OUU7KK4d50WjzhCk8yWW/oil1KE5VFhPCRAfpDqwnUpShOMnsSjLZlF2s01e27ezuNKz0JZWw4DX3F1IYe3DyVItSgLJr9V2sTH9zDxcn8Su02OKL72XGuS6Vwv+1fUhtENKvRbaSVWm227JJTV22TK+fZSx1PyK60aVeDfWvM69RxlOfoVIS9mUX7mcrKnOO9M76NWEvhkn8zOYGwAAAAAAAAAAAAAAAAAAAAAAAAwY7EqlTlUeair258l3mqvVVKm6j4GylTdSaguJQsfpWrWbc5u3CMW1FdnHtORr3lau8yezqW46SjbU6S91beviaViLhG8AElo5PyGKt6tK/43/cm2yfsK2OqPmyLXa9tS+fkRpCJQAPMoJ5NXN9vc1reXSoycX2P6bjRcWtG4j0a0FJdqIvHYdQeW5+B6ToGrSv6UlU+OOM9qe58nk8w/qLR4afWi6XwTzjrTWMru2rBJa4Qarq+/wAjS/oSfimWVi06WzrfmQNWTVdZ/SvIhCaVYQPuSd0FrRWw8kpTdSle0oyd2lzg3mmuW4hXFjTqrYsPr9S0stVrUJJSeY9T+n3g6lGV1dbnmjmnsO1TyfQAAAAAAAAAAAAAAAAAAAAADHiKEakXCSvGSs+owqU41IuEtzMoTcJKUd6K/PVGHCrJLpUX8ineiU+E3y/gs1qs+MUfI6ow41ZdkYoLRIcZvkHqsv0oyx1SpcalTscF+UyWiUeMpcvQxeqVeCXP1JPB6LpUoOlGN4yvt7WbldWzZYUbOlSpunFbHvzxIdW5qVJqbe1buwjp6qUXulUXQpRaXfG5BlotBvY2vD0Ja1Sqt6XP1MUtUYcKs+1RZreiU+E3yM1qs+MVzPK1Rj9tL8K+Z8/skP1vwR9/usv0mWnqhh1KM5Oc9nNRk47N+lJK/VcurCKsaUqdL8298X9ORS39KN9VjUrbejuXD15m3prV+jirOopKSVlKDSdt9ndNNdhLt7upQ2R3dpFu9Po3WHPeuK3kPPUKhwq1V1um/wAqJa1WrxS5+pAegUOEny9DDLUCnwrz7YxfxMlq0uMTB/0/T4TZmwuodGMk51JzSd7WjFPofGxjPVajWIpIzpaDRi05Sb5FtSKsvQAAAAAAAAAAAAAAAAAAAAAAAAAAAAAAAAAAAAAAAAAAAAAAAAAAAAAAAAAAAAAAAAAAAAAAAAAAAAAAAAAAAAAAAAAAAAAAAAAAAAAAAAAAAAAAAAAAAAAAAAAAAAAAAAAAAAAAAAAAAAAAAAAAAAAAAAAAAAAAAAAAAAAAAAAAAAAAAAAAAAAAAAAAAAAAAAAAAAAAAAAAAAAAAAAAAAAAAAAAAAAAAAAAAAAAAAAAAAAAAAAAAAAAAAAAAAAAAAAAAAAAAAAAAAAAAAAAAAAAAAAAAAAAAAAAAAAAAAAAAAAAAAAAAAAAAAAf/9k="/>
+          <p:cNvSpPr>
+            <a:spLocks noChangeAspect="1" noChangeArrowheads="1"/>
+          </p:cNvSpPr>
+          <p:nvPr/>
+        </p:nvSpPr>
+        <p:spPr bwMode="auto">
+          <a:xfrm>
+            <a:off x="307975" y="7937"/>
+            <a:ext cx="304800" cy="304801"/>
+          </a:xfrm>
+          <a:prstGeom prst="rect">
+            <a:avLst/>
+          </a:prstGeom>
+          <a:noFill/>
+          <a:extLst>
+            <a:ext uri="{909E8E84-426E-40DD-AFC4-6F175D3DCCD1}">
+              <a14:hiddenFill xmlns:a14="http://schemas.microsoft.com/office/drawing/2010/main">
+                <a:solidFill>
+                  <a:srgbClr val="FFFFFF"/>
+                </a:solidFill>
+              </a14:hiddenFill>
+            </a:ext>
+          </a:extLst>
+        </p:spPr>
+        <p:txBody>
+          <a:bodyPr vert="horz" wrap="square" lIns="91440" tIns="45720" rIns="91440" bIns="45720" numCol="1" anchor="t" anchorCtr="0" compatLnSpc="1">
+            <a:prstTxWarp prst="textNoShape">
+              <a:avLst/>
+            </a:prstTxWarp>
+          </a:bodyPr>
+          <a:lstStyle/>
+          <a:p>
+            <a:endParaRPr lang="en-US"/>
+          </a:p>
+        </p:txBody>
+      </p:sp>
+      <p:sp>
+        <p:nvSpPr>
+          <p:cNvPr id="14" name="Content Placeholder 2"/>
           <p:cNvSpPr>
             <a:spLocks noGrp="1"/>
           </p:cNvSpPr>
@@ -5624,43 +6467,110 @@
             <p:ph idx="1"/>
           </p:nvPr>
         </p:nvSpPr>
-        <p:spPr/>
+        <p:spPr>
+          <a:xfrm>
+            <a:off x="457200" y="1600200"/>
+            <a:ext cx="8229600" cy="4530725"/>
+          </a:xfrm>
+        </p:spPr>
         <p:txBody>
           <a:bodyPr/>
           <a:lstStyle/>
           <a:p>
-            <a:endParaRPr lang="vi-VN"/>
-          </a:p>
-        </p:txBody>
-      </p:sp>
-      <p:sp>
-        <p:nvSpPr>
-          <p:cNvPr id="4" name="Slide Number Placeholder 3"/>
-          <p:cNvSpPr>
-            <a:spLocks noGrp="1"/>
-          </p:cNvSpPr>
-          <p:nvPr>
-            <p:ph type="sldNum" sz="quarter" idx="11"/>
-          </p:nvPr>
-        </p:nvSpPr>
-        <p:spPr/>
-        <p:txBody>
-          <a:bodyPr/>
-          <a:lstStyle/>
-          <a:p>
-            <a:fld id="{AC358548-9BFF-2A41-B589-C75B6C647976}" type="slidenum">
-              <a:rPr lang="en-US" altLang="ja-JP" smtClean="0"/>
-              <a:pPr/>
-              <a:t>4</a:t>
-            </a:fld>
+            <a:r>
+              <a:rPr lang="en-US"/>
+              <a:t>Server-side language</a:t>
+            </a:r>
+            <a:r>
+              <a:rPr lang="en-US"/>
+              <a:t>: </a:t>
+            </a:r>
+            <a:r>
+              <a:rPr lang="en-US" smtClean="0"/>
+              <a:t>php.</a:t>
+            </a:r>
             <a:endParaRPr lang="en-US"/>
           </a:p>
-        </p:txBody>
-      </p:sp>
+          <a:p>
+            <a:r>
+              <a:rPr lang="en-US"/>
+              <a:t>Database</a:t>
+            </a:r>
+            <a:r>
+              <a:rPr lang="en-US"/>
+              <a:t>: </a:t>
+            </a:r>
+            <a:r>
+              <a:rPr lang="en-US" smtClean="0"/>
+              <a:t>MySQL.</a:t>
+            </a:r>
+            <a:endParaRPr lang="en-US" smtClean="0"/>
+          </a:p>
+          <a:p>
+            <a:r>
+              <a:rPr lang="en-US" smtClean="0"/>
+              <a:t>Using </a:t>
+            </a:r>
+            <a:r>
+              <a:rPr lang="en-US" smtClean="0"/>
+              <a:t>MVC </a:t>
+            </a:r>
+            <a:r>
+              <a:rPr lang="en-US" smtClean="0"/>
+              <a:t>model :</a:t>
+            </a:r>
+            <a:endParaRPr lang="en-US" dirty="0" smtClean="0"/>
+          </a:p>
+          <a:p>
+            <a:endParaRPr lang="vi-VN" dirty="0"/>
+          </a:p>
+        </p:txBody>
+      </p:sp>
+      <p:pic>
+        <p:nvPicPr>
+          <p:cNvPr id="9218" name="Picture 2" descr="http://www.w3schools.com/aspnet/27.jpg"/>
+          <p:cNvPicPr>
+            <a:picLocks noChangeAspect="1" noChangeArrowheads="1"/>
+          </p:cNvPicPr>
+          <p:nvPr/>
+        </p:nvPicPr>
+        <p:blipFill>
+          <a:blip r:embed="rId2">
+            <a:extLst>
+              <a:ext uri="{28A0092B-C50C-407E-A947-70E740481C1C}">
+                <a14:useLocalDpi xmlns:a14="http://schemas.microsoft.com/office/drawing/2010/main" val="0"/>
+              </a:ext>
+            </a:extLst>
+          </a:blip>
+          <a:srcRect/>
+          <a:stretch>
+            <a:fillRect/>
+          </a:stretch>
+        </p:blipFill>
+        <p:spPr bwMode="auto">
+          <a:xfrm>
+            <a:off x="2771800" y="3284984"/>
+            <a:ext cx="3114675" cy="2990850"/>
+          </a:xfrm>
+          <a:prstGeom prst="rect">
+            <a:avLst/>
+          </a:prstGeom>
+          <a:noFill/>
+          <a:extLst>
+            <a:ext uri="{909E8E84-426E-40DD-AFC4-6F175D3DCCD1}">
+              <a14:hiddenFill xmlns:a14="http://schemas.microsoft.com/office/drawing/2010/main">
+                <a:solidFill>
+                  <a:srgbClr val="FFFFFF"/>
+                </a:solidFill>
+              </a14:hiddenFill>
+            </a:ext>
+          </a:extLst>
+        </p:spPr>
+      </p:pic>
     </p:spTree>
     <p:extLst>
       <p:ext uri="{BB962C8B-B14F-4D97-AF65-F5344CB8AC3E}">
-        <p14:creationId xmlns:p14="http://schemas.microsoft.com/office/powerpoint/2010/main" val="2504429931"/>
+        <p14:creationId xmlns:p14="http://schemas.microsoft.com/office/powerpoint/2010/main" val="2031328010"/>
       </p:ext>
     </p:extLst>
   </p:cSld>
@@ -5677,7 +6587,7 @@
 </p:sld>
 </file>
 
-<file path=ppt/slides/slide5.xml><?xml version="1.0" encoding="utf-8"?>
+<file path=ppt/slides/slide13.xml><?xml version="1.0" encoding="utf-8"?>
 <p:sld xmlns:a="http://schemas.openxmlformats.org/drawingml/2006/main" xmlns:r="http://schemas.openxmlformats.org/officeDocument/2006/relationships" xmlns:p="http://schemas.openxmlformats.org/presentationml/2006/main">
   <p:cSld>
     <p:spTree>
@@ -5711,7 +6621,7 @@
           <a:p>
             <a:r>
               <a:rPr lang="en-US" dirty="0" smtClean="0"/>
-              <a:t>Extension</a:t>
+              <a:t>Implementation</a:t>
             </a:r>
             <a:endParaRPr lang="vi-VN" dirty="0"/>
           </a:p>
@@ -5719,7 +6629,109 @@
       </p:sp>
       <p:sp>
         <p:nvSpPr>
-          <p:cNvPr id="3" name="Content Placeholder 2"/>
+          <p:cNvPr id="4" name="Slide Number Placeholder 3"/>
+          <p:cNvSpPr>
+            <a:spLocks noGrp="1"/>
+          </p:cNvSpPr>
+          <p:nvPr>
+            <p:ph type="sldNum" sz="quarter" idx="11"/>
+          </p:nvPr>
+        </p:nvSpPr>
+        <p:spPr/>
+        <p:txBody>
+          <a:bodyPr/>
+          <a:lstStyle/>
+          <a:p>
+            <a:fld id="{AC358548-9BFF-2A41-B589-C75B6C647976}" type="slidenum">
+              <a:rPr lang="en-US" altLang="ja-JP" smtClean="0"/>
+              <a:pPr/>
+              <a:t>13</a:t>
+            </a:fld>
+            <a:endParaRPr lang="en-US"/>
+          </a:p>
+        </p:txBody>
+      </p:sp>
+      <p:sp>
+        <p:nvSpPr>
+          <p:cNvPr id="5" name="AutoShape 2" descr="http://images.clipartpanda.com/unhappy-family-clipart-sad-smiley.svg"/>
+          <p:cNvSpPr>
+            <a:spLocks noChangeAspect="1" noChangeArrowheads="1"/>
+          </p:cNvSpPr>
+          <p:nvPr/>
+        </p:nvSpPr>
+        <p:spPr bwMode="auto">
+          <a:xfrm>
+            <a:off x="155575" y="-144463"/>
+            <a:ext cx="304800" cy="304801"/>
+          </a:xfrm>
+          <a:prstGeom prst="rect">
+            <a:avLst/>
+          </a:prstGeom>
+          <a:noFill/>
+          <a:extLst>
+            <a:ext uri="{909E8E84-426E-40DD-AFC4-6F175D3DCCD1}">
+              <a14:hiddenFill xmlns:a14="http://schemas.microsoft.com/office/drawing/2010/main">
+                <a:solidFill>
+                  <a:srgbClr val="FFFFFF"/>
+                </a:solidFill>
+              </a14:hiddenFill>
+            </a:ext>
+          </a:extLst>
+        </p:spPr>
+        <p:txBody>
+          <a:bodyPr vert="horz" wrap="square" lIns="91440" tIns="45720" rIns="91440" bIns="45720" numCol="1" anchor="t" anchorCtr="0" compatLnSpc="1">
+            <a:prstTxWarp prst="textNoShape">
+              <a:avLst/>
+            </a:prstTxWarp>
+          </a:bodyPr>
+          <a:lstStyle/>
+          <a:p>
+            <a:endParaRPr lang="en-US"/>
+          </a:p>
+        </p:txBody>
+      </p:sp>
+      <p:sp>
+        <p:nvSpPr>
+          <p:cNvPr id="13" name="AutoShape 2" descr="data:image/jpeg;base64,/9j/4AAQSkZJRgABAQAAAQABAAD/2wCEAAkGBxMREhQQEhEVFRIXEhQQERgRExAUFhESFRIYGBQTExMZHSkhGBolHRUVITIiKSkrLi4uFx8zODMsNygtLisBCgoKDg0OGxAQGzQmICQyNTEvLy80LCwvLS8sLCw3LC8tMDQ0LCw3LDQsNCwsLCw3LCwsLC8sNCwwLCw1Ly00LP/AABEIAOEA4QMBEQACEQEDEQH/xAAbAAEAAgMBAQAAAAAAAAAAAAAABQYDBAcCAf/EAEEQAAIBAgIGBQgGCQUAAAAAAAABAgMRBCEFBhIxQVFhcYGRoRMiMlJyscHRI0JTYpLCBxQzc4KisuHwFRdDVKP/xAAbAQEAAgMBAQAAAAAAAAAAAAAABAUCAwYHAf/EADsRAAIBAwEEBwYFAwMFAAAAAAABAgMEEQUhMUGhElFhcZGx0RMiMoHB8BRCUmLhBhUzI4KSFnKy0vH/2gAMAwEAAhEDEQA/AO4gAAAAAAAAAAAAAAAAAAAAAAAAAAAAAAAAAAAAAAAAAAAAAAAAAAAAAAAAAAAAAAAAAAAAAAAAAAAAAAAAAAAAAAAAAAAAAAAAAAAAAAAAAAAAAAAAAAAAAAAAAAAAAAAAAAAAAAAAAAAAAAAAAAAAAAAAAAAAAAAAAAAAAAAAAAAAAAAAAAAAAAAAAAAAAAAAAAAAAAAAAAAAAAAAAAAAAAAAAAAAAAAAAAAAAAAAAAAAAAAAAAAAAAAAAAAAAAAAAAAAAAAAAAAAAAAAAAAAHmpNRTlJpJZtt2S62fJSUVmTwj6k5PCIbE6z0Iu0dqfsrLvdisqavbx2RzLu/nBPhptaW14XeYaetlJ74TX4X8TVHWqLe2LXh6mctLqLc0TGCx9Osr05qXNbmuuLzRZULmlWWabz99RBq0KlJ4msGybzUGwCA0hrfhqTcVJ1JLeqSTS/ibS7mTqWn1prOMd5V19XtqTxnL7PXcaEdfqN86VVLo2H4XNz0qp+pcyMtfocYvl6k5ovTtDEZU6i2vVleMu57+y5DrWtWl8S2dZZW19QuNlOW3q3MkiOSwAAAAAAAAAAAAAAAAAAAAAAAAAADzVqKKcpOySbbfBLeYykoxcpbkfYxcnhFB0zpaWIlxVNPzI/GXN+45G8vZ3Mv28F9X2+R0lraxoR7eLI4hEoAGTD15U5KcJOMlua/wA3GdOpKnJSg8NGM4RnHoyWUX7QukViKanukvNmlwlzXQzrrK6VxS6XHc+85u6t3RqdHhwKVrprDKpOWHpytSi9mbX/ACSW9X9Vbrce46qws1CKqSW17uw4rV9RlObo037q39r9CploUIAPsJNNNNpp3TTs0+aZ8aTWGfU2nlHSNTNYXiIujVf0sVdP7SHPrWVzn7+0VJ9OG58jsNJ1F3EfZ1PiXNepZyuLkAAAAAAAAAAAAAAAAAAAAAAAAAEJrdWcaFl9acYPqzl+Uq9YqONvhcWl9foWGmwUq2epZKScsX4AAAAJrVvFOn5fooSqdsN39ReaC27l03x9V6lPrT6Nv7RcM+T9CkSg7bTTs21fnJWbV+ea7z1LKzg8hcZY6TPJ9MAAACR1dxLp4mjJfaRi/Zk9mXg2R7qCnRkn1eRMsKjp3MJLrx47Dr5yp3wAAAAAAAAAAAAAAAAAAAAAAAAAIfWvDueHbW+ElU7FdPwbfYVmrUnO3bX5dvryJ2nVFCsk+OwpVBRckpNxi8m0r7PTbijmIKLklJ4XX1F/NySzFZZMS1Xrb4ypyi801Jq657iyekV98Wmu9+hBWpUt0k0z1S1VrPfKEV1yb7rH2OjV2/eaXi/ofJanRW5Nm9/otHCwdaq/KSivNTsouXBKPHPncl/gKFpB1aj6TXhnhs/+kb8ZVuZqnDYn447zDqrhHU8tVnumnTvz2s5v3HzRIy6cq7+3nL+g1VxcFRX3swiA1cqRo16mCxMU6c5bD2llGpH0ZdF77+lHfXSlUpqtSe1eR53YSjRrStq62N429a3P5+hOY3UOlJ3pVJU+hpTS6tz8SFT1WovjWeRZVtBoy205Nc/55mh/t/P/ALEfwS+Zv/u0f08yL/09L9fIjNP6Ho4OOw6rq15cElGNOPrSV22+Sv0km2uKld5xiPjkhXtlRtI9Fy6U38ku302mpqvg3VxVKK3KaqS6Iwe079yXabLyooUZP5eJo02i6tzBLg8+B1s5c7sAAAAAAAAAAAAAAAAAAAAAAAAAHxq+T3bmGshPBS9N6AlSbnTTlT32Wbh0NcV0nL3umTpNyprMea/gv7W+jUXRm8S8zBojTtSh5vp0/Vb9H2Xw6jTZ6jUt/d3x6uru9DZc2UK23c+v1Jt620rfs6l+XmW77/AtHrdHHwvl6lf/AGqpn4lzNHyNfHzUpLYordy/hv6UuncRehcahNOS6MF97Ot9u76yOnRsotR2y+/BFqw2HjTioQVopWX+czoKVKNKChBbEU9Scpycpb2V7W3Vn9Z+lpWVZKzTyVRLcm+EuT7H0Wtle+x9yfw+RSanpn4n/Up/F5/z990FgdasRhPocRSctnJbbcZpe1Z7S6fEm1LCjX9+m8d21FZR1W4tf9OvHOOvY/5PukNe6sls0qap/eb22upWSXifKWlwi8zeeR9r69UksU447d/3zK5hsLWxNRqEZVJt3k83m+MpPd1ssJzp0Y7diKenSrXM/dTk397WdJ1X0AsJBttSqytttbkvVj0e8568u3Xls3Lcdhp2nq1ht2ye9/RE4QyyAAAAAAAAAAAAAAAAAAAAAPEKid0mnZ2lZp2fJ8mYqcZZw9x9cWt6PZkfAAACD1g1mp4RqDTnUavsppWXBylwJltZTr7dy6ytvtTp2vutZl1epW4a20as15bCQ2W7OSacorn6OZsuNAozTk0m+7eRLf8AqeopqLWF37jenpnDwd6OFi+UpqK7smcVK+tqUv8ASorK69nqzuY2laovfqeBmpa3Sv51JW+7Jp+KNkNbln3obOxmEtKjj3ZGvjdenB2jh+pynv7EvidZp1KhfU/aU6nesbV3/eGcjql9XsKvs6lLfuedj7tn8oj6mvtf6tOkutTf5kWa0qlxb5FRLX6/5Yrn6oxz10qTWzVw9CpHk4y+LZktNjHbCTX38jF63OaxVpxa++8z6O01gJNKrg403zUVUj2q1/Bmutb3MVmNTK8Ddb3tjUklOjhvqWf55FvwOkcNlTpThHgopbCfUrK/Yc1HUKNaWOnl/fXvOu/A1KMdkMLs/gkiSaQAAAAAAAAAAAAAAAAAAAfJPLLN8Ok+PcfUQtXT06f7XC1Iri1aS/FkvEq5alOn/lpSXg147ifGxjP/AB1E+RC4zTEI1lXw+0nJWqxkrRlbc8nv+XWVla9hGv7a33v4k9z+/viT6VpKVL2Vbhua4E3hdZqEleTcHxUk33NLMtaWrW817zw+0r6mnVov3VkVtZ6C3OUvZi1/VY+T1e2juy/l64EdNrvfhfMi8XrZN5U6aj0ye0+5ZLxIFbWpvZTjjv2/fMmU9Livjee4o2ksTKpVnObvJvNvjZWXgkei6Vl2VJve4pvvayzyzWHm+rdkmvknheRrE8rkS2HjKL2XnHg+XQzzTVKtjfUndUn0Kq+KD/N2rrf03pHqWk0r+wqq0qrp0n8M1+XsfZ1dXBmyc4dMYsVS2otcd66y00a+lZ3kJ591vEu5+m8qdbsI3tnOnj3ltj3r13fMhT1s8cPsEr5uyNdWU4wcoRy0ti3ZfVk20YwnUjGpLoxb2vfhdeCSwihe0U27b2jgNdlqnsVK6koxk8KEX59fbtx2HougQ0r2zhaRcpRWXOS8t2G+GEt283Dkzry6apYyVSlKMndwkkm9+y1km+86jSK86lJxk89F8ih1GjGFROPEnS1K4AAAAAAAAAAAAAAAAAA1dJU9qm/pJU0vOcob0ks+G40XMOlTfvOPHKN1CXRmvdT7GVDGY2GzKMcZWndNWlF2l0O7WRzda4pODjGvJ9jWx+Rd0qM+km6UUQ5Wk4AAAAGjjKCUZP7ya8F8zttA1Sda4o0NqUabi+ptPY/BLmcN/UOlQo2tevszKakutJrDXi3yPEsOr1EluSce4m09Xqqla1pvZOcoy7drS9SDV0ei615RhHbGMZQ7NibXz3G9QleKfQji9Uoqje1aa4SfPb9TuNKruvZUqj3uK8VsZ7IBPB8e4+kHWVpNdL957Vbz6dKEnxSfI8Nu4KFecFwk14M8G4jkph1sWgvSecuhHnOqSeoRq3s5YpU/dp/uefLi+zZwZ6ZpUFprpWUFmrP3qn7Vjz4Lty+JnVZWT5vZXTnYqJaXXVV0dmYx6cv2rGcPt3fNl3HVaEqUa23EpdCP7nnGV2b33Il9VNNKniPIS9CpaKeWVTh2Pd12On0jTJQ05Vmvek+l/t3Lyz3M5rUtXjLU3b591Lo/7t7/APXvRfjYSAAAAAAAAAAAAAAAAAAAAamkaFScbU6ig+N4Kd1yz3Ee4p1ZxxTl0X3ZN1GdODzOOfngrctU6v2kO6S+BRvRav6lzLZapT/Sz4tUqv2kP5vkFotX9S5j+6U/0vkZI6oy41kuqDfxM1ok+M14fyYvVY8I8/4NinqjD61WT9lRXvubo6JT/NN8l6mqWqz4RX34EPrNomFGUIxu4yjfznfzovP3oiXMJafXhUt208Pbv7HyZupdC/oyp11lZWzd2rmiHVNXcuixEleTlaRtWvdjJyXXt4eZIhYwjdyuk/elFRa4bOPkekrEWc5Tk5SeW+L2slQhGEVGCwlwWxH0xMgfJbj6iDrPzpdb957TbR6NGEepLyPDryXTuKkuuT82eDcRzPRxGypPNyasn/cp73S/xFShFYVKm8uK2Za+HC3Y35Lqx1b8NTryll1aiSUntwtvSy9+d2O4+1cRlFLLZXiLPSuhO4nXxJ1ZP/hwXhvMr3V3OFvTt8x9lFf89mX47jBtO9757+0uEklgpHJt9JvadY1X0r+s0Izfpx8yp7SW/tVn2nMXlD2NVrhvR3WnXf4mgpcVsfeS5FJwAAAAAAAAAAAAAAAAAAAAAAAAAK7rpSvThLlO3ZKL+SKbWoZpRl1PzRaaXLFSUewqBzZdgAAHqnTcmox3t2XWzdbwU60IPi0ue01XE3ClKS3pPyK8e0nhgB8AAAPU4OOTVslJdTV0+5nxNPcZSi47yf1I0p5HEKDfmVbQfRL6j73b+Ig6hQ9pSyt62+pa6Pdexr9F7pbPnw9PmdPOcOzAAAAAAAAAAAAAAAAAAAAAAAAABEa1Qvhpvk4P+dL4lbq0c2suzHmibp7xXXz8iinKHRAAAEnq3S2sTT5Jyk+yLt42J2mx6V1Dsy+T+pEvpYoS++JVdIUdirUh6tSce6TR67Sl0oKXWjxe4h0Kso9Tfma5sNIAABJaeVqkYerQoQfX5GLfvI9ttg31t+bJt/sqKPVGK5IjUzeQ08HXtXdIfrGHp1X6Vtmftxyl8+05a6o+yquPgd9Y3Ht6EZ8ePeiSI5LAAAAAAAAAAAAAAAAAAAAAAAANDTsb4er7Dfdn8CJfrNtPuZJtHivHvOenGnTEho3RTrQqzTtsRusr7UrN26Ml4omW1nKvCc0/h5v78yNXuVSnGLW/kR5DJJPam071pS5U33uS+TLfRoZruXUvNordUlikl1srOttLZxlZfeUvxRUviem2Us0Is8o1SPRu5rt80iMw9JzlGC3ykoK/OTsveSZSUYuT4EKnBzkore9hIaxaHeEq+S2tpOKnF2tdO6eXWmaLW49vDpYwS7+zdrV6GcrGSMSvl2EghJZeC1ad0C4UJYmomq0sRkr5RpNuMVllwT6rFZbXSlUVOPwpcy9vbBxoutP4nLwW5EXX0FKCxKk/pKHk20t0oSveS6vNfeSY3UZdBrdLPiiFPT5QVVN7YY+afHyOiaBwcYKVSm0qVbYrQglbYk4edbofm+JQ3NRyajLfHKz17TrLOjGCc6fwyw0urZt+hKkYmgAAAAAAAAAAAAAAAAAAAAAAAGtpKN6NVc6c13xZouY9KjNdafkbaDxVi+1eZzc4k6os2rU7YbEPltP/AMy90yXRtar6s/8AiVN8s3FNfe8rKKJFsWnUmn+1l7Efe/ii/wBEj8cu5eZT6rL4V3lc/SDStir+tShLxlH8p3+mSzQ7meca7HFznrS+pB6Mns1qUuVWEu6aZNrLNOS7H5FZbS6NaD7V5lk/SQ/p6f7r88iu0r/HLv8AoXH9Qf5o931KzgYbVWnHnUgu+SLGo8Qb7CmoLNWK7V5nV9YdHPE0JUotKTcWnK9laSb3dFzmbWsqVRTZ3N9bu4ounF4ezzNetolvF+WsnSnh5UayfF3yy43WXYZxuEqHQ4p5RqlaN3XtPyuOGSeBwkaNONKF9mK2Vd3dulkepUdSTk97JlGlGlBQjuRnMDYAAAAAAAAAAAAAAAAAAAAAAAAamMxVNRknUgnstZyiuBoq1aai05LxN1KnNyTUX4HOEcQtx1TJrRFW2GxS+7D+baRaWc8Wtddi55RAuY5r0n38sEMVhOLbqjWhClLanFN1G7OUU7KK4d50WjzhCk8yWW/oil1KE5VFhPCRAfpDqwnUpShOMnsSjLZlF2s01e27ezuNKz0JZWw4DX3F1IYe3DyVItSgLJr9V2sTH9zDxcn8Su02OKL72XGuS6Vwv+1fUhtENKvRbaSVWm227JJTV22TK+fZSx1PyK60aVeDfWvM69RxlOfoVIS9mUX7mcrKnOO9M76NWEvhkn8zOYGwAAAAAAAAAAAAAAAAAAAAAAAAwY7EqlTlUeair258l3mqvVVKm6j4GylTdSaguJQsfpWrWbc5u3CMW1FdnHtORr3lau8yezqW46SjbU6S91beviaViLhG8AElo5PyGKt6tK/43/cm2yfsK2OqPmyLXa9tS+fkRpCJQAPMoJ5NXN9vc1reXSoycX2P6bjRcWtG4j0a0FJdqIvHYdQeW5+B6ToGrSv6UlU+OOM9qe58nk8w/qLR4afWi6XwTzjrTWMru2rBJa4Qarq+/wAjS/oSfimWVi06WzrfmQNWTVdZ/SvIhCaVYQPuSd0FrRWw8kpTdSle0oyd2lzg3mmuW4hXFjTqrYsPr9S0stVrUJJSeY9T+n3g6lGV1dbnmjmnsO1TyfQAAAAAAAAAAAAAAAAAAAAADHiKEakXCSvGSs+owqU41IuEtzMoTcJKUd6K/PVGHCrJLpUX8ineiU+E3y/gs1qs+MUfI6ow41ZdkYoLRIcZvkHqsv0oyx1SpcalTscF+UyWiUeMpcvQxeqVeCXP1JPB6LpUoOlGN4yvt7WbldWzZYUbOlSpunFbHvzxIdW5qVJqbe1buwjp6qUXulUXQpRaXfG5BlotBvY2vD0Ja1Sqt6XP1MUtUYcKs+1RZreiU+E3yM1qs+MVzPK1Rj9tL8K+Z8/skP1vwR9/usv0mWnqhh1KM5Oc9nNRk47N+lJK/VcurCKsaUqdL8298X9ORS39KN9VjUrbejuXD15m3prV+jirOopKSVlKDSdt9ndNNdhLt7upQ2R3dpFu9Po3WHPeuK3kPPUKhwq1V1um/wAqJa1WrxS5+pAegUOEny9DDLUCnwrz7YxfxMlq0uMTB/0/T4TZmwuodGMk51JzSd7WjFPofGxjPVajWIpIzpaDRi05Sb5FtSKsvQAAAAAAAAAAAAAAAAAAAAAAAAAAAAAAAAAAAAAAAAAAAAAAAAAAAAAAAAAAAAAAAAAAAAAAAAAAAAAAAAAAAAAAAAAAAAAAAAAAAAAAAAAAAAAAAAAAAAAAAAAAAAAAAAAAAAAAAAAAAAAAAAAAAAAAAAAAAAAAAAAAAAAAAAAAAAAAAAAAAAAAAAAAAAAAAAAAAAAAAAAAAAAAAAAAAAAAAAAAAAAAAAAAAAAAAAAAAAAAAAAAAAAAAAAAAAAAAAAAAAAAAAAAAAAAAAAAAAAAAAAAAAAAAAAAAAAAAAAAAAAAAAAAAAAAAAAf/9k="/>
+          <p:cNvSpPr>
+            <a:spLocks noChangeAspect="1" noChangeArrowheads="1"/>
+          </p:cNvSpPr>
+          <p:nvPr/>
+        </p:nvSpPr>
+        <p:spPr bwMode="auto">
+          <a:xfrm>
+            <a:off x="307975" y="7937"/>
+            <a:ext cx="304800" cy="304801"/>
+          </a:xfrm>
+          <a:prstGeom prst="rect">
+            <a:avLst/>
+          </a:prstGeom>
+          <a:noFill/>
+          <a:extLst>
+            <a:ext uri="{909E8E84-426E-40DD-AFC4-6F175D3DCCD1}">
+              <a14:hiddenFill xmlns:a14="http://schemas.microsoft.com/office/drawing/2010/main">
+                <a:solidFill>
+                  <a:srgbClr val="FFFFFF"/>
+                </a:solidFill>
+              </a14:hiddenFill>
+            </a:ext>
+          </a:extLst>
+        </p:spPr>
+        <p:txBody>
+          <a:bodyPr vert="horz" wrap="square" lIns="91440" tIns="45720" rIns="91440" bIns="45720" numCol="1" anchor="t" anchorCtr="0" compatLnSpc="1">
+            <a:prstTxWarp prst="textNoShape">
+              <a:avLst/>
+            </a:prstTxWarp>
+          </a:bodyPr>
+          <a:lstStyle/>
+          <a:p>
+            <a:endParaRPr lang="en-US"/>
+          </a:p>
+        </p:txBody>
+      </p:sp>
+      <p:sp>
+        <p:nvSpPr>
+          <p:cNvPr id="14" name="Content Placeholder 2"/>
           <p:cNvSpPr>
             <a:spLocks noGrp="1"/>
           </p:cNvSpPr>
@@ -5727,53 +6739,115 @@
             <p:ph idx="1"/>
           </p:nvPr>
         </p:nvSpPr>
-        <p:spPr/>
+        <p:spPr>
+          <a:xfrm>
+            <a:off x="457200" y="1600201"/>
+            <a:ext cx="8229600" cy="532656"/>
+          </a:xfrm>
+        </p:spPr>
         <p:txBody>
           <a:bodyPr/>
           <a:lstStyle/>
           <a:p>
-            <a:endParaRPr lang="vi-VN"/>
-          </a:p>
-        </p:txBody>
-      </p:sp>
-      <p:sp>
-        <p:nvSpPr>
-          <p:cNvPr id="4" name="Slide Number Placeholder 3"/>
-          <p:cNvSpPr>
-            <a:spLocks noGrp="1"/>
-          </p:cNvSpPr>
-          <p:nvPr>
-            <p:ph type="sldNum" sz="quarter" idx="11"/>
-          </p:nvPr>
-        </p:nvSpPr>
-        <p:spPr/>
-        <p:txBody>
-          <a:bodyPr/>
-          <a:lstStyle/>
-          <a:p>
-            <a:fld id="{AC358548-9BFF-2A41-B589-C75B6C647976}" type="slidenum">
-              <a:rPr lang="en-US" altLang="ja-JP" smtClean="0"/>
-              <a:pPr/>
-              <a:t>5</a:t>
-            </a:fld>
-            <a:endParaRPr lang="en-US"/>
-          </a:p>
-        </p:txBody>
-      </p:sp>
+            <a:r>
+              <a:rPr lang="en-US" smtClean="0"/>
+              <a:t>Database Design:</a:t>
+            </a:r>
+            <a:endParaRPr lang="en-US" dirty="0" smtClean="0"/>
+          </a:p>
+          <a:p>
+            <a:endParaRPr lang="en-US" dirty="0" smtClean="0"/>
+          </a:p>
+          <a:p>
+            <a:endParaRPr lang="vi-VN" dirty="0"/>
+          </a:p>
+        </p:txBody>
+      </p:sp>
+      <p:pic>
+        <p:nvPicPr>
+          <p:cNvPr id="7170" name="Picture 2"/>
+          <p:cNvPicPr>
+            <a:picLocks noChangeAspect="1" noChangeArrowheads="1"/>
+          </p:cNvPicPr>
+          <p:nvPr/>
+        </p:nvPicPr>
+        <p:blipFill>
+          <a:blip r:embed="rId2" cstate="email">
+            <a:extLst>
+              <a:ext uri="{28A0092B-C50C-407E-A947-70E740481C1C}">
+                <a14:useLocalDpi xmlns:a14="http://schemas.microsoft.com/office/drawing/2010/main" val="0"/>
+              </a:ext>
+            </a:extLst>
+          </a:blip>
+          <a:srcRect/>
+          <a:stretch>
+            <a:fillRect/>
+          </a:stretch>
+        </p:blipFill>
+        <p:spPr bwMode="auto">
+          <a:xfrm>
+            <a:off x="1691680" y="2132856"/>
+            <a:ext cx="4392488" cy="4074792"/>
+          </a:xfrm>
+          <a:prstGeom prst="rect">
+            <a:avLst/>
+          </a:prstGeom>
+          <a:noFill/>
+          <a:ln>
+            <a:noFill/>
+          </a:ln>
+          <a:effectLst/>
+          <a:extLst>
+            <a:ext uri="{909E8E84-426E-40DD-AFC4-6F175D3DCCD1}">
+              <a14:hiddenFill xmlns:a14="http://schemas.microsoft.com/office/drawing/2010/main">
+                <a:solidFill>
+                  <a:schemeClr val="accent1"/>
+                </a:solidFill>
+              </a14:hiddenFill>
+            </a:ext>
+            <a:ext uri="{91240B29-F687-4F45-9708-019B960494DF}">
+              <a14:hiddenLine xmlns:a14="http://schemas.microsoft.com/office/drawing/2010/main" w="9525">
+                <a:solidFill>
+                  <a:schemeClr val="tx1"/>
+                </a:solidFill>
+                <a:miter lim="800000"/>
+                <a:headEnd/>
+                <a:tailEnd/>
+              </a14:hiddenLine>
+            </a:ext>
+            <a:ext uri="{AF507438-7753-43E0-B8FC-AC1667EBCBE1}">
+              <a14:hiddenEffects xmlns:a14="http://schemas.microsoft.com/office/drawing/2010/main">
+                <a:effectLst>
+                  <a:outerShdw dist="35921" dir="2700000" algn="ctr" rotWithShape="0">
+                    <a:schemeClr val="bg2"/>
+                  </a:outerShdw>
+                </a:effectLst>
+              </a14:hiddenEffects>
+            </a:ext>
+          </a:extLst>
+        </p:spPr>
+      </p:pic>
     </p:spTree>
     <p:extLst>
       <p:ext uri="{BB962C8B-B14F-4D97-AF65-F5344CB8AC3E}">
-        <p14:creationId xmlns:p14="http://schemas.microsoft.com/office/powerpoint/2010/main" val="2652369140"/>
+        <p14:creationId xmlns:p14="http://schemas.microsoft.com/office/powerpoint/2010/main" val="1570119753"/>
       </p:ext>
     </p:extLst>
   </p:cSld>
   <p:clrMapOvr>
     <a:masterClrMapping/>
   </p:clrMapOvr>
+  <p:timing>
+    <p:tnLst>
+      <p:par>
+        <p:cTn id="1" dur="indefinite" restart="never" nodeType="tmRoot"/>
+      </p:par>
+    </p:tnLst>
+  </p:timing>
 </p:sld>
 </file>
 
-<file path=ppt/slides/slide6.xml><?xml version="1.0" encoding="utf-8"?>
+<file path=ppt/slides/slide14.xml><?xml version="1.0" encoding="utf-8"?>
 <p:sld xmlns:a="http://schemas.openxmlformats.org/drawingml/2006/main" xmlns:r="http://schemas.openxmlformats.org/officeDocument/2006/relationships" xmlns:p="http://schemas.openxmlformats.org/presentationml/2006/main">
   <p:cSld>
     <p:spTree>
@@ -5807,7 +6881,7 @@
           <a:p>
             <a:r>
               <a:rPr lang="en-US" dirty="0" smtClean="0"/>
-              <a:t>Demo</a:t>
+              <a:t>Implementation</a:t>
             </a:r>
             <a:endParaRPr lang="vi-VN" dirty="0"/>
           </a:p>
@@ -5815,7 +6889,109 @@
       </p:sp>
       <p:sp>
         <p:nvSpPr>
-          <p:cNvPr id="3" name="Content Placeholder 2"/>
+          <p:cNvPr id="4" name="Slide Number Placeholder 3"/>
+          <p:cNvSpPr>
+            <a:spLocks noGrp="1"/>
+          </p:cNvSpPr>
+          <p:nvPr>
+            <p:ph type="sldNum" sz="quarter" idx="11"/>
+          </p:nvPr>
+        </p:nvSpPr>
+        <p:spPr/>
+        <p:txBody>
+          <a:bodyPr/>
+          <a:lstStyle/>
+          <a:p>
+            <a:fld id="{AC358548-9BFF-2A41-B589-C75B6C647976}" type="slidenum">
+              <a:rPr lang="en-US" altLang="ja-JP" smtClean="0"/>
+              <a:pPr/>
+              <a:t>14</a:t>
+            </a:fld>
+            <a:endParaRPr lang="en-US"/>
+          </a:p>
+        </p:txBody>
+      </p:sp>
+      <p:sp>
+        <p:nvSpPr>
+          <p:cNvPr id="5" name="AutoShape 2" descr="http://images.clipartpanda.com/unhappy-family-clipart-sad-smiley.svg"/>
+          <p:cNvSpPr>
+            <a:spLocks noChangeAspect="1" noChangeArrowheads="1"/>
+          </p:cNvSpPr>
+          <p:nvPr/>
+        </p:nvSpPr>
+        <p:spPr bwMode="auto">
+          <a:xfrm>
+            <a:off x="155575" y="-144463"/>
+            <a:ext cx="304800" cy="304801"/>
+          </a:xfrm>
+          <a:prstGeom prst="rect">
+            <a:avLst/>
+          </a:prstGeom>
+          <a:noFill/>
+          <a:extLst>
+            <a:ext uri="{909E8E84-426E-40DD-AFC4-6F175D3DCCD1}">
+              <a14:hiddenFill xmlns:a14="http://schemas.microsoft.com/office/drawing/2010/main">
+                <a:solidFill>
+                  <a:srgbClr val="FFFFFF"/>
+                </a:solidFill>
+              </a14:hiddenFill>
+            </a:ext>
+          </a:extLst>
+        </p:spPr>
+        <p:txBody>
+          <a:bodyPr vert="horz" wrap="square" lIns="91440" tIns="45720" rIns="91440" bIns="45720" numCol="1" anchor="t" anchorCtr="0" compatLnSpc="1">
+            <a:prstTxWarp prst="textNoShape">
+              <a:avLst/>
+            </a:prstTxWarp>
+          </a:bodyPr>
+          <a:lstStyle/>
+          <a:p>
+            <a:endParaRPr lang="en-US"/>
+          </a:p>
+        </p:txBody>
+      </p:sp>
+      <p:sp>
+        <p:nvSpPr>
+          <p:cNvPr id="13" name="AutoShape 2" descr="data:image/jpeg;base64,/9j/4AAQSkZJRgABAQAAAQABAAD/2wCEAAkGBxMREhQQEhEVFRIXEhQQERgRExAUFhESFRIYGBQTExMZHSkhGBolHRUVITIiKSkrLi4uFx8zODMsNygtLisBCgoKDg0OGxAQGzQmICQyNTEvLy80LCwvLS8sLCw3LC8tMDQ0LCw3LDQsNCwsLCw3LCwsLC8sNCwwLCw1Ly00LP/AABEIAOEA4QMBEQACEQEDEQH/xAAbAAEAAgMBAQAAAAAAAAAAAAAABQYDBAcCAf/EAEEQAAIBAgIGBQgGCQUAAAAAAAABAgMRBCEFBhIxQVFhcYGRoRMiMlJyscHRI0JTYpLCBxQzc4KisuHwFRdDVKP/xAAbAQEAAgMBAQAAAAAAAAAAAAAABAUCAwYHAf/EADsRAAIBAwEEBwYFAwMFAAAAAAABAgMEEQUhMUGhElFhcZGx0RMiMoHB8BRCUmLhBhUzI4KSFnKy0vH/2gAMAwEAAhEDEQA/AO4gAAAAAAAAAAAAAAAAAAAAAAAAAAAAAAAAAAAAAAAAAAAAAAAAAAAAAAAAAAAAAAAAAAAAAAAAAAAAAAAAAAAAAAAAAAAAAAAAAAAAAAAAAAAAAAAAAAAAAAAAAAAAAAAAAAAAAAAAAAAAAAAAAAAAAAAAAAAAAAAAAAAAAAAAAAAAAAAAAAAAAAAAAAAAAAAAAAAAAAAAAAAAAAAAAAAAAAAAAAAAAAAAAAAAAAAAAAAAAAAAAAAAAAAAAAAAAAAAAAAAAAAAAAAAAAAAAAAAHmpNRTlJpJZtt2S62fJSUVmTwj6k5PCIbE6z0Iu0dqfsrLvdisqavbx2RzLu/nBPhptaW14XeYaetlJ74TX4X8TVHWqLe2LXh6mctLqLc0TGCx9Osr05qXNbmuuLzRZULmlWWabz99RBq0KlJ4msGybzUGwCA0hrfhqTcVJ1JLeqSTS/ibS7mTqWn1prOMd5V19XtqTxnL7PXcaEdfqN86VVLo2H4XNz0qp+pcyMtfocYvl6k5ovTtDEZU6i2vVleMu57+y5DrWtWl8S2dZZW19QuNlOW3q3MkiOSwAAAAAAAAAAAAAAAAAAAAAAAAAADzVqKKcpOySbbfBLeYykoxcpbkfYxcnhFB0zpaWIlxVNPzI/GXN+45G8vZ3Mv28F9X2+R0lraxoR7eLI4hEoAGTD15U5KcJOMlua/wA3GdOpKnJSg8NGM4RnHoyWUX7QukViKanukvNmlwlzXQzrrK6VxS6XHc+85u6t3RqdHhwKVrprDKpOWHpytSi9mbX/ACSW9X9Vbrce46qws1CKqSW17uw4rV9RlObo037q39r9CploUIAPsJNNNNpp3TTs0+aZ8aTWGfU2nlHSNTNYXiIujVf0sVdP7SHPrWVzn7+0VJ9OG58jsNJ1F3EfZ1PiXNepZyuLkAAAAAAAAAAAAAAAAAAAAAAAAAEJrdWcaFl9acYPqzl+Uq9YqONvhcWl9foWGmwUq2epZKScsX4AAAAJrVvFOn5fooSqdsN39ReaC27l03x9V6lPrT6Nv7RcM+T9CkSg7bTTs21fnJWbV+ea7z1LKzg8hcZY6TPJ9MAAACR1dxLp4mjJfaRi/Zk9mXg2R7qCnRkn1eRMsKjp3MJLrx47Dr5yp3wAAAAAAAAAAAAAAAAAAAAAAAAAIfWvDueHbW+ElU7FdPwbfYVmrUnO3bX5dvryJ2nVFCsk+OwpVBRckpNxi8m0r7PTbijmIKLklJ4XX1F/NySzFZZMS1Xrb4ypyi801Jq657iyekV98Wmu9+hBWpUt0k0z1S1VrPfKEV1yb7rH2OjV2/eaXi/ofJanRW5Nm9/otHCwdaq/KSivNTsouXBKPHPncl/gKFpB1aj6TXhnhs/+kb8ZVuZqnDYn447zDqrhHU8tVnumnTvz2s5v3HzRIy6cq7+3nL+g1VxcFRX3swiA1cqRo16mCxMU6c5bD2llGpH0ZdF77+lHfXSlUpqtSe1eR53YSjRrStq62N429a3P5+hOY3UOlJ3pVJU+hpTS6tz8SFT1WovjWeRZVtBoy205Nc/55mh/t/P/ALEfwS+Zv/u0f08yL/09L9fIjNP6Ho4OOw6rq15cElGNOPrSV22+Sv0km2uKld5xiPjkhXtlRtI9Fy6U38ku302mpqvg3VxVKK3KaqS6Iwe079yXabLyooUZP5eJo02i6tzBLg8+B1s5c7sAAAAAAAAAAAAAAAAAAAAAAAAAHxq+T3bmGshPBS9N6AlSbnTTlT32Wbh0NcV0nL3umTpNyprMea/gv7W+jUXRm8S8zBojTtSh5vp0/Vb9H2Xw6jTZ6jUt/d3x6uru9DZc2UK23c+v1Jt620rfs6l+XmW77/AtHrdHHwvl6lf/AGqpn4lzNHyNfHzUpLYordy/hv6UuncRehcahNOS6MF97Ot9u76yOnRsotR2y+/BFqw2HjTioQVopWX+czoKVKNKChBbEU9Scpycpb2V7W3Vn9Z+lpWVZKzTyVRLcm+EuT7H0Wtle+x9yfw+RSanpn4n/Up/F5/z990FgdasRhPocRSctnJbbcZpe1Z7S6fEm1LCjX9+m8d21FZR1W4tf9OvHOOvY/5PukNe6sls0qap/eb22upWSXifKWlwi8zeeR9r69UksU447d/3zK5hsLWxNRqEZVJt3k83m+MpPd1ssJzp0Y7diKenSrXM/dTk397WdJ1X0AsJBttSqytttbkvVj0e8568u3Xls3Lcdhp2nq1ht2ye9/RE4QyyAAAAAAAAAAAAAAAAAAAAAPEKid0mnZ2lZp2fJ8mYqcZZw9x9cWt6PZkfAAACD1g1mp4RqDTnUavsppWXBylwJltZTr7dy6ytvtTp2vutZl1epW4a20as15bCQ2W7OSacorn6OZsuNAozTk0m+7eRLf8AqeopqLWF37jenpnDwd6OFi+UpqK7smcVK+tqUv8ASorK69nqzuY2laovfqeBmpa3Sv51JW+7Jp+KNkNbln3obOxmEtKjj3ZGvjdenB2jh+pynv7EvidZp1KhfU/aU6nesbV3/eGcjql9XsKvs6lLfuedj7tn8oj6mvtf6tOkutTf5kWa0qlxb5FRLX6/5Yrn6oxz10qTWzVw9CpHk4y+LZktNjHbCTX38jF63OaxVpxa++8z6O01gJNKrg403zUVUj2q1/Bmutb3MVmNTK8Ddb3tjUklOjhvqWf55FvwOkcNlTpThHgopbCfUrK/Yc1HUKNaWOnl/fXvOu/A1KMdkMLs/gkiSaQAAAAAAAAAAAAAAAAAAAfJPLLN8Ok+PcfUQtXT06f7XC1Iri1aS/FkvEq5alOn/lpSXg147ifGxjP/AB1E+RC4zTEI1lXw+0nJWqxkrRlbc8nv+XWVla9hGv7a33v4k9z+/viT6VpKVL2Vbhua4E3hdZqEleTcHxUk33NLMtaWrW817zw+0r6mnVov3VkVtZ6C3OUvZi1/VY+T1e2juy/l64EdNrvfhfMi8XrZN5U6aj0ye0+5ZLxIFbWpvZTjjv2/fMmU9Livjee4o2ksTKpVnObvJvNvjZWXgkei6Vl2VJve4pvvayzyzWHm+rdkmvknheRrE8rkS2HjKL2XnHg+XQzzTVKtjfUndUn0Kq+KD/N2rrf03pHqWk0r+wqq0qrp0n8M1+XsfZ1dXBmyc4dMYsVS2otcd66y00a+lZ3kJ591vEu5+m8qdbsI3tnOnj3ltj3r13fMhT1s8cPsEr5uyNdWU4wcoRy0ti3ZfVk20YwnUjGpLoxb2vfhdeCSwihe0U27b2jgNdlqnsVK6koxk8KEX59fbtx2HougQ0r2zhaRcpRWXOS8t2G+GEt283Dkzry6apYyVSlKMndwkkm9+y1km+86jSK86lJxk89F8ih1GjGFROPEnS1K4AAAAAAAAAAAAAAAAAA1dJU9qm/pJU0vOcob0ks+G40XMOlTfvOPHKN1CXRmvdT7GVDGY2GzKMcZWndNWlF2l0O7WRzda4pODjGvJ9jWx+Rd0qM+km6UUQ5Wk4AAAAGjjKCUZP7ya8F8zttA1Sda4o0NqUabi+ptPY/BLmcN/UOlQo2tevszKakutJrDXi3yPEsOr1EluSce4m09Xqqla1pvZOcoy7drS9SDV0ei615RhHbGMZQ7NibXz3G9QleKfQji9Uoqje1aa4SfPb9TuNKruvZUqj3uK8VsZ7IBPB8e4+kHWVpNdL957Vbz6dKEnxSfI8Nu4KFecFwk14M8G4jkph1sWgvSecuhHnOqSeoRq3s5YpU/dp/uefLi+zZwZ6ZpUFprpWUFmrP3qn7Vjz4Lty+JnVZWT5vZXTnYqJaXXVV0dmYx6cv2rGcPt3fNl3HVaEqUa23EpdCP7nnGV2b33Il9VNNKniPIS9CpaKeWVTh2Pd12On0jTJQ05Vmvek+l/t3Lyz3M5rUtXjLU3b591Lo/7t7/APXvRfjYSAAAAAAAAAAAAAAAAAAAAamkaFScbU6ig+N4Kd1yz3Ee4p1ZxxTl0X3ZN1GdODzOOfngrctU6v2kO6S+BRvRav6lzLZapT/Sz4tUqv2kP5vkFotX9S5j+6U/0vkZI6oy41kuqDfxM1ok+M14fyYvVY8I8/4NinqjD61WT9lRXvubo6JT/NN8l6mqWqz4RX34EPrNomFGUIxu4yjfznfzovP3oiXMJafXhUt208Pbv7HyZupdC/oyp11lZWzd2rmiHVNXcuixEleTlaRtWvdjJyXXt4eZIhYwjdyuk/elFRa4bOPkekrEWc5Tk5SeW+L2slQhGEVGCwlwWxH0xMgfJbj6iDrPzpdb957TbR6NGEepLyPDryXTuKkuuT82eDcRzPRxGypPNyasn/cp73S/xFShFYVKm8uK2Za+HC3Y35Lqx1b8NTryll1aiSUntwtvSy9+d2O4+1cRlFLLZXiLPSuhO4nXxJ1ZP/hwXhvMr3V3OFvTt8x9lFf89mX47jBtO9757+0uEklgpHJt9JvadY1X0r+s0Izfpx8yp7SW/tVn2nMXlD2NVrhvR3WnXf4mgpcVsfeS5FJwAAAAAAAAAAAAAAAAAAAAAAAAAK7rpSvThLlO3ZKL+SKbWoZpRl1PzRaaXLFSUewqBzZdgAAHqnTcmox3t2XWzdbwU60IPi0ue01XE3ClKS3pPyK8e0nhgB8AAAPU4OOTVslJdTV0+5nxNPcZSi47yf1I0p5HEKDfmVbQfRL6j73b+Ig6hQ9pSyt62+pa6Pdexr9F7pbPnw9PmdPOcOzAAAAAAAAAAAAAAAAAAAAAAAAABEa1Qvhpvk4P+dL4lbq0c2suzHmibp7xXXz8iinKHRAAAEnq3S2sTT5Jyk+yLt42J2mx6V1Dsy+T+pEvpYoS++JVdIUdirUh6tSce6TR67Sl0oKXWjxe4h0Kso9Tfma5sNIAABJaeVqkYerQoQfX5GLfvI9ttg31t+bJt/sqKPVGK5IjUzeQ08HXtXdIfrGHp1X6Vtmftxyl8+05a6o+yquPgd9Y3Ht6EZ8ePeiSI5LAAAAAAAAAAAAAAAAAAAAAAAANDTsb4er7Dfdn8CJfrNtPuZJtHivHvOenGnTEho3RTrQqzTtsRusr7UrN26Ml4omW1nKvCc0/h5v78yNXuVSnGLW/kR5DJJPam071pS5U33uS+TLfRoZruXUvNordUlikl1srOttLZxlZfeUvxRUviem2Us0Is8o1SPRu5rt80iMw9JzlGC3ykoK/OTsveSZSUYuT4EKnBzkore9hIaxaHeEq+S2tpOKnF2tdO6eXWmaLW49vDpYwS7+zdrV6GcrGSMSvl2EghJZeC1ad0C4UJYmomq0sRkr5RpNuMVllwT6rFZbXSlUVOPwpcy9vbBxoutP4nLwW5EXX0FKCxKk/pKHk20t0oSveS6vNfeSY3UZdBrdLPiiFPT5QVVN7YY+afHyOiaBwcYKVSm0qVbYrQglbYk4edbofm+JQ3NRyajLfHKz17TrLOjGCc6fwyw0urZt+hKkYmgAAAAAAAAAAAAAAAAAAAAAAAGtpKN6NVc6c13xZouY9KjNdafkbaDxVi+1eZzc4k6os2rU7YbEPltP/AMy90yXRtar6s/8AiVN8s3FNfe8rKKJFsWnUmn+1l7Efe/ii/wBEj8cu5eZT6rL4V3lc/SDStir+tShLxlH8p3+mSzQ7meca7HFznrS+pB6Mns1qUuVWEu6aZNrLNOS7H5FZbS6NaD7V5lk/SQ/p6f7r88iu0r/HLv8AoXH9Qf5o931KzgYbVWnHnUgu+SLGo8Qb7CmoLNWK7V5nV9YdHPE0JUotKTcWnK9laSb3dFzmbWsqVRTZ3N9bu4ounF4ezzNetolvF+WsnSnh5UayfF3yy43WXYZxuEqHQ4p5RqlaN3XtPyuOGSeBwkaNONKF9mK2Vd3dulkepUdSTk97JlGlGlBQjuRnMDYAAAAAAAAAAAAAAAAAAAAAAAAamMxVNRknUgnstZyiuBoq1aai05LxN1KnNyTUX4HOEcQtx1TJrRFW2GxS+7D+baRaWc8Wtddi55RAuY5r0n38sEMVhOLbqjWhClLanFN1G7OUU7KK4d50WjzhCk8yWW/oil1KE5VFhPCRAfpDqwnUpShOMnsSjLZlF2s01e27ezuNKz0JZWw4DX3F1IYe3DyVItSgLJr9V2sTH9zDxcn8Su02OKL72XGuS6Vwv+1fUhtENKvRbaSVWm227JJTV22TK+fZSx1PyK60aVeDfWvM69RxlOfoVIS9mUX7mcrKnOO9M76NWEvhkn8zOYGwAAAAAAAAAAAAAAAAAAAAAAAAwY7EqlTlUeair258l3mqvVVKm6j4GylTdSaguJQsfpWrWbc5u3CMW1FdnHtORr3lau8yezqW46SjbU6S91beviaViLhG8AElo5PyGKt6tK/43/cm2yfsK2OqPmyLXa9tS+fkRpCJQAPMoJ5NXN9vc1reXSoycX2P6bjRcWtG4j0a0FJdqIvHYdQeW5+B6ToGrSv6UlU+OOM9qe58nk8w/qLR4afWi6XwTzjrTWMru2rBJa4Qarq+/wAjS/oSfimWVi06WzrfmQNWTVdZ/SvIhCaVYQPuSd0FrRWw8kpTdSle0oyd2lzg3mmuW4hXFjTqrYsPr9S0stVrUJJSeY9T+n3g6lGV1dbnmjmnsO1TyfQAAAAAAAAAAAAAAAAAAAAADHiKEakXCSvGSs+owqU41IuEtzMoTcJKUd6K/PVGHCrJLpUX8ineiU+E3y/gs1qs+MUfI6ow41ZdkYoLRIcZvkHqsv0oyx1SpcalTscF+UyWiUeMpcvQxeqVeCXP1JPB6LpUoOlGN4yvt7WbldWzZYUbOlSpunFbHvzxIdW5qVJqbe1buwjp6qUXulUXQpRaXfG5BlotBvY2vD0Ja1Sqt6XP1MUtUYcKs+1RZreiU+E3yM1qs+MVzPK1Rj9tL8K+Z8/skP1vwR9/usv0mWnqhh1KM5Oc9nNRk47N+lJK/VcurCKsaUqdL8298X9ORS39KN9VjUrbejuXD15m3prV+jirOopKSVlKDSdt9ndNNdhLt7upQ2R3dpFu9Po3WHPeuK3kPPUKhwq1V1um/wAqJa1WrxS5+pAegUOEny9DDLUCnwrz7YxfxMlq0uMTB/0/T4TZmwuodGMk51JzSd7WjFPofGxjPVajWIpIzpaDRi05Sb5FtSKsvQAAAAAAAAAAAAAAAAAAAAAAAAAAAAAAAAAAAAAAAAAAAAAAAAAAAAAAAAAAAAAAAAAAAAAAAAAAAAAAAAAAAAAAAAAAAAAAAAAAAAAAAAAAAAAAAAAAAAAAAAAAAAAAAAAAAAAAAAAAAAAAAAAAAAAAAAAAAAAAAAAAAAAAAAAAAAAAAAAAAAAAAAAAAAAAAAAAAAAAAAAAAAAAAAAAAAAAAAAAAAAAAAAAAAAAAAAAAAAAAAAAAAAAAAAAAAAAAAAAAAAAAAAAAAAAAAAAAAAAAAAAAAAAAAAAAAAAAAAAAAAAAAAAAAAAAAAf/9k="/>
+          <p:cNvSpPr>
+            <a:spLocks noChangeAspect="1" noChangeArrowheads="1"/>
+          </p:cNvSpPr>
+          <p:nvPr/>
+        </p:nvSpPr>
+        <p:spPr bwMode="auto">
+          <a:xfrm>
+            <a:off x="307975" y="7937"/>
+            <a:ext cx="304800" cy="304801"/>
+          </a:xfrm>
+          <a:prstGeom prst="rect">
+            <a:avLst/>
+          </a:prstGeom>
+          <a:noFill/>
+          <a:extLst>
+            <a:ext uri="{909E8E84-426E-40DD-AFC4-6F175D3DCCD1}">
+              <a14:hiddenFill xmlns:a14="http://schemas.microsoft.com/office/drawing/2010/main">
+                <a:solidFill>
+                  <a:srgbClr val="FFFFFF"/>
+                </a:solidFill>
+              </a14:hiddenFill>
+            </a:ext>
+          </a:extLst>
+        </p:spPr>
+        <p:txBody>
+          <a:bodyPr vert="horz" wrap="square" lIns="91440" tIns="45720" rIns="91440" bIns="45720" numCol="1" anchor="t" anchorCtr="0" compatLnSpc="1">
+            <a:prstTxWarp prst="textNoShape">
+              <a:avLst/>
+            </a:prstTxWarp>
+          </a:bodyPr>
+          <a:lstStyle/>
+          <a:p>
+            <a:endParaRPr lang="en-US"/>
+          </a:p>
+        </p:txBody>
+      </p:sp>
+      <p:sp>
+        <p:nvSpPr>
+          <p:cNvPr id="14" name="Content Placeholder 2"/>
           <p:cNvSpPr>
             <a:spLocks noGrp="1"/>
           </p:cNvSpPr>
@@ -5823,12 +6999,93 @@
             <p:ph idx="1"/>
           </p:nvPr>
         </p:nvSpPr>
+        <p:spPr>
+          <a:xfrm>
+            <a:off x="457200" y="1600200"/>
+            <a:ext cx="8229600" cy="4061047"/>
+          </a:xfrm>
+        </p:spPr>
+        <p:txBody>
+          <a:bodyPr/>
+          <a:lstStyle/>
+          <a:p>
+            <a:r>
+              <a:rPr lang="en-US" smtClean="0"/>
+              <a:t>Design View (html).</a:t>
+            </a:r>
+          </a:p>
+          <a:p>
+            <a:r>
+              <a:rPr lang="en-US" smtClean="0"/>
+              <a:t>Implement Controller (php)</a:t>
+            </a:r>
+            <a:endParaRPr lang="en-US" dirty="0" smtClean="0"/>
+          </a:p>
+          <a:p>
+            <a:endParaRPr lang="en-US" dirty="0" smtClean="0"/>
+          </a:p>
+          <a:p>
+            <a:endParaRPr lang="vi-VN" dirty="0"/>
+          </a:p>
+        </p:txBody>
+      </p:sp>
+    </p:spTree>
+    <p:extLst>
+      <p:ext uri="{BB962C8B-B14F-4D97-AF65-F5344CB8AC3E}">
+        <p14:creationId xmlns:p14="http://schemas.microsoft.com/office/powerpoint/2010/main" val="2555184460"/>
+      </p:ext>
+    </p:extLst>
+  </p:cSld>
+  <p:clrMapOvr>
+    <a:masterClrMapping/>
+  </p:clrMapOvr>
+  <p:timing>
+    <p:tnLst>
+      <p:par>
+        <p:cTn id="1" dur="indefinite" restart="never" nodeType="tmRoot"/>
+      </p:par>
+    </p:tnLst>
+  </p:timing>
+</p:sld>
+</file>
+
+<file path=ppt/slides/slide15.xml><?xml version="1.0" encoding="utf-8"?>
+<p:sld xmlns:a="http://schemas.openxmlformats.org/drawingml/2006/main" xmlns:r="http://schemas.openxmlformats.org/officeDocument/2006/relationships" xmlns:p="http://schemas.openxmlformats.org/presentationml/2006/main">
+  <p:cSld>
+    <p:spTree>
+      <p:nvGrpSpPr>
+        <p:cNvPr id="1" name=""/>
+        <p:cNvGrpSpPr/>
+        <p:nvPr/>
+      </p:nvGrpSpPr>
+      <p:grpSpPr>
+        <a:xfrm>
+          <a:off x="0" y="0"/>
+          <a:ext cx="0" cy="0"/>
+          <a:chOff x="0" y="0"/>
+          <a:chExt cx="0" cy="0"/>
+        </a:xfrm>
+      </p:grpSpPr>
+      <p:sp>
+        <p:nvSpPr>
+          <p:cNvPr id="2" name="Title 1"/>
+          <p:cNvSpPr>
+            <a:spLocks noGrp="1"/>
+          </p:cNvSpPr>
+          <p:nvPr>
+            <p:ph type="title"/>
+          </p:nvPr>
+        </p:nvSpPr>
         <p:spPr/>
         <p:txBody>
           <a:bodyPr/>
           <a:lstStyle/>
           <a:p>
-            <a:endParaRPr lang="vi-VN"/>
+            <a:r>
+              <a:rPr lang="en-US" dirty="0" smtClean="0"/>
+              <a:t>Extension</a:t>
+            </a:r>
+            <a:endParaRPr lang="vi-VN" dirty="0"/>
           </a:p>
         </p:txBody>
       </p:sp>
@@ -5850,7 +7107,161 @@
             <a:fld id="{AC358548-9BFF-2A41-B589-C75B6C647976}" type="slidenum">
               <a:rPr lang="en-US" altLang="ja-JP" smtClean="0"/>
               <a:pPr/>
-              <a:t>6</a:t>
+              <a:t>15</a:t>
+            </a:fld>
+            <a:endParaRPr lang="en-US"/>
+          </a:p>
+        </p:txBody>
+      </p:sp>
+      <p:sp>
+        <p:nvSpPr>
+          <p:cNvPr id="5" name="Content Placeholder 2"/>
+          <p:cNvSpPr>
+            <a:spLocks noGrp="1"/>
+          </p:cNvSpPr>
+          <p:nvPr>
+            <p:ph idx="1"/>
+          </p:nvPr>
+        </p:nvSpPr>
+        <p:spPr>
+          <a:xfrm>
+            <a:off x="457200" y="1600200"/>
+            <a:ext cx="8229600" cy="4530725"/>
+          </a:xfrm>
+        </p:spPr>
+        <p:txBody>
+          <a:bodyPr/>
+          <a:lstStyle/>
+          <a:p>
+            <a:r>
+              <a:rPr lang="en-US" dirty="0" smtClean="0"/>
+              <a:t>At first steps, we only implement text question. And later version, we will implement image question, video question.</a:t>
+            </a:r>
+          </a:p>
+          <a:p>
+            <a:r>
+              <a:rPr lang="en-US" dirty="0" smtClean="0"/>
+              <a:t>Add more Yes/No question, </a:t>
+            </a:r>
+            <a:r>
+              <a:rPr lang="en-US" dirty="0" err="1" smtClean="0"/>
+              <a:t>multichoice</a:t>
+            </a:r>
+            <a:endParaRPr lang="en-US" dirty="0" smtClean="0"/>
+          </a:p>
+          <a:p>
+            <a:r>
+              <a:rPr lang="en-US" dirty="0" smtClean="0"/>
+              <a:t>Login using social network account</a:t>
+            </a:r>
+          </a:p>
+          <a:p>
+            <a:r>
+              <a:rPr lang="en-US" dirty="0" smtClean="0"/>
+              <a:t>Facebook app</a:t>
+            </a:r>
+            <a:endParaRPr lang="vi-VN" dirty="0"/>
+          </a:p>
+        </p:txBody>
+      </p:sp>
+    </p:spTree>
+    <p:extLst>
+      <p:ext uri="{BB962C8B-B14F-4D97-AF65-F5344CB8AC3E}">
+        <p14:creationId xmlns:p14="http://schemas.microsoft.com/office/powerpoint/2010/main" val="2652369140"/>
+      </p:ext>
+    </p:extLst>
+  </p:cSld>
+  <p:clrMapOvr>
+    <a:masterClrMapping/>
+  </p:clrMapOvr>
+  <p:timing>
+    <p:tnLst>
+      <p:par>
+        <p:cTn id="1" dur="indefinite" restart="never" nodeType="tmRoot"/>
+      </p:par>
+    </p:tnLst>
+  </p:timing>
+</p:sld>
+</file>
+
+<file path=ppt/slides/slide16.xml><?xml version="1.0" encoding="utf-8"?>
+<p:sld xmlns:a="http://schemas.openxmlformats.org/drawingml/2006/main" xmlns:r="http://schemas.openxmlformats.org/officeDocument/2006/relationships" xmlns:p="http://schemas.openxmlformats.org/presentationml/2006/main">
+  <p:cSld>
+    <p:spTree>
+      <p:nvGrpSpPr>
+        <p:cNvPr id="1" name=""/>
+        <p:cNvGrpSpPr/>
+        <p:nvPr/>
+      </p:nvGrpSpPr>
+      <p:grpSpPr>
+        <a:xfrm>
+          <a:off x="0" y="0"/>
+          <a:ext cx="0" cy="0"/>
+          <a:chOff x="0" y="0"/>
+          <a:chExt cx="0" cy="0"/>
+        </a:xfrm>
+      </p:grpSpPr>
+      <p:sp>
+        <p:nvSpPr>
+          <p:cNvPr id="2" name="Title 1"/>
+          <p:cNvSpPr>
+            <a:spLocks noGrp="1"/>
+          </p:cNvSpPr>
+          <p:nvPr>
+            <p:ph type="title"/>
+          </p:nvPr>
+        </p:nvSpPr>
+        <p:spPr/>
+        <p:txBody>
+          <a:bodyPr/>
+          <a:lstStyle/>
+          <a:p>
+            <a:r>
+              <a:rPr lang="en-US" dirty="0" smtClean="0"/>
+              <a:t>Demo</a:t>
+            </a:r>
+            <a:endParaRPr lang="vi-VN" dirty="0"/>
+          </a:p>
+        </p:txBody>
+      </p:sp>
+      <p:sp>
+        <p:nvSpPr>
+          <p:cNvPr id="3" name="Content Placeholder 2"/>
+          <p:cNvSpPr>
+            <a:spLocks noGrp="1"/>
+          </p:cNvSpPr>
+          <p:nvPr>
+            <p:ph idx="1"/>
+          </p:nvPr>
+        </p:nvSpPr>
+        <p:spPr/>
+        <p:txBody>
+          <a:bodyPr/>
+          <a:lstStyle/>
+          <a:p>
+            <a:endParaRPr lang="vi-VN"/>
+          </a:p>
+        </p:txBody>
+      </p:sp>
+      <p:sp>
+        <p:nvSpPr>
+          <p:cNvPr id="4" name="Slide Number Placeholder 3"/>
+          <p:cNvSpPr>
+            <a:spLocks noGrp="1"/>
+          </p:cNvSpPr>
+          <p:nvPr>
+            <p:ph type="sldNum" sz="quarter" idx="11"/>
+          </p:nvPr>
+        </p:nvSpPr>
+        <p:spPr/>
+        <p:txBody>
+          <a:bodyPr/>
+          <a:lstStyle/>
+          <a:p>
+            <a:fld id="{AC358548-9BFF-2A41-B589-C75B6C647976}" type="slidenum">
+              <a:rPr lang="en-US" altLang="ja-JP" smtClean="0"/>
+              <a:pPr/>
+              <a:t>16</a:t>
             </a:fld>
             <a:endParaRPr lang="en-US"/>
           </a:p>
@@ -5876,7 +7287,7 @@
 </p:sld>
 </file>
 
-<file path=ppt/slides/slide7.xml><?xml version="1.0" encoding="utf-8"?>
+<file path=ppt/slides/slide17.xml><?xml version="1.0" encoding="utf-8"?>
 <p:sld xmlns:a="http://schemas.openxmlformats.org/drawingml/2006/main" xmlns:r="http://schemas.openxmlformats.org/officeDocument/2006/relationships" xmlns:p="http://schemas.openxmlformats.org/presentationml/2006/main">
   <p:cSld>
     <p:spTree>
@@ -5978,7 +7389,7 @@
             <a:fld id="{AC358548-9BFF-2A41-B589-C75B6C647976}" type="slidenum">
               <a:rPr lang="en-US" altLang="ja-JP" smtClean="0"/>
               <a:pPr/>
-              <a:t>7</a:t>
+              <a:t>17</a:t>
             </a:fld>
             <a:endParaRPr lang="en-US"/>
           </a:p>
@@ -6070,6 +7481,3945 @@
             </p:seq>
           </p:childTnLst>
         </p:cTn>
+      </p:par>
+    </p:tnLst>
+  </p:timing>
+</p:sld>
+</file>
+
+<file path=ppt/slides/slide2.xml><?xml version="1.0" encoding="utf-8"?>
+<p:sld xmlns:a="http://schemas.openxmlformats.org/drawingml/2006/main" xmlns:r="http://schemas.openxmlformats.org/officeDocument/2006/relationships" xmlns:p="http://schemas.openxmlformats.org/presentationml/2006/main">
+  <p:cSld>
+    <p:spTree>
+      <p:nvGrpSpPr>
+        <p:cNvPr id="1" name=""/>
+        <p:cNvGrpSpPr/>
+        <p:nvPr/>
+      </p:nvGrpSpPr>
+      <p:grpSpPr>
+        <a:xfrm>
+          <a:off x="0" y="0"/>
+          <a:ext cx="0" cy="0"/>
+          <a:chOff x="0" y="0"/>
+          <a:chExt cx="0" cy="0"/>
+        </a:xfrm>
+      </p:grpSpPr>
+      <p:sp>
+        <p:nvSpPr>
+          <p:cNvPr id="2" name="タイトル 1"/>
+          <p:cNvSpPr>
+            <a:spLocks noGrp="1"/>
+          </p:cNvSpPr>
+          <p:nvPr>
+            <p:ph type="title"/>
+          </p:nvPr>
+        </p:nvSpPr>
+        <p:spPr/>
+        <p:txBody>
+          <a:bodyPr/>
+          <a:lstStyle/>
+          <a:p>
+            <a:r>
+              <a:rPr lang="en-US" altLang="ja-JP" dirty="0" smtClean="0"/>
+              <a:t>Contents</a:t>
+            </a:r>
+            <a:endParaRPr kumimoji="1" lang="ja-JP" altLang="en-US" dirty="0"/>
+          </a:p>
+        </p:txBody>
+      </p:sp>
+      <p:sp>
+        <p:nvSpPr>
+          <p:cNvPr id="3" name="コンテンツ プレースホルダー 2"/>
+          <p:cNvSpPr>
+            <a:spLocks noGrp="1"/>
+          </p:cNvSpPr>
+          <p:nvPr>
+            <p:ph idx="1"/>
+          </p:nvPr>
+        </p:nvSpPr>
+        <p:spPr/>
+        <p:txBody>
+          <a:bodyPr/>
+          <a:lstStyle/>
+          <a:p>
+            <a:r>
+              <a:rPr lang="en-US" altLang="ja-JP" dirty="0" smtClean="0"/>
+              <a:t>Introduction</a:t>
+            </a:r>
+          </a:p>
+          <a:p>
+            <a:r>
+              <a:rPr lang="en-US" altLang="ja-JP" dirty="0" smtClean="0"/>
+              <a:t>Implementation</a:t>
+            </a:r>
+          </a:p>
+          <a:p>
+            <a:r>
+              <a:rPr lang="en-US" altLang="ja-JP" dirty="0" smtClean="0"/>
+              <a:t>Extension</a:t>
+            </a:r>
+          </a:p>
+          <a:p>
+            <a:r>
+              <a:rPr kumimoji="1" lang="en-US" altLang="ja-JP" dirty="0" smtClean="0"/>
+              <a:t>Demo</a:t>
+            </a:r>
+          </a:p>
+          <a:p>
+            <a:endParaRPr kumimoji="1" lang="en-US" altLang="ja-JP" dirty="0" smtClean="0"/>
+          </a:p>
+          <a:p>
+            <a:endParaRPr kumimoji="1" lang="ja-JP" altLang="en-US" dirty="0"/>
+          </a:p>
+        </p:txBody>
+      </p:sp>
+      <p:sp>
+        <p:nvSpPr>
+          <p:cNvPr id="4" name="Slide Number Placeholder 3"/>
+          <p:cNvSpPr>
+            <a:spLocks noGrp="1"/>
+          </p:cNvSpPr>
+          <p:nvPr>
+            <p:ph type="sldNum" sz="quarter" idx="11"/>
+          </p:nvPr>
+        </p:nvSpPr>
+        <p:spPr/>
+        <p:txBody>
+          <a:bodyPr/>
+          <a:lstStyle/>
+          <a:p>
+            <a:fld id="{AC358548-9BFF-2A41-B589-C75B6C647976}" type="slidenum">
+              <a:rPr lang="en-US" altLang="ja-JP" smtClean="0"/>
+              <a:pPr/>
+              <a:t>2</a:t>
+            </a:fld>
+            <a:endParaRPr lang="en-US"/>
+          </a:p>
+        </p:txBody>
+      </p:sp>
+    </p:spTree>
+    <p:extLst>
+      <p:ext uri="{BB962C8B-B14F-4D97-AF65-F5344CB8AC3E}">
+        <p14:creationId xmlns:p14="http://schemas.microsoft.com/office/powerpoint/2010/main" val="3780838480"/>
+      </p:ext>
+    </p:extLst>
+  </p:cSld>
+  <p:clrMapOvr>
+    <a:masterClrMapping/>
+  </p:clrMapOvr>
+  <p:timing>
+    <p:tnLst>
+      <p:par>
+        <p:cTn id="1" dur="indefinite" restart="never" nodeType="tmRoot"/>
+      </p:par>
+    </p:tnLst>
+  </p:timing>
+</p:sld>
+</file>
+
+<file path=ppt/slides/slide3.xml><?xml version="1.0" encoding="utf-8"?>
+<p:sld xmlns:a="http://schemas.openxmlformats.org/drawingml/2006/main" xmlns:r="http://schemas.openxmlformats.org/officeDocument/2006/relationships" xmlns:p="http://schemas.openxmlformats.org/presentationml/2006/main">
+  <p:cSld>
+    <p:spTree>
+      <p:nvGrpSpPr>
+        <p:cNvPr id="1" name=""/>
+        <p:cNvGrpSpPr/>
+        <p:nvPr/>
+      </p:nvGrpSpPr>
+      <p:grpSpPr>
+        <a:xfrm>
+          <a:off x="0" y="0"/>
+          <a:ext cx="0" cy="0"/>
+          <a:chOff x="0" y="0"/>
+          <a:chExt cx="0" cy="0"/>
+        </a:xfrm>
+      </p:grpSpPr>
+      <p:sp>
+        <p:nvSpPr>
+          <p:cNvPr id="2" name="Title 1"/>
+          <p:cNvSpPr>
+            <a:spLocks noGrp="1"/>
+          </p:cNvSpPr>
+          <p:nvPr>
+            <p:ph type="title"/>
+          </p:nvPr>
+        </p:nvSpPr>
+        <p:spPr/>
+        <p:txBody>
+          <a:bodyPr/>
+          <a:lstStyle/>
+          <a:p>
+            <a:r>
+              <a:rPr lang="en-US" dirty="0" smtClean="0"/>
+              <a:t>Introduction</a:t>
+            </a:r>
+            <a:endParaRPr lang="vi-VN" dirty="0"/>
+          </a:p>
+        </p:txBody>
+      </p:sp>
+      <p:sp>
+        <p:nvSpPr>
+          <p:cNvPr id="4" name="Slide Number Placeholder 3"/>
+          <p:cNvSpPr>
+            <a:spLocks noGrp="1"/>
+          </p:cNvSpPr>
+          <p:nvPr>
+            <p:ph type="sldNum" sz="quarter" idx="11"/>
+          </p:nvPr>
+        </p:nvSpPr>
+        <p:spPr/>
+        <p:txBody>
+          <a:bodyPr/>
+          <a:lstStyle/>
+          <a:p>
+            <a:fld id="{AC358548-9BFF-2A41-B589-C75B6C647976}" type="slidenum">
+              <a:rPr lang="en-US" altLang="ja-JP" smtClean="0"/>
+              <a:pPr/>
+              <a:t>3</a:t>
+            </a:fld>
+            <a:endParaRPr lang="en-US"/>
+          </a:p>
+        </p:txBody>
+      </p:sp>
+      <p:sp>
+        <p:nvSpPr>
+          <p:cNvPr id="5" name="Rectangle 4"/>
+          <p:cNvSpPr/>
+          <p:nvPr/>
+        </p:nvSpPr>
+        <p:spPr>
+          <a:xfrm>
+            <a:off x="1333039" y="2297921"/>
+            <a:ext cx="792088" cy="360040"/>
+          </a:xfrm>
+          <a:prstGeom prst="rect">
+            <a:avLst/>
+          </a:prstGeom>
+        </p:spPr>
+        <p:style>
+          <a:lnRef idx="0">
+            <a:schemeClr val="accent1"/>
+          </a:lnRef>
+          <a:fillRef idx="3">
+            <a:schemeClr val="accent1"/>
+          </a:fillRef>
+          <a:effectRef idx="3">
+            <a:schemeClr val="accent1"/>
+          </a:effectRef>
+          <a:fontRef idx="minor">
+            <a:schemeClr val="lt1"/>
+          </a:fontRef>
+        </p:style>
+        <p:txBody>
+          <a:bodyPr rtlCol="0" anchor="ctr"/>
+          <a:lstStyle/>
+          <a:p>
+            <a:pPr algn="ctr"/>
+            <a:r>
+              <a:rPr lang="en-US" smtClean="0"/>
+              <a:t>User</a:t>
+            </a:r>
+            <a:endParaRPr lang="en-US"/>
+          </a:p>
+        </p:txBody>
+      </p:sp>
+      <p:sp>
+        <p:nvSpPr>
+          <p:cNvPr id="6" name="Rectangle 5"/>
+          <p:cNvSpPr/>
+          <p:nvPr/>
+        </p:nvSpPr>
+        <p:spPr>
+          <a:xfrm>
+            <a:off x="1331729" y="2888940"/>
+            <a:ext cx="792088" cy="360040"/>
+          </a:xfrm>
+          <a:prstGeom prst="rect">
+            <a:avLst/>
+          </a:prstGeom>
+        </p:spPr>
+        <p:style>
+          <a:lnRef idx="0">
+            <a:schemeClr val="accent1"/>
+          </a:lnRef>
+          <a:fillRef idx="3">
+            <a:schemeClr val="accent1"/>
+          </a:fillRef>
+          <a:effectRef idx="3">
+            <a:schemeClr val="accent1"/>
+          </a:effectRef>
+          <a:fontRef idx="minor">
+            <a:schemeClr val="lt1"/>
+          </a:fontRef>
+        </p:style>
+        <p:txBody>
+          <a:bodyPr rtlCol="0" anchor="ctr"/>
+          <a:lstStyle/>
+          <a:p>
+            <a:pPr algn="ctr"/>
+            <a:r>
+              <a:rPr lang="en-US" smtClean="0"/>
+              <a:t>User</a:t>
+            </a:r>
+            <a:endParaRPr lang="en-US"/>
+          </a:p>
+        </p:txBody>
+      </p:sp>
+      <p:sp>
+        <p:nvSpPr>
+          <p:cNvPr id="7" name="Rectangle 6"/>
+          <p:cNvSpPr/>
+          <p:nvPr/>
+        </p:nvSpPr>
+        <p:spPr>
+          <a:xfrm>
+            <a:off x="1331729" y="3465004"/>
+            <a:ext cx="792088" cy="360040"/>
+          </a:xfrm>
+          <a:prstGeom prst="rect">
+            <a:avLst/>
+          </a:prstGeom>
+        </p:spPr>
+        <p:style>
+          <a:lnRef idx="0">
+            <a:schemeClr val="accent1"/>
+          </a:lnRef>
+          <a:fillRef idx="3">
+            <a:schemeClr val="accent1"/>
+          </a:fillRef>
+          <a:effectRef idx="3">
+            <a:schemeClr val="accent1"/>
+          </a:effectRef>
+          <a:fontRef idx="minor">
+            <a:schemeClr val="lt1"/>
+          </a:fontRef>
+        </p:style>
+        <p:txBody>
+          <a:bodyPr rtlCol="0" anchor="ctr"/>
+          <a:lstStyle/>
+          <a:p>
+            <a:pPr algn="ctr"/>
+            <a:r>
+              <a:rPr lang="en-US" smtClean="0"/>
+              <a:t>User</a:t>
+            </a:r>
+            <a:endParaRPr lang="en-US"/>
+          </a:p>
+        </p:txBody>
+      </p:sp>
+      <p:sp>
+        <p:nvSpPr>
+          <p:cNvPr id="8" name="Rectangle 7"/>
+          <p:cNvSpPr/>
+          <p:nvPr/>
+        </p:nvSpPr>
+        <p:spPr>
+          <a:xfrm>
+            <a:off x="1333039" y="4003251"/>
+            <a:ext cx="792088" cy="360040"/>
+          </a:xfrm>
+          <a:prstGeom prst="rect">
+            <a:avLst/>
+          </a:prstGeom>
+        </p:spPr>
+        <p:style>
+          <a:lnRef idx="0">
+            <a:schemeClr val="accent1"/>
+          </a:lnRef>
+          <a:fillRef idx="3">
+            <a:schemeClr val="accent1"/>
+          </a:fillRef>
+          <a:effectRef idx="3">
+            <a:schemeClr val="accent1"/>
+          </a:effectRef>
+          <a:fontRef idx="minor">
+            <a:schemeClr val="lt1"/>
+          </a:fontRef>
+        </p:style>
+        <p:txBody>
+          <a:bodyPr rtlCol="0" anchor="ctr"/>
+          <a:lstStyle/>
+          <a:p>
+            <a:pPr algn="ctr"/>
+            <a:r>
+              <a:rPr lang="en-US" smtClean="0"/>
+              <a:t>User</a:t>
+            </a:r>
+            <a:endParaRPr lang="en-US"/>
+          </a:p>
+        </p:txBody>
+      </p:sp>
+      <p:sp>
+        <p:nvSpPr>
+          <p:cNvPr id="9" name="Rectangle 8"/>
+          <p:cNvSpPr/>
+          <p:nvPr/>
+        </p:nvSpPr>
+        <p:spPr>
+          <a:xfrm>
+            <a:off x="1331729" y="4509120"/>
+            <a:ext cx="792088" cy="360040"/>
+          </a:xfrm>
+          <a:prstGeom prst="rect">
+            <a:avLst/>
+          </a:prstGeom>
+        </p:spPr>
+        <p:style>
+          <a:lnRef idx="0">
+            <a:schemeClr val="accent1"/>
+          </a:lnRef>
+          <a:fillRef idx="3">
+            <a:schemeClr val="accent1"/>
+          </a:fillRef>
+          <a:effectRef idx="3">
+            <a:schemeClr val="accent1"/>
+          </a:effectRef>
+          <a:fontRef idx="minor">
+            <a:schemeClr val="lt1"/>
+          </a:fontRef>
+        </p:style>
+        <p:txBody>
+          <a:bodyPr rtlCol="0" anchor="ctr"/>
+          <a:lstStyle/>
+          <a:p>
+            <a:pPr algn="ctr"/>
+            <a:r>
+              <a:rPr lang="en-US" smtClean="0"/>
+              <a:t>User</a:t>
+            </a:r>
+            <a:endParaRPr lang="en-US"/>
+          </a:p>
+        </p:txBody>
+      </p:sp>
+      <p:sp>
+        <p:nvSpPr>
+          <p:cNvPr id="10" name="Rectangle 9"/>
+          <p:cNvSpPr/>
+          <p:nvPr/>
+        </p:nvSpPr>
+        <p:spPr>
+          <a:xfrm>
+            <a:off x="1317875" y="5013176"/>
+            <a:ext cx="792088" cy="360040"/>
+          </a:xfrm>
+          <a:prstGeom prst="rect">
+            <a:avLst/>
+          </a:prstGeom>
+        </p:spPr>
+        <p:style>
+          <a:lnRef idx="0">
+            <a:schemeClr val="accent1"/>
+          </a:lnRef>
+          <a:fillRef idx="3">
+            <a:schemeClr val="accent1"/>
+          </a:fillRef>
+          <a:effectRef idx="3">
+            <a:schemeClr val="accent1"/>
+          </a:effectRef>
+          <a:fontRef idx="minor">
+            <a:schemeClr val="lt1"/>
+          </a:fontRef>
+        </p:style>
+        <p:txBody>
+          <a:bodyPr rtlCol="0" anchor="ctr"/>
+          <a:lstStyle/>
+          <a:p>
+            <a:pPr algn="ctr"/>
+            <a:r>
+              <a:rPr lang="en-US" smtClean="0"/>
+              <a:t>User</a:t>
+            </a:r>
+            <a:endParaRPr lang="en-US"/>
+          </a:p>
+        </p:txBody>
+      </p:sp>
+      <p:sp>
+        <p:nvSpPr>
+          <p:cNvPr id="11" name="Rectangle 10"/>
+          <p:cNvSpPr/>
+          <p:nvPr/>
+        </p:nvSpPr>
+        <p:spPr>
+          <a:xfrm>
+            <a:off x="7166997" y="2297921"/>
+            <a:ext cx="792088" cy="360040"/>
+          </a:xfrm>
+          <a:prstGeom prst="rect">
+            <a:avLst/>
+          </a:prstGeom>
+        </p:spPr>
+        <p:style>
+          <a:lnRef idx="0">
+            <a:schemeClr val="accent1"/>
+          </a:lnRef>
+          <a:fillRef idx="3">
+            <a:schemeClr val="accent1"/>
+          </a:fillRef>
+          <a:effectRef idx="3">
+            <a:schemeClr val="accent1"/>
+          </a:effectRef>
+          <a:fontRef idx="minor">
+            <a:schemeClr val="lt1"/>
+          </a:fontRef>
+        </p:style>
+        <p:txBody>
+          <a:bodyPr rtlCol="0" anchor="ctr"/>
+          <a:lstStyle/>
+          <a:p>
+            <a:pPr algn="ctr"/>
+            <a:r>
+              <a:rPr lang="en-US" smtClean="0"/>
+              <a:t>User</a:t>
+            </a:r>
+            <a:endParaRPr lang="en-US"/>
+          </a:p>
+        </p:txBody>
+      </p:sp>
+      <p:sp>
+        <p:nvSpPr>
+          <p:cNvPr id="12" name="Rectangle 11"/>
+          <p:cNvSpPr/>
+          <p:nvPr/>
+        </p:nvSpPr>
+        <p:spPr>
+          <a:xfrm>
+            <a:off x="7165687" y="2888940"/>
+            <a:ext cx="792088" cy="360040"/>
+          </a:xfrm>
+          <a:prstGeom prst="rect">
+            <a:avLst/>
+          </a:prstGeom>
+        </p:spPr>
+        <p:style>
+          <a:lnRef idx="0">
+            <a:schemeClr val="accent1"/>
+          </a:lnRef>
+          <a:fillRef idx="3">
+            <a:schemeClr val="accent1"/>
+          </a:fillRef>
+          <a:effectRef idx="3">
+            <a:schemeClr val="accent1"/>
+          </a:effectRef>
+          <a:fontRef idx="minor">
+            <a:schemeClr val="lt1"/>
+          </a:fontRef>
+        </p:style>
+        <p:txBody>
+          <a:bodyPr rtlCol="0" anchor="ctr"/>
+          <a:lstStyle/>
+          <a:p>
+            <a:pPr algn="ctr"/>
+            <a:r>
+              <a:rPr lang="en-US" smtClean="0"/>
+              <a:t>User</a:t>
+            </a:r>
+            <a:endParaRPr lang="en-US"/>
+          </a:p>
+        </p:txBody>
+      </p:sp>
+      <p:sp>
+        <p:nvSpPr>
+          <p:cNvPr id="13" name="Rectangle 12"/>
+          <p:cNvSpPr/>
+          <p:nvPr/>
+        </p:nvSpPr>
+        <p:spPr>
+          <a:xfrm>
+            <a:off x="7165687" y="3465004"/>
+            <a:ext cx="792088" cy="360040"/>
+          </a:xfrm>
+          <a:prstGeom prst="rect">
+            <a:avLst/>
+          </a:prstGeom>
+        </p:spPr>
+        <p:style>
+          <a:lnRef idx="0">
+            <a:schemeClr val="accent1"/>
+          </a:lnRef>
+          <a:fillRef idx="3">
+            <a:schemeClr val="accent1"/>
+          </a:fillRef>
+          <a:effectRef idx="3">
+            <a:schemeClr val="accent1"/>
+          </a:effectRef>
+          <a:fontRef idx="minor">
+            <a:schemeClr val="lt1"/>
+          </a:fontRef>
+        </p:style>
+        <p:txBody>
+          <a:bodyPr rtlCol="0" anchor="ctr"/>
+          <a:lstStyle/>
+          <a:p>
+            <a:pPr algn="ctr"/>
+            <a:r>
+              <a:rPr lang="en-US" smtClean="0"/>
+              <a:t>User</a:t>
+            </a:r>
+            <a:endParaRPr lang="en-US"/>
+          </a:p>
+        </p:txBody>
+      </p:sp>
+      <p:sp>
+        <p:nvSpPr>
+          <p:cNvPr id="14" name="Rectangle 13"/>
+          <p:cNvSpPr/>
+          <p:nvPr/>
+        </p:nvSpPr>
+        <p:spPr>
+          <a:xfrm>
+            <a:off x="7166997" y="4003251"/>
+            <a:ext cx="792088" cy="360040"/>
+          </a:xfrm>
+          <a:prstGeom prst="rect">
+            <a:avLst/>
+          </a:prstGeom>
+        </p:spPr>
+        <p:style>
+          <a:lnRef idx="0">
+            <a:schemeClr val="accent1"/>
+          </a:lnRef>
+          <a:fillRef idx="3">
+            <a:schemeClr val="accent1"/>
+          </a:fillRef>
+          <a:effectRef idx="3">
+            <a:schemeClr val="accent1"/>
+          </a:effectRef>
+          <a:fontRef idx="minor">
+            <a:schemeClr val="lt1"/>
+          </a:fontRef>
+        </p:style>
+        <p:txBody>
+          <a:bodyPr rtlCol="0" anchor="ctr"/>
+          <a:lstStyle/>
+          <a:p>
+            <a:pPr algn="ctr"/>
+            <a:r>
+              <a:rPr lang="en-US" smtClean="0"/>
+              <a:t>User</a:t>
+            </a:r>
+            <a:endParaRPr lang="en-US"/>
+          </a:p>
+        </p:txBody>
+      </p:sp>
+      <p:sp>
+        <p:nvSpPr>
+          <p:cNvPr id="15" name="Rectangle 14"/>
+          <p:cNvSpPr/>
+          <p:nvPr/>
+        </p:nvSpPr>
+        <p:spPr>
+          <a:xfrm>
+            <a:off x="7165687" y="4509120"/>
+            <a:ext cx="792088" cy="360040"/>
+          </a:xfrm>
+          <a:prstGeom prst="rect">
+            <a:avLst/>
+          </a:prstGeom>
+        </p:spPr>
+        <p:style>
+          <a:lnRef idx="0">
+            <a:schemeClr val="accent1"/>
+          </a:lnRef>
+          <a:fillRef idx="3">
+            <a:schemeClr val="accent1"/>
+          </a:fillRef>
+          <a:effectRef idx="3">
+            <a:schemeClr val="accent1"/>
+          </a:effectRef>
+          <a:fontRef idx="minor">
+            <a:schemeClr val="lt1"/>
+          </a:fontRef>
+        </p:style>
+        <p:txBody>
+          <a:bodyPr rtlCol="0" anchor="ctr"/>
+          <a:lstStyle/>
+          <a:p>
+            <a:pPr algn="ctr"/>
+            <a:r>
+              <a:rPr lang="en-US" smtClean="0"/>
+              <a:t>User</a:t>
+            </a:r>
+            <a:endParaRPr lang="en-US"/>
+          </a:p>
+        </p:txBody>
+      </p:sp>
+      <p:sp>
+        <p:nvSpPr>
+          <p:cNvPr id="16" name="Rectangle 15"/>
+          <p:cNvSpPr/>
+          <p:nvPr/>
+        </p:nvSpPr>
+        <p:spPr>
+          <a:xfrm>
+            <a:off x="7151833" y="5013176"/>
+            <a:ext cx="792088" cy="360040"/>
+          </a:xfrm>
+          <a:prstGeom prst="rect">
+            <a:avLst/>
+          </a:prstGeom>
+        </p:spPr>
+        <p:style>
+          <a:lnRef idx="0">
+            <a:schemeClr val="accent1"/>
+          </a:lnRef>
+          <a:fillRef idx="3">
+            <a:schemeClr val="accent1"/>
+          </a:fillRef>
+          <a:effectRef idx="3">
+            <a:schemeClr val="accent1"/>
+          </a:effectRef>
+          <a:fontRef idx="minor">
+            <a:schemeClr val="lt1"/>
+          </a:fontRef>
+        </p:style>
+        <p:txBody>
+          <a:bodyPr rtlCol="0" anchor="ctr"/>
+          <a:lstStyle/>
+          <a:p>
+            <a:pPr algn="ctr"/>
+            <a:r>
+              <a:rPr lang="en-US" smtClean="0"/>
+              <a:t>User</a:t>
+            </a:r>
+            <a:endParaRPr lang="en-US"/>
+          </a:p>
+        </p:txBody>
+      </p:sp>
+      <p:cxnSp>
+        <p:nvCxnSpPr>
+          <p:cNvPr id="18" name="Straight Arrow Connector 17"/>
+          <p:cNvCxnSpPr>
+            <a:endCxn id="15" idx="1"/>
+          </p:cNvCxnSpPr>
+          <p:nvPr/>
+        </p:nvCxnSpPr>
+        <p:spPr>
+          <a:xfrm>
+            <a:off x="2125127" y="3068960"/>
+            <a:ext cx="5040560" cy="1620180"/>
+          </a:xfrm>
+          <a:prstGeom prst="straightConnector1">
+            <a:avLst/>
+          </a:prstGeom>
+          <a:ln>
+            <a:solidFill>
+              <a:srgbClr val="002060"/>
+            </a:solidFill>
+            <a:tailEnd type="arrow"/>
+          </a:ln>
+        </p:spPr>
+        <p:style>
+          <a:lnRef idx="1">
+            <a:schemeClr val="accent1"/>
+          </a:lnRef>
+          <a:fillRef idx="0">
+            <a:schemeClr val="accent1"/>
+          </a:fillRef>
+          <a:effectRef idx="0">
+            <a:schemeClr val="accent1"/>
+          </a:effectRef>
+          <a:fontRef idx="minor">
+            <a:schemeClr val="tx1"/>
+          </a:fontRef>
+        </p:style>
+      </p:cxnSp>
+      <p:sp>
+        <p:nvSpPr>
+          <p:cNvPr id="19" name="TextBox 18"/>
+          <p:cNvSpPr txBox="1"/>
+          <p:nvPr/>
+        </p:nvSpPr>
+        <p:spPr>
+          <a:xfrm>
+            <a:off x="3978010" y="2956592"/>
+            <a:ext cx="1072730" cy="584775"/>
+          </a:xfrm>
+          <a:prstGeom prst="rect">
+            <a:avLst/>
+          </a:prstGeom>
+          <a:noFill/>
+        </p:spPr>
+        <p:txBody>
+          <a:bodyPr wrap="none" rtlCol="0">
+            <a:spAutoFit/>
+          </a:bodyPr>
+          <a:lstStyle/>
+          <a:p>
+            <a:r>
+              <a:rPr lang="en-US" sz="3200" b="1" smtClean="0">
+                <a:solidFill>
+                  <a:srgbClr val="FF0000"/>
+                </a:solidFill>
+              </a:rPr>
+              <a:t>Ask!</a:t>
+            </a:r>
+            <a:endParaRPr lang="en-US" sz="3200" b="1">
+              <a:solidFill>
+                <a:srgbClr val="FF0000"/>
+              </a:solidFill>
+            </a:endParaRPr>
+          </a:p>
+        </p:txBody>
+      </p:sp>
+      <p:cxnSp>
+        <p:nvCxnSpPr>
+          <p:cNvPr id="20" name="Straight Arrow Connector 19"/>
+          <p:cNvCxnSpPr>
+            <a:stCxn id="7" idx="3"/>
+          </p:cNvCxnSpPr>
+          <p:nvPr/>
+        </p:nvCxnSpPr>
+        <p:spPr>
+          <a:xfrm>
+            <a:off x="2123817" y="3645024"/>
+            <a:ext cx="5028016" cy="0"/>
+          </a:xfrm>
+          <a:prstGeom prst="straightConnector1">
+            <a:avLst/>
+          </a:prstGeom>
+          <a:ln>
+            <a:solidFill>
+              <a:srgbClr val="002060"/>
+            </a:solidFill>
+            <a:tailEnd type="arrow"/>
+          </a:ln>
+        </p:spPr>
+        <p:style>
+          <a:lnRef idx="1">
+            <a:schemeClr val="accent1"/>
+          </a:lnRef>
+          <a:fillRef idx="0">
+            <a:schemeClr val="accent1"/>
+          </a:fillRef>
+          <a:effectRef idx="0">
+            <a:schemeClr val="accent1"/>
+          </a:effectRef>
+          <a:fontRef idx="minor">
+            <a:schemeClr val="tx1"/>
+          </a:fontRef>
+        </p:style>
+      </p:cxnSp>
+      <p:cxnSp>
+        <p:nvCxnSpPr>
+          <p:cNvPr id="23" name="Straight Arrow Connector 22"/>
+          <p:cNvCxnSpPr>
+            <a:endCxn id="11" idx="1"/>
+          </p:cNvCxnSpPr>
+          <p:nvPr/>
+        </p:nvCxnSpPr>
+        <p:spPr>
+          <a:xfrm flipV="1">
+            <a:off x="2126437" y="2477941"/>
+            <a:ext cx="5040560" cy="2715255"/>
+          </a:xfrm>
+          <a:prstGeom prst="straightConnector1">
+            <a:avLst/>
+          </a:prstGeom>
+          <a:ln>
+            <a:solidFill>
+              <a:srgbClr val="002060"/>
+            </a:solidFill>
+            <a:tailEnd type="arrow"/>
+          </a:ln>
+        </p:spPr>
+        <p:style>
+          <a:lnRef idx="1">
+            <a:schemeClr val="accent1"/>
+          </a:lnRef>
+          <a:fillRef idx="0">
+            <a:schemeClr val="accent1"/>
+          </a:fillRef>
+          <a:effectRef idx="0">
+            <a:schemeClr val="accent1"/>
+          </a:effectRef>
+          <a:fontRef idx="minor">
+            <a:schemeClr val="tx1"/>
+          </a:fontRef>
+        </p:style>
+      </p:cxnSp>
+    </p:spTree>
+    <p:extLst>
+      <p:ext uri="{BB962C8B-B14F-4D97-AF65-F5344CB8AC3E}">
+        <p14:creationId xmlns:p14="http://schemas.microsoft.com/office/powerpoint/2010/main" val="1068766402"/>
+      </p:ext>
+    </p:extLst>
+  </p:cSld>
+  <p:clrMapOvr>
+    <a:masterClrMapping/>
+  </p:clrMapOvr>
+  <p:timing>
+    <p:tnLst>
+      <p:par>
+        <p:cTn id="1" dur="indefinite" restart="never" nodeType="tmRoot"/>
+      </p:par>
+    </p:tnLst>
+  </p:timing>
+</p:sld>
+</file>
+
+<file path=ppt/slides/slide4.xml><?xml version="1.0" encoding="utf-8"?>
+<p:sld xmlns:a="http://schemas.openxmlformats.org/drawingml/2006/main" xmlns:r="http://schemas.openxmlformats.org/officeDocument/2006/relationships" xmlns:p="http://schemas.openxmlformats.org/presentationml/2006/main">
+  <p:cSld>
+    <p:spTree>
+      <p:nvGrpSpPr>
+        <p:cNvPr id="1" name=""/>
+        <p:cNvGrpSpPr/>
+        <p:nvPr/>
+      </p:nvGrpSpPr>
+      <p:grpSpPr>
+        <a:xfrm>
+          <a:off x="0" y="0"/>
+          <a:ext cx="0" cy="0"/>
+          <a:chOff x="0" y="0"/>
+          <a:chExt cx="0" cy="0"/>
+        </a:xfrm>
+      </p:grpSpPr>
+      <p:sp>
+        <p:nvSpPr>
+          <p:cNvPr id="2" name="Title 1"/>
+          <p:cNvSpPr>
+            <a:spLocks noGrp="1"/>
+          </p:cNvSpPr>
+          <p:nvPr>
+            <p:ph type="title"/>
+          </p:nvPr>
+        </p:nvSpPr>
+        <p:spPr/>
+        <p:txBody>
+          <a:bodyPr/>
+          <a:lstStyle/>
+          <a:p>
+            <a:r>
+              <a:rPr lang="en-US" dirty="0" smtClean="0"/>
+              <a:t>Introduction</a:t>
+            </a:r>
+            <a:endParaRPr lang="vi-VN" dirty="0"/>
+          </a:p>
+        </p:txBody>
+      </p:sp>
+      <p:sp>
+        <p:nvSpPr>
+          <p:cNvPr id="4" name="Slide Number Placeholder 3"/>
+          <p:cNvSpPr>
+            <a:spLocks noGrp="1"/>
+          </p:cNvSpPr>
+          <p:nvPr>
+            <p:ph type="sldNum" sz="quarter" idx="11"/>
+          </p:nvPr>
+        </p:nvSpPr>
+        <p:spPr/>
+        <p:txBody>
+          <a:bodyPr/>
+          <a:lstStyle/>
+          <a:p>
+            <a:fld id="{AC358548-9BFF-2A41-B589-C75B6C647976}" type="slidenum">
+              <a:rPr lang="en-US" altLang="ja-JP" smtClean="0"/>
+              <a:pPr/>
+              <a:t>4</a:t>
+            </a:fld>
+            <a:endParaRPr lang="en-US"/>
+          </a:p>
+        </p:txBody>
+      </p:sp>
+      <p:sp>
+        <p:nvSpPr>
+          <p:cNvPr id="5" name="Rectangle 4"/>
+          <p:cNvSpPr/>
+          <p:nvPr/>
+        </p:nvSpPr>
+        <p:spPr>
+          <a:xfrm>
+            <a:off x="1333039" y="2297921"/>
+            <a:ext cx="792088" cy="360040"/>
+          </a:xfrm>
+          <a:prstGeom prst="rect">
+            <a:avLst/>
+          </a:prstGeom>
+        </p:spPr>
+        <p:style>
+          <a:lnRef idx="0">
+            <a:schemeClr val="accent1"/>
+          </a:lnRef>
+          <a:fillRef idx="3">
+            <a:schemeClr val="accent1"/>
+          </a:fillRef>
+          <a:effectRef idx="3">
+            <a:schemeClr val="accent1"/>
+          </a:effectRef>
+          <a:fontRef idx="minor">
+            <a:schemeClr val="lt1"/>
+          </a:fontRef>
+        </p:style>
+        <p:txBody>
+          <a:bodyPr rtlCol="0" anchor="ctr"/>
+          <a:lstStyle/>
+          <a:p>
+            <a:pPr algn="ctr"/>
+            <a:r>
+              <a:rPr lang="en-US" smtClean="0"/>
+              <a:t>User</a:t>
+            </a:r>
+            <a:endParaRPr lang="en-US"/>
+          </a:p>
+        </p:txBody>
+      </p:sp>
+      <p:sp>
+        <p:nvSpPr>
+          <p:cNvPr id="6" name="Rectangle 5"/>
+          <p:cNvSpPr/>
+          <p:nvPr/>
+        </p:nvSpPr>
+        <p:spPr>
+          <a:xfrm>
+            <a:off x="1331729" y="2888940"/>
+            <a:ext cx="792088" cy="360040"/>
+          </a:xfrm>
+          <a:prstGeom prst="rect">
+            <a:avLst/>
+          </a:prstGeom>
+        </p:spPr>
+        <p:style>
+          <a:lnRef idx="0">
+            <a:schemeClr val="accent1"/>
+          </a:lnRef>
+          <a:fillRef idx="3">
+            <a:schemeClr val="accent1"/>
+          </a:fillRef>
+          <a:effectRef idx="3">
+            <a:schemeClr val="accent1"/>
+          </a:effectRef>
+          <a:fontRef idx="minor">
+            <a:schemeClr val="lt1"/>
+          </a:fontRef>
+        </p:style>
+        <p:txBody>
+          <a:bodyPr rtlCol="0" anchor="ctr"/>
+          <a:lstStyle/>
+          <a:p>
+            <a:pPr algn="ctr"/>
+            <a:r>
+              <a:rPr lang="en-US" smtClean="0"/>
+              <a:t>User</a:t>
+            </a:r>
+            <a:endParaRPr lang="en-US"/>
+          </a:p>
+        </p:txBody>
+      </p:sp>
+      <p:sp>
+        <p:nvSpPr>
+          <p:cNvPr id="7" name="Rectangle 6"/>
+          <p:cNvSpPr/>
+          <p:nvPr/>
+        </p:nvSpPr>
+        <p:spPr>
+          <a:xfrm>
+            <a:off x="1331729" y="3465004"/>
+            <a:ext cx="792088" cy="360040"/>
+          </a:xfrm>
+          <a:prstGeom prst="rect">
+            <a:avLst/>
+          </a:prstGeom>
+        </p:spPr>
+        <p:style>
+          <a:lnRef idx="0">
+            <a:schemeClr val="accent1"/>
+          </a:lnRef>
+          <a:fillRef idx="3">
+            <a:schemeClr val="accent1"/>
+          </a:fillRef>
+          <a:effectRef idx="3">
+            <a:schemeClr val="accent1"/>
+          </a:effectRef>
+          <a:fontRef idx="minor">
+            <a:schemeClr val="lt1"/>
+          </a:fontRef>
+        </p:style>
+        <p:txBody>
+          <a:bodyPr rtlCol="0" anchor="ctr"/>
+          <a:lstStyle/>
+          <a:p>
+            <a:pPr algn="ctr"/>
+            <a:r>
+              <a:rPr lang="en-US" smtClean="0"/>
+              <a:t>User</a:t>
+            </a:r>
+            <a:endParaRPr lang="en-US"/>
+          </a:p>
+        </p:txBody>
+      </p:sp>
+      <p:sp>
+        <p:nvSpPr>
+          <p:cNvPr id="8" name="Rectangle 7"/>
+          <p:cNvSpPr/>
+          <p:nvPr/>
+        </p:nvSpPr>
+        <p:spPr>
+          <a:xfrm>
+            <a:off x="1333039" y="4003251"/>
+            <a:ext cx="792088" cy="360040"/>
+          </a:xfrm>
+          <a:prstGeom prst="rect">
+            <a:avLst/>
+          </a:prstGeom>
+        </p:spPr>
+        <p:style>
+          <a:lnRef idx="0">
+            <a:schemeClr val="accent1"/>
+          </a:lnRef>
+          <a:fillRef idx="3">
+            <a:schemeClr val="accent1"/>
+          </a:fillRef>
+          <a:effectRef idx="3">
+            <a:schemeClr val="accent1"/>
+          </a:effectRef>
+          <a:fontRef idx="minor">
+            <a:schemeClr val="lt1"/>
+          </a:fontRef>
+        </p:style>
+        <p:txBody>
+          <a:bodyPr rtlCol="0" anchor="ctr"/>
+          <a:lstStyle/>
+          <a:p>
+            <a:pPr algn="ctr"/>
+            <a:r>
+              <a:rPr lang="en-US" smtClean="0"/>
+              <a:t>User</a:t>
+            </a:r>
+            <a:endParaRPr lang="en-US"/>
+          </a:p>
+        </p:txBody>
+      </p:sp>
+      <p:sp>
+        <p:nvSpPr>
+          <p:cNvPr id="9" name="Rectangle 8"/>
+          <p:cNvSpPr/>
+          <p:nvPr/>
+        </p:nvSpPr>
+        <p:spPr>
+          <a:xfrm>
+            <a:off x="1331729" y="4509120"/>
+            <a:ext cx="792088" cy="360040"/>
+          </a:xfrm>
+          <a:prstGeom prst="rect">
+            <a:avLst/>
+          </a:prstGeom>
+        </p:spPr>
+        <p:style>
+          <a:lnRef idx="0">
+            <a:schemeClr val="accent1"/>
+          </a:lnRef>
+          <a:fillRef idx="3">
+            <a:schemeClr val="accent1"/>
+          </a:fillRef>
+          <a:effectRef idx="3">
+            <a:schemeClr val="accent1"/>
+          </a:effectRef>
+          <a:fontRef idx="minor">
+            <a:schemeClr val="lt1"/>
+          </a:fontRef>
+        </p:style>
+        <p:txBody>
+          <a:bodyPr rtlCol="0" anchor="ctr"/>
+          <a:lstStyle/>
+          <a:p>
+            <a:pPr algn="ctr"/>
+            <a:r>
+              <a:rPr lang="en-US" smtClean="0"/>
+              <a:t>User</a:t>
+            </a:r>
+            <a:endParaRPr lang="en-US"/>
+          </a:p>
+        </p:txBody>
+      </p:sp>
+      <p:sp>
+        <p:nvSpPr>
+          <p:cNvPr id="10" name="Rectangle 9"/>
+          <p:cNvSpPr/>
+          <p:nvPr/>
+        </p:nvSpPr>
+        <p:spPr>
+          <a:xfrm>
+            <a:off x="1317875" y="5013176"/>
+            <a:ext cx="792088" cy="360040"/>
+          </a:xfrm>
+          <a:prstGeom prst="rect">
+            <a:avLst/>
+          </a:prstGeom>
+        </p:spPr>
+        <p:style>
+          <a:lnRef idx="0">
+            <a:schemeClr val="accent1"/>
+          </a:lnRef>
+          <a:fillRef idx="3">
+            <a:schemeClr val="accent1"/>
+          </a:fillRef>
+          <a:effectRef idx="3">
+            <a:schemeClr val="accent1"/>
+          </a:effectRef>
+          <a:fontRef idx="minor">
+            <a:schemeClr val="lt1"/>
+          </a:fontRef>
+        </p:style>
+        <p:txBody>
+          <a:bodyPr rtlCol="0" anchor="ctr"/>
+          <a:lstStyle/>
+          <a:p>
+            <a:pPr algn="ctr"/>
+            <a:r>
+              <a:rPr lang="en-US" smtClean="0"/>
+              <a:t>User</a:t>
+            </a:r>
+            <a:endParaRPr lang="en-US"/>
+          </a:p>
+        </p:txBody>
+      </p:sp>
+      <p:sp>
+        <p:nvSpPr>
+          <p:cNvPr id="11" name="Rectangle 10"/>
+          <p:cNvSpPr/>
+          <p:nvPr/>
+        </p:nvSpPr>
+        <p:spPr>
+          <a:xfrm>
+            <a:off x="7166997" y="2297921"/>
+            <a:ext cx="792088" cy="360040"/>
+          </a:xfrm>
+          <a:prstGeom prst="rect">
+            <a:avLst/>
+          </a:prstGeom>
+        </p:spPr>
+        <p:style>
+          <a:lnRef idx="0">
+            <a:schemeClr val="accent1"/>
+          </a:lnRef>
+          <a:fillRef idx="3">
+            <a:schemeClr val="accent1"/>
+          </a:fillRef>
+          <a:effectRef idx="3">
+            <a:schemeClr val="accent1"/>
+          </a:effectRef>
+          <a:fontRef idx="minor">
+            <a:schemeClr val="lt1"/>
+          </a:fontRef>
+        </p:style>
+        <p:txBody>
+          <a:bodyPr rtlCol="0" anchor="ctr"/>
+          <a:lstStyle/>
+          <a:p>
+            <a:pPr algn="ctr"/>
+            <a:r>
+              <a:rPr lang="en-US" smtClean="0"/>
+              <a:t>User</a:t>
+            </a:r>
+            <a:endParaRPr lang="en-US"/>
+          </a:p>
+        </p:txBody>
+      </p:sp>
+      <p:sp>
+        <p:nvSpPr>
+          <p:cNvPr id="12" name="Rectangle 11"/>
+          <p:cNvSpPr/>
+          <p:nvPr/>
+        </p:nvSpPr>
+        <p:spPr>
+          <a:xfrm>
+            <a:off x="7165687" y="2888940"/>
+            <a:ext cx="792088" cy="360040"/>
+          </a:xfrm>
+          <a:prstGeom prst="rect">
+            <a:avLst/>
+          </a:prstGeom>
+        </p:spPr>
+        <p:style>
+          <a:lnRef idx="0">
+            <a:schemeClr val="accent1"/>
+          </a:lnRef>
+          <a:fillRef idx="3">
+            <a:schemeClr val="accent1"/>
+          </a:fillRef>
+          <a:effectRef idx="3">
+            <a:schemeClr val="accent1"/>
+          </a:effectRef>
+          <a:fontRef idx="minor">
+            <a:schemeClr val="lt1"/>
+          </a:fontRef>
+        </p:style>
+        <p:txBody>
+          <a:bodyPr rtlCol="0" anchor="ctr"/>
+          <a:lstStyle/>
+          <a:p>
+            <a:pPr algn="ctr"/>
+            <a:r>
+              <a:rPr lang="en-US" smtClean="0"/>
+              <a:t>User</a:t>
+            </a:r>
+            <a:endParaRPr lang="en-US"/>
+          </a:p>
+        </p:txBody>
+      </p:sp>
+      <p:sp>
+        <p:nvSpPr>
+          <p:cNvPr id="13" name="Rectangle 12"/>
+          <p:cNvSpPr/>
+          <p:nvPr/>
+        </p:nvSpPr>
+        <p:spPr>
+          <a:xfrm>
+            <a:off x="7165687" y="3465004"/>
+            <a:ext cx="792088" cy="360040"/>
+          </a:xfrm>
+          <a:prstGeom prst="rect">
+            <a:avLst/>
+          </a:prstGeom>
+        </p:spPr>
+        <p:style>
+          <a:lnRef idx="0">
+            <a:schemeClr val="accent1"/>
+          </a:lnRef>
+          <a:fillRef idx="3">
+            <a:schemeClr val="accent1"/>
+          </a:fillRef>
+          <a:effectRef idx="3">
+            <a:schemeClr val="accent1"/>
+          </a:effectRef>
+          <a:fontRef idx="minor">
+            <a:schemeClr val="lt1"/>
+          </a:fontRef>
+        </p:style>
+        <p:txBody>
+          <a:bodyPr rtlCol="0" anchor="ctr"/>
+          <a:lstStyle/>
+          <a:p>
+            <a:pPr algn="ctr"/>
+            <a:r>
+              <a:rPr lang="en-US" smtClean="0"/>
+              <a:t>User</a:t>
+            </a:r>
+            <a:endParaRPr lang="en-US"/>
+          </a:p>
+        </p:txBody>
+      </p:sp>
+      <p:sp>
+        <p:nvSpPr>
+          <p:cNvPr id="14" name="Rectangle 13"/>
+          <p:cNvSpPr/>
+          <p:nvPr/>
+        </p:nvSpPr>
+        <p:spPr>
+          <a:xfrm>
+            <a:off x="7166997" y="4003251"/>
+            <a:ext cx="792088" cy="360040"/>
+          </a:xfrm>
+          <a:prstGeom prst="rect">
+            <a:avLst/>
+          </a:prstGeom>
+        </p:spPr>
+        <p:style>
+          <a:lnRef idx="0">
+            <a:schemeClr val="accent1"/>
+          </a:lnRef>
+          <a:fillRef idx="3">
+            <a:schemeClr val="accent1"/>
+          </a:fillRef>
+          <a:effectRef idx="3">
+            <a:schemeClr val="accent1"/>
+          </a:effectRef>
+          <a:fontRef idx="minor">
+            <a:schemeClr val="lt1"/>
+          </a:fontRef>
+        </p:style>
+        <p:txBody>
+          <a:bodyPr rtlCol="0" anchor="ctr"/>
+          <a:lstStyle/>
+          <a:p>
+            <a:pPr algn="ctr"/>
+            <a:r>
+              <a:rPr lang="en-US" smtClean="0"/>
+              <a:t>User</a:t>
+            </a:r>
+            <a:endParaRPr lang="en-US"/>
+          </a:p>
+        </p:txBody>
+      </p:sp>
+      <p:sp>
+        <p:nvSpPr>
+          <p:cNvPr id="15" name="Rectangle 14"/>
+          <p:cNvSpPr/>
+          <p:nvPr/>
+        </p:nvSpPr>
+        <p:spPr>
+          <a:xfrm>
+            <a:off x="7165687" y="4509120"/>
+            <a:ext cx="792088" cy="360040"/>
+          </a:xfrm>
+          <a:prstGeom prst="rect">
+            <a:avLst/>
+          </a:prstGeom>
+        </p:spPr>
+        <p:style>
+          <a:lnRef idx="0">
+            <a:schemeClr val="accent1"/>
+          </a:lnRef>
+          <a:fillRef idx="3">
+            <a:schemeClr val="accent1"/>
+          </a:fillRef>
+          <a:effectRef idx="3">
+            <a:schemeClr val="accent1"/>
+          </a:effectRef>
+          <a:fontRef idx="minor">
+            <a:schemeClr val="lt1"/>
+          </a:fontRef>
+        </p:style>
+        <p:txBody>
+          <a:bodyPr rtlCol="0" anchor="ctr"/>
+          <a:lstStyle/>
+          <a:p>
+            <a:pPr algn="ctr"/>
+            <a:r>
+              <a:rPr lang="en-US" smtClean="0"/>
+              <a:t>User</a:t>
+            </a:r>
+            <a:endParaRPr lang="en-US"/>
+          </a:p>
+        </p:txBody>
+      </p:sp>
+      <p:sp>
+        <p:nvSpPr>
+          <p:cNvPr id="16" name="Rectangle 15"/>
+          <p:cNvSpPr/>
+          <p:nvPr/>
+        </p:nvSpPr>
+        <p:spPr>
+          <a:xfrm>
+            <a:off x="7151833" y="5013176"/>
+            <a:ext cx="792088" cy="360040"/>
+          </a:xfrm>
+          <a:prstGeom prst="rect">
+            <a:avLst/>
+          </a:prstGeom>
+        </p:spPr>
+        <p:style>
+          <a:lnRef idx="0">
+            <a:schemeClr val="accent1"/>
+          </a:lnRef>
+          <a:fillRef idx="3">
+            <a:schemeClr val="accent1"/>
+          </a:fillRef>
+          <a:effectRef idx="3">
+            <a:schemeClr val="accent1"/>
+          </a:effectRef>
+          <a:fontRef idx="minor">
+            <a:schemeClr val="lt1"/>
+          </a:fontRef>
+        </p:style>
+        <p:txBody>
+          <a:bodyPr rtlCol="0" anchor="ctr"/>
+          <a:lstStyle/>
+          <a:p>
+            <a:pPr algn="ctr"/>
+            <a:r>
+              <a:rPr lang="en-US" smtClean="0"/>
+              <a:t>User</a:t>
+            </a:r>
+            <a:endParaRPr lang="en-US"/>
+          </a:p>
+        </p:txBody>
+      </p:sp>
+      <p:cxnSp>
+        <p:nvCxnSpPr>
+          <p:cNvPr id="18" name="Straight Arrow Connector 17"/>
+          <p:cNvCxnSpPr/>
+          <p:nvPr/>
+        </p:nvCxnSpPr>
+        <p:spPr>
+          <a:xfrm flipH="1" flipV="1">
+            <a:off x="2125127" y="3068960"/>
+            <a:ext cx="5026707" cy="1620180"/>
+          </a:xfrm>
+          <a:prstGeom prst="straightConnector1">
+            <a:avLst/>
+          </a:prstGeom>
+          <a:ln>
+            <a:solidFill>
+              <a:srgbClr val="002060"/>
+            </a:solidFill>
+            <a:tailEnd type="arrow"/>
+          </a:ln>
+        </p:spPr>
+        <p:style>
+          <a:lnRef idx="1">
+            <a:schemeClr val="accent1"/>
+          </a:lnRef>
+          <a:fillRef idx="0">
+            <a:schemeClr val="accent1"/>
+          </a:fillRef>
+          <a:effectRef idx="0">
+            <a:schemeClr val="accent1"/>
+          </a:effectRef>
+          <a:fontRef idx="minor">
+            <a:schemeClr val="tx1"/>
+          </a:fontRef>
+        </p:style>
+      </p:cxnSp>
+      <p:sp>
+        <p:nvSpPr>
+          <p:cNvPr id="19" name="TextBox 18"/>
+          <p:cNvSpPr txBox="1"/>
+          <p:nvPr/>
+        </p:nvSpPr>
+        <p:spPr>
+          <a:xfrm>
+            <a:off x="3736777" y="2956592"/>
+            <a:ext cx="1802096" cy="584775"/>
+          </a:xfrm>
+          <a:prstGeom prst="rect">
+            <a:avLst/>
+          </a:prstGeom>
+          <a:noFill/>
+        </p:spPr>
+        <p:txBody>
+          <a:bodyPr wrap="none" rtlCol="0">
+            <a:spAutoFit/>
+          </a:bodyPr>
+          <a:lstStyle/>
+          <a:p>
+            <a:r>
+              <a:rPr lang="en-US" sz="3200" b="1" smtClean="0">
+                <a:solidFill>
+                  <a:srgbClr val="FF0000"/>
+                </a:solidFill>
+              </a:rPr>
+              <a:t>Answer!</a:t>
+            </a:r>
+            <a:endParaRPr lang="en-US" sz="3200" b="1">
+              <a:solidFill>
+                <a:srgbClr val="FF0000"/>
+              </a:solidFill>
+            </a:endParaRPr>
+          </a:p>
+        </p:txBody>
+      </p:sp>
+      <p:cxnSp>
+        <p:nvCxnSpPr>
+          <p:cNvPr id="20" name="Straight Arrow Connector 19"/>
+          <p:cNvCxnSpPr>
+            <a:stCxn id="13" idx="1"/>
+          </p:cNvCxnSpPr>
+          <p:nvPr/>
+        </p:nvCxnSpPr>
+        <p:spPr>
+          <a:xfrm flipH="1">
+            <a:off x="2123817" y="3645024"/>
+            <a:ext cx="5041870" cy="0"/>
+          </a:xfrm>
+          <a:prstGeom prst="straightConnector1">
+            <a:avLst/>
+          </a:prstGeom>
+          <a:ln>
+            <a:solidFill>
+              <a:srgbClr val="002060"/>
+            </a:solidFill>
+            <a:tailEnd type="arrow"/>
+          </a:ln>
+        </p:spPr>
+        <p:style>
+          <a:lnRef idx="1">
+            <a:schemeClr val="accent1"/>
+          </a:lnRef>
+          <a:fillRef idx="0">
+            <a:schemeClr val="accent1"/>
+          </a:fillRef>
+          <a:effectRef idx="0">
+            <a:schemeClr val="accent1"/>
+          </a:effectRef>
+          <a:fontRef idx="minor">
+            <a:schemeClr val="tx1"/>
+          </a:fontRef>
+        </p:style>
+      </p:cxnSp>
+      <p:cxnSp>
+        <p:nvCxnSpPr>
+          <p:cNvPr id="23" name="Straight Arrow Connector 22"/>
+          <p:cNvCxnSpPr>
+            <a:stCxn id="11" idx="1"/>
+          </p:cNvCxnSpPr>
+          <p:nvPr/>
+        </p:nvCxnSpPr>
+        <p:spPr>
+          <a:xfrm flipH="1">
+            <a:off x="2125127" y="2477941"/>
+            <a:ext cx="5041870" cy="2715255"/>
+          </a:xfrm>
+          <a:prstGeom prst="straightConnector1">
+            <a:avLst/>
+          </a:prstGeom>
+          <a:ln>
+            <a:solidFill>
+              <a:srgbClr val="002060"/>
+            </a:solidFill>
+            <a:tailEnd type="arrow"/>
+          </a:ln>
+        </p:spPr>
+        <p:style>
+          <a:lnRef idx="1">
+            <a:schemeClr val="accent1"/>
+          </a:lnRef>
+          <a:fillRef idx="0">
+            <a:schemeClr val="accent1"/>
+          </a:fillRef>
+          <a:effectRef idx="0">
+            <a:schemeClr val="accent1"/>
+          </a:effectRef>
+          <a:fontRef idx="minor">
+            <a:schemeClr val="tx1"/>
+          </a:fontRef>
+        </p:style>
+      </p:cxnSp>
+    </p:spTree>
+    <p:extLst>
+      <p:ext uri="{BB962C8B-B14F-4D97-AF65-F5344CB8AC3E}">
+        <p14:creationId xmlns:p14="http://schemas.microsoft.com/office/powerpoint/2010/main" val="638197096"/>
+      </p:ext>
+    </p:extLst>
+  </p:cSld>
+  <p:clrMapOvr>
+    <a:masterClrMapping/>
+  </p:clrMapOvr>
+  <p:timing>
+    <p:tnLst>
+      <p:par>
+        <p:cTn id="1" dur="indefinite" restart="never" nodeType="tmRoot"/>
+      </p:par>
+    </p:tnLst>
+  </p:timing>
+</p:sld>
+</file>
+
+<file path=ppt/slides/slide5.xml><?xml version="1.0" encoding="utf-8"?>
+<p:sld xmlns:a="http://schemas.openxmlformats.org/drawingml/2006/main" xmlns:r="http://schemas.openxmlformats.org/officeDocument/2006/relationships" xmlns:p="http://schemas.openxmlformats.org/presentationml/2006/main">
+  <p:cSld>
+    <p:spTree>
+      <p:nvGrpSpPr>
+        <p:cNvPr id="1" name=""/>
+        <p:cNvGrpSpPr/>
+        <p:nvPr/>
+      </p:nvGrpSpPr>
+      <p:grpSpPr>
+        <a:xfrm>
+          <a:off x="0" y="0"/>
+          <a:ext cx="0" cy="0"/>
+          <a:chOff x="0" y="0"/>
+          <a:chExt cx="0" cy="0"/>
+        </a:xfrm>
+      </p:grpSpPr>
+      <p:sp>
+        <p:nvSpPr>
+          <p:cNvPr id="2" name="Title 1"/>
+          <p:cNvSpPr>
+            <a:spLocks noGrp="1"/>
+          </p:cNvSpPr>
+          <p:nvPr>
+            <p:ph type="title"/>
+          </p:nvPr>
+        </p:nvSpPr>
+        <p:spPr/>
+        <p:txBody>
+          <a:bodyPr/>
+          <a:lstStyle/>
+          <a:p>
+            <a:r>
+              <a:rPr lang="en-US" dirty="0" smtClean="0"/>
+              <a:t>Introduction</a:t>
+            </a:r>
+            <a:endParaRPr lang="vi-VN" dirty="0"/>
+          </a:p>
+        </p:txBody>
+      </p:sp>
+      <p:sp>
+        <p:nvSpPr>
+          <p:cNvPr id="4" name="Slide Number Placeholder 3"/>
+          <p:cNvSpPr>
+            <a:spLocks noGrp="1"/>
+          </p:cNvSpPr>
+          <p:nvPr>
+            <p:ph type="sldNum" sz="quarter" idx="11"/>
+          </p:nvPr>
+        </p:nvSpPr>
+        <p:spPr/>
+        <p:txBody>
+          <a:bodyPr/>
+          <a:lstStyle/>
+          <a:p>
+            <a:fld id="{AC358548-9BFF-2A41-B589-C75B6C647976}" type="slidenum">
+              <a:rPr lang="en-US" altLang="ja-JP" smtClean="0"/>
+              <a:pPr/>
+              <a:t>5</a:t>
+            </a:fld>
+            <a:endParaRPr lang="en-US"/>
+          </a:p>
+        </p:txBody>
+      </p:sp>
+      <p:sp>
+        <p:nvSpPr>
+          <p:cNvPr id="5" name="Rectangle 4"/>
+          <p:cNvSpPr/>
+          <p:nvPr/>
+        </p:nvSpPr>
+        <p:spPr>
+          <a:xfrm>
+            <a:off x="1333039" y="2297921"/>
+            <a:ext cx="792088" cy="360040"/>
+          </a:xfrm>
+          <a:prstGeom prst="rect">
+            <a:avLst/>
+          </a:prstGeom>
+        </p:spPr>
+        <p:style>
+          <a:lnRef idx="0">
+            <a:schemeClr val="accent1"/>
+          </a:lnRef>
+          <a:fillRef idx="3">
+            <a:schemeClr val="accent1"/>
+          </a:fillRef>
+          <a:effectRef idx="3">
+            <a:schemeClr val="accent1"/>
+          </a:effectRef>
+          <a:fontRef idx="minor">
+            <a:schemeClr val="lt1"/>
+          </a:fontRef>
+        </p:style>
+        <p:txBody>
+          <a:bodyPr rtlCol="0" anchor="ctr"/>
+          <a:lstStyle/>
+          <a:p>
+            <a:pPr algn="ctr"/>
+            <a:r>
+              <a:rPr lang="en-US" smtClean="0"/>
+              <a:t>User</a:t>
+            </a:r>
+            <a:endParaRPr lang="en-US"/>
+          </a:p>
+        </p:txBody>
+      </p:sp>
+      <p:sp>
+        <p:nvSpPr>
+          <p:cNvPr id="6" name="Rectangle 5"/>
+          <p:cNvSpPr/>
+          <p:nvPr/>
+        </p:nvSpPr>
+        <p:spPr>
+          <a:xfrm>
+            <a:off x="1331729" y="2888940"/>
+            <a:ext cx="792088" cy="360040"/>
+          </a:xfrm>
+          <a:prstGeom prst="rect">
+            <a:avLst/>
+          </a:prstGeom>
+        </p:spPr>
+        <p:style>
+          <a:lnRef idx="0">
+            <a:schemeClr val="accent1"/>
+          </a:lnRef>
+          <a:fillRef idx="3">
+            <a:schemeClr val="accent1"/>
+          </a:fillRef>
+          <a:effectRef idx="3">
+            <a:schemeClr val="accent1"/>
+          </a:effectRef>
+          <a:fontRef idx="minor">
+            <a:schemeClr val="lt1"/>
+          </a:fontRef>
+        </p:style>
+        <p:txBody>
+          <a:bodyPr rtlCol="0" anchor="ctr"/>
+          <a:lstStyle/>
+          <a:p>
+            <a:pPr algn="ctr"/>
+            <a:r>
+              <a:rPr lang="en-US" smtClean="0"/>
+              <a:t>User</a:t>
+            </a:r>
+            <a:endParaRPr lang="en-US"/>
+          </a:p>
+        </p:txBody>
+      </p:sp>
+      <p:sp>
+        <p:nvSpPr>
+          <p:cNvPr id="7" name="Rectangle 6"/>
+          <p:cNvSpPr/>
+          <p:nvPr/>
+        </p:nvSpPr>
+        <p:spPr>
+          <a:xfrm>
+            <a:off x="1331729" y="3465004"/>
+            <a:ext cx="792088" cy="360040"/>
+          </a:xfrm>
+          <a:prstGeom prst="rect">
+            <a:avLst/>
+          </a:prstGeom>
+        </p:spPr>
+        <p:style>
+          <a:lnRef idx="0">
+            <a:schemeClr val="accent1"/>
+          </a:lnRef>
+          <a:fillRef idx="3">
+            <a:schemeClr val="accent1"/>
+          </a:fillRef>
+          <a:effectRef idx="3">
+            <a:schemeClr val="accent1"/>
+          </a:effectRef>
+          <a:fontRef idx="minor">
+            <a:schemeClr val="lt1"/>
+          </a:fontRef>
+        </p:style>
+        <p:txBody>
+          <a:bodyPr rtlCol="0" anchor="ctr"/>
+          <a:lstStyle/>
+          <a:p>
+            <a:pPr algn="ctr"/>
+            <a:r>
+              <a:rPr lang="en-US" smtClean="0"/>
+              <a:t>User</a:t>
+            </a:r>
+            <a:endParaRPr lang="en-US"/>
+          </a:p>
+        </p:txBody>
+      </p:sp>
+      <p:sp>
+        <p:nvSpPr>
+          <p:cNvPr id="8" name="Rectangle 7"/>
+          <p:cNvSpPr/>
+          <p:nvPr/>
+        </p:nvSpPr>
+        <p:spPr>
+          <a:xfrm>
+            <a:off x="1333039" y="4003251"/>
+            <a:ext cx="792088" cy="360040"/>
+          </a:xfrm>
+          <a:prstGeom prst="rect">
+            <a:avLst/>
+          </a:prstGeom>
+        </p:spPr>
+        <p:style>
+          <a:lnRef idx="0">
+            <a:schemeClr val="accent1"/>
+          </a:lnRef>
+          <a:fillRef idx="3">
+            <a:schemeClr val="accent1"/>
+          </a:fillRef>
+          <a:effectRef idx="3">
+            <a:schemeClr val="accent1"/>
+          </a:effectRef>
+          <a:fontRef idx="minor">
+            <a:schemeClr val="lt1"/>
+          </a:fontRef>
+        </p:style>
+        <p:txBody>
+          <a:bodyPr rtlCol="0" anchor="ctr"/>
+          <a:lstStyle/>
+          <a:p>
+            <a:pPr algn="ctr"/>
+            <a:r>
+              <a:rPr lang="en-US" smtClean="0"/>
+              <a:t>User</a:t>
+            </a:r>
+            <a:endParaRPr lang="en-US"/>
+          </a:p>
+        </p:txBody>
+      </p:sp>
+      <p:sp>
+        <p:nvSpPr>
+          <p:cNvPr id="9" name="Rectangle 8"/>
+          <p:cNvSpPr/>
+          <p:nvPr/>
+        </p:nvSpPr>
+        <p:spPr>
+          <a:xfrm>
+            <a:off x="1331729" y="4509120"/>
+            <a:ext cx="792088" cy="360040"/>
+          </a:xfrm>
+          <a:prstGeom prst="rect">
+            <a:avLst/>
+          </a:prstGeom>
+        </p:spPr>
+        <p:style>
+          <a:lnRef idx="0">
+            <a:schemeClr val="accent1"/>
+          </a:lnRef>
+          <a:fillRef idx="3">
+            <a:schemeClr val="accent1"/>
+          </a:fillRef>
+          <a:effectRef idx="3">
+            <a:schemeClr val="accent1"/>
+          </a:effectRef>
+          <a:fontRef idx="minor">
+            <a:schemeClr val="lt1"/>
+          </a:fontRef>
+        </p:style>
+        <p:txBody>
+          <a:bodyPr rtlCol="0" anchor="ctr"/>
+          <a:lstStyle/>
+          <a:p>
+            <a:pPr algn="ctr"/>
+            <a:r>
+              <a:rPr lang="en-US" smtClean="0"/>
+              <a:t>User</a:t>
+            </a:r>
+            <a:endParaRPr lang="en-US"/>
+          </a:p>
+        </p:txBody>
+      </p:sp>
+      <p:sp>
+        <p:nvSpPr>
+          <p:cNvPr id="10" name="Rectangle 9"/>
+          <p:cNvSpPr/>
+          <p:nvPr/>
+        </p:nvSpPr>
+        <p:spPr>
+          <a:xfrm>
+            <a:off x="1317875" y="5013176"/>
+            <a:ext cx="792088" cy="360040"/>
+          </a:xfrm>
+          <a:prstGeom prst="rect">
+            <a:avLst/>
+          </a:prstGeom>
+        </p:spPr>
+        <p:style>
+          <a:lnRef idx="0">
+            <a:schemeClr val="accent1"/>
+          </a:lnRef>
+          <a:fillRef idx="3">
+            <a:schemeClr val="accent1"/>
+          </a:fillRef>
+          <a:effectRef idx="3">
+            <a:schemeClr val="accent1"/>
+          </a:effectRef>
+          <a:fontRef idx="minor">
+            <a:schemeClr val="lt1"/>
+          </a:fontRef>
+        </p:style>
+        <p:txBody>
+          <a:bodyPr rtlCol="0" anchor="ctr"/>
+          <a:lstStyle/>
+          <a:p>
+            <a:pPr algn="ctr"/>
+            <a:r>
+              <a:rPr lang="en-US" smtClean="0"/>
+              <a:t>User</a:t>
+            </a:r>
+            <a:endParaRPr lang="en-US"/>
+          </a:p>
+        </p:txBody>
+      </p:sp>
+      <p:sp>
+        <p:nvSpPr>
+          <p:cNvPr id="11" name="Rectangle 10"/>
+          <p:cNvSpPr/>
+          <p:nvPr/>
+        </p:nvSpPr>
+        <p:spPr>
+          <a:xfrm>
+            <a:off x="7166997" y="2297921"/>
+            <a:ext cx="792088" cy="360040"/>
+          </a:xfrm>
+          <a:prstGeom prst="rect">
+            <a:avLst/>
+          </a:prstGeom>
+        </p:spPr>
+        <p:style>
+          <a:lnRef idx="0">
+            <a:schemeClr val="accent1"/>
+          </a:lnRef>
+          <a:fillRef idx="3">
+            <a:schemeClr val="accent1"/>
+          </a:fillRef>
+          <a:effectRef idx="3">
+            <a:schemeClr val="accent1"/>
+          </a:effectRef>
+          <a:fontRef idx="minor">
+            <a:schemeClr val="lt1"/>
+          </a:fontRef>
+        </p:style>
+        <p:txBody>
+          <a:bodyPr rtlCol="0" anchor="ctr"/>
+          <a:lstStyle/>
+          <a:p>
+            <a:pPr algn="ctr"/>
+            <a:r>
+              <a:rPr lang="en-US" smtClean="0"/>
+              <a:t>User</a:t>
+            </a:r>
+            <a:endParaRPr lang="en-US"/>
+          </a:p>
+        </p:txBody>
+      </p:sp>
+      <p:sp>
+        <p:nvSpPr>
+          <p:cNvPr id="12" name="Rectangle 11"/>
+          <p:cNvSpPr/>
+          <p:nvPr/>
+        </p:nvSpPr>
+        <p:spPr>
+          <a:xfrm>
+            <a:off x="7165687" y="2888940"/>
+            <a:ext cx="792088" cy="360040"/>
+          </a:xfrm>
+          <a:prstGeom prst="rect">
+            <a:avLst/>
+          </a:prstGeom>
+        </p:spPr>
+        <p:style>
+          <a:lnRef idx="0">
+            <a:schemeClr val="accent1"/>
+          </a:lnRef>
+          <a:fillRef idx="3">
+            <a:schemeClr val="accent1"/>
+          </a:fillRef>
+          <a:effectRef idx="3">
+            <a:schemeClr val="accent1"/>
+          </a:effectRef>
+          <a:fontRef idx="minor">
+            <a:schemeClr val="lt1"/>
+          </a:fontRef>
+        </p:style>
+        <p:txBody>
+          <a:bodyPr rtlCol="0" anchor="ctr"/>
+          <a:lstStyle/>
+          <a:p>
+            <a:pPr algn="ctr"/>
+            <a:r>
+              <a:rPr lang="en-US" smtClean="0"/>
+              <a:t>User</a:t>
+            </a:r>
+            <a:endParaRPr lang="en-US"/>
+          </a:p>
+        </p:txBody>
+      </p:sp>
+      <p:sp>
+        <p:nvSpPr>
+          <p:cNvPr id="13" name="Rectangle 12"/>
+          <p:cNvSpPr/>
+          <p:nvPr/>
+        </p:nvSpPr>
+        <p:spPr>
+          <a:xfrm>
+            <a:off x="7165687" y="3465004"/>
+            <a:ext cx="792088" cy="360040"/>
+          </a:xfrm>
+          <a:prstGeom prst="rect">
+            <a:avLst/>
+          </a:prstGeom>
+        </p:spPr>
+        <p:style>
+          <a:lnRef idx="0">
+            <a:schemeClr val="accent1"/>
+          </a:lnRef>
+          <a:fillRef idx="3">
+            <a:schemeClr val="accent1"/>
+          </a:fillRef>
+          <a:effectRef idx="3">
+            <a:schemeClr val="accent1"/>
+          </a:effectRef>
+          <a:fontRef idx="minor">
+            <a:schemeClr val="lt1"/>
+          </a:fontRef>
+        </p:style>
+        <p:txBody>
+          <a:bodyPr rtlCol="0" anchor="ctr"/>
+          <a:lstStyle/>
+          <a:p>
+            <a:pPr algn="ctr"/>
+            <a:r>
+              <a:rPr lang="en-US" smtClean="0"/>
+              <a:t>User</a:t>
+            </a:r>
+            <a:endParaRPr lang="en-US"/>
+          </a:p>
+        </p:txBody>
+      </p:sp>
+      <p:sp>
+        <p:nvSpPr>
+          <p:cNvPr id="14" name="Rectangle 13"/>
+          <p:cNvSpPr/>
+          <p:nvPr/>
+        </p:nvSpPr>
+        <p:spPr>
+          <a:xfrm>
+            <a:off x="7166997" y="4003251"/>
+            <a:ext cx="792088" cy="360040"/>
+          </a:xfrm>
+          <a:prstGeom prst="rect">
+            <a:avLst/>
+          </a:prstGeom>
+        </p:spPr>
+        <p:style>
+          <a:lnRef idx="0">
+            <a:schemeClr val="accent1"/>
+          </a:lnRef>
+          <a:fillRef idx="3">
+            <a:schemeClr val="accent1"/>
+          </a:fillRef>
+          <a:effectRef idx="3">
+            <a:schemeClr val="accent1"/>
+          </a:effectRef>
+          <a:fontRef idx="minor">
+            <a:schemeClr val="lt1"/>
+          </a:fontRef>
+        </p:style>
+        <p:txBody>
+          <a:bodyPr rtlCol="0" anchor="ctr"/>
+          <a:lstStyle/>
+          <a:p>
+            <a:pPr algn="ctr"/>
+            <a:r>
+              <a:rPr lang="en-US" smtClean="0"/>
+              <a:t>User</a:t>
+            </a:r>
+            <a:endParaRPr lang="en-US"/>
+          </a:p>
+        </p:txBody>
+      </p:sp>
+      <p:sp>
+        <p:nvSpPr>
+          <p:cNvPr id="15" name="Rectangle 14"/>
+          <p:cNvSpPr/>
+          <p:nvPr/>
+        </p:nvSpPr>
+        <p:spPr>
+          <a:xfrm>
+            <a:off x="7165687" y="4509120"/>
+            <a:ext cx="792088" cy="360040"/>
+          </a:xfrm>
+          <a:prstGeom prst="rect">
+            <a:avLst/>
+          </a:prstGeom>
+        </p:spPr>
+        <p:style>
+          <a:lnRef idx="0">
+            <a:schemeClr val="accent1"/>
+          </a:lnRef>
+          <a:fillRef idx="3">
+            <a:schemeClr val="accent1"/>
+          </a:fillRef>
+          <a:effectRef idx="3">
+            <a:schemeClr val="accent1"/>
+          </a:effectRef>
+          <a:fontRef idx="minor">
+            <a:schemeClr val="lt1"/>
+          </a:fontRef>
+        </p:style>
+        <p:txBody>
+          <a:bodyPr rtlCol="0" anchor="ctr"/>
+          <a:lstStyle/>
+          <a:p>
+            <a:pPr algn="ctr"/>
+            <a:r>
+              <a:rPr lang="en-US" smtClean="0"/>
+              <a:t>User</a:t>
+            </a:r>
+            <a:endParaRPr lang="en-US"/>
+          </a:p>
+        </p:txBody>
+      </p:sp>
+      <p:sp>
+        <p:nvSpPr>
+          <p:cNvPr id="16" name="Rectangle 15"/>
+          <p:cNvSpPr/>
+          <p:nvPr/>
+        </p:nvSpPr>
+        <p:spPr>
+          <a:xfrm>
+            <a:off x="7151833" y="5013176"/>
+            <a:ext cx="792088" cy="360040"/>
+          </a:xfrm>
+          <a:prstGeom prst="rect">
+            <a:avLst/>
+          </a:prstGeom>
+        </p:spPr>
+        <p:style>
+          <a:lnRef idx="0">
+            <a:schemeClr val="accent1"/>
+          </a:lnRef>
+          <a:fillRef idx="3">
+            <a:schemeClr val="accent1"/>
+          </a:fillRef>
+          <a:effectRef idx="3">
+            <a:schemeClr val="accent1"/>
+          </a:effectRef>
+          <a:fontRef idx="minor">
+            <a:schemeClr val="lt1"/>
+          </a:fontRef>
+        </p:style>
+        <p:txBody>
+          <a:bodyPr rtlCol="0" anchor="ctr"/>
+          <a:lstStyle/>
+          <a:p>
+            <a:pPr algn="ctr"/>
+            <a:r>
+              <a:rPr lang="en-US" smtClean="0"/>
+              <a:t>User</a:t>
+            </a:r>
+            <a:endParaRPr lang="en-US"/>
+          </a:p>
+        </p:txBody>
+      </p:sp>
+      <p:cxnSp>
+        <p:nvCxnSpPr>
+          <p:cNvPr id="18" name="Straight Arrow Connector 17"/>
+          <p:cNvCxnSpPr/>
+          <p:nvPr/>
+        </p:nvCxnSpPr>
+        <p:spPr>
+          <a:xfrm flipH="1" flipV="1">
+            <a:off x="2125127" y="3068960"/>
+            <a:ext cx="5026707" cy="1620180"/>
+          </a:xfrm>
+          <a:prstGeom prst="straightConnector1">
+            <a:avLst/>
+          </a:prstGeom>
+          <a:ln>
+            <a:solidFill>
+              <a:srgbClr val="002060"/>
+            </a:solidFill>
+            <a:tailEnd type="arrow"/>
+          </a:ln>
+        </p:spPr>
+        <p:style>
+          <a:lnRef idx="1">
+            <a:schemeClr val="accent1"/>
+          </a:lnRef>
+          <a:fillRef idx="0">
+            <a:schemeClr val="accent1"/>
+          </a:fillRef>
+          <a:effectRef idx="0">
+            <a:schemeClr val="accent1"/>
+          </a:effectRef>
+          <a:fontRef idx="minor">
+            <a:schemeClr val="tx1"/>
+          </a:fontRef>
+        </p:style>
+      </p:cxnSp>
+      <p:sp>
+        <p:nvSpPr>
+          <p:cNvPr id="19" name="TextBox 18"/>
+          <p:cNvSpPr txBox="1"/>
+          <p:nvPr/>
+        </p:nvSpPr>
+        <p:spPr>
+          <a:xfrm>
+            <a:off x="3736777" y="2956592"/>
+            <a:ext cx="1802096" cy="584775"/>
+          </a:xfrm>
+          <a:prstGeom prst="rect">
+            <a:avLst/>
+          </a:prstGeom>
+          <a:noFill/>
+        </p:spPr>
+        <p:txBody>
+          <a:bodyPr wrap="none" rtlCol="0">
+            <a:spAutoFit/>
+          </a:bodyPr>
+          <a:lstStyle/>
+          <a:p>
+            <a:r>
+              <a:rPr lang="en-US" sz="3200" b="1" smtClean="0">
+                <a:solidFill>
+                  <a:srgbClr val="FF0000"/>
+                </a:solidFill>
+              </a:rPr>
+              <a:t>Answer!</a:t>
+            </a:r>
+            <a:endParaRPr lang="en-US" sz="3200" b="1">
+              <a:solidFill>
+                <a:srgbClr val="FF0000"/>
+              </a:solidFill>
+            </a:endParaRPr>
+          </a:p>
+        </p:txBody>
+      </p:sp>
+      <p:cxnSp>
+        <p:nvCxnSpPr>
+          <p:cNvPr id="20" name="Straight Arrow Connector 19"/>
+          <p:cNvCxnSpPr>
+            <a:stCxn id="13" idx="1"/>
+          </p:cNvCxnSpPr>
+          <p:nvPr/>
+        </p:nvCxnSpPr>
+        <p:spPr>
+          <a:xfrm flipH="1">
+            <a:off x="2123817" y="3645024"/>
+            <a:ext cx="5041870" cy="0"/>
+          </a:xfrm>
+          <a:prstGeom prst="straightConnector1">
+            <a:avLst/>
+          </a:prstGeom>
+          <a:ln>
+            <a:solidFill>
+              <a:srgbClr val="002060"/>
+            </a:solidFill>
+            <a:tailEnd type="arrow"/>
+          </a:ln>
+        </p:spPr>
+        <p:style>
+          <a:lnRef idx="1">
+            <a:schemeClr val="accent1"/>
+          </a:lnRef>
+          <a:fillRef idx="0">
+            <a:schemeClr val="accent1"/>
+          </a:fillRef>
+          <a:effectRef idx="0">
+            <a:schemeClr val="accent1"/>
+          </a:effectRef>
+          <a:fontRef idx="minor">
+            <a:schemeClr val="tx1"/>
+          </a:fontRef>
+        </p:style>
+      </p:cxnSp>
+      <p:cxnSp>
+        <p:nvCxnSpPr>
+          <p:cNvPr id="23" name="Straight Arrow Connector 22"/>
+          <p:cNvCxnSpPr>
+            <a:stCxn id="11" idx="1"/>
+          </p:cNvCxnSpPr>
+          <p:nvPr/>
+        </p:nvCxnSpPr>
+        <p:spPr>
+          <a:xfrm flipH="1">
+            <a:off x="2125127" y="2477941"/>
+            <a:ext cx="5041870" cy="2715255"/>
+          </a:xfrm>
+          <a:prstGeom prst="straightConnector1">
+            <a:avLst/>
+          </a:prstGeom>
+          <a:ln>
+            <a:solidFill>
+              <a:srgbClr val="002060"/>
+            </a:solidFill>
+            <a:tailEnd type="arrow"/>
+          </a:ln>
+        </p:spPr>
+        <p:style>
+          <a:lnRef idx="1">
+            <a:schemeClr val="accent1"/>
+          </a:lnRef>
+          <a:fillRef idx="0">
+            <a:schemeClr val="accent1"/>
+          </a:fillRef>
+          <a:effectRef idx="0">
+            <a:schemeClr val="accent1"/>
+          </a:effectRef>
+          <a:fontRef idx="minor">
+            <a:schemeClr val="tx1"/>
+          </a:fontRef>
+        </p:style>
+      </p:cxnSp>
+    </p:spTree>
+    <p:extLst>
+      <p:ext uri="{BB962C8B-B14F-4D97-AF65-F5344CB8AC3E}">
+        <p14:creationId xmlns:p14="http://schemas.microsoft.com/office/powerpoint/2010/main" val="3391558974"/>
+      </p:ext>
+    </p:extLst>
+  </p:cSld>
+  <p:clrMapOvr>
+    <a:masterClrMapping/>
+  </p:clrMapOvr>
+  <p:timing>
+    <p:tnLst>
+      <p:par>
+        <p:cTn id="1" dur="indefinite" restart="never" nodeType="tmRoot"/>
+      </p:par>
+    </p:tnLst>
+  </p:timing>
+</p:sld>
+</file>
+
+<file path=ppt/slides/slide6.xml><?xml version="1.0" encoding="utf-8"?>
+<p:sld xmlns:a="http://schemas.openxmlformats.org/drawingml/2006/main" xmlns:r="http://schemas.openxmlformats.org/officeDocument/2006/relationships" xmlns:p="http://schemas.openxmlformats.org/presentationml/2006/main">
+  <p:cSld>
+    <p:spTree>
+      <p:nvGrpSpPr>
+        <p:cNvPr id="1" name=""/>
+        <p:cNvGrpSpPr/>
+        <p:nvPr/>
+      </p:nvGrpSpPr>
+      <p:grpSpPr>
+        <a:xfrm>
+          <a:off x="0" y="0"/>
+          <a:ext cx="0" cy="0"/>
+          <a:chOff x="0" y="0"/>
+          <a:chExt cx="0" cy="0"/>
+        </a:xfrm>
+      </p:grpSpPr>
+      <p:sp>
+        <p:nvSpPr>
+          <p:cNvPr id="4" name="Slide Number Placeholder 3"/>
+          <p:cNvSpPr>
+            <a:spLocks noGrp="1"/>
+          </p:cNvSpPr>
+          <p:nvPr>
+            <p:ph type="sldNum" sz="quarter" idx="11"/>
+          </p:nvPr>
+        </p:nvSpPr>
+        <p:spPr/>
+        <p:txBody>
+          <a:bodyPr/>
+          <a:lstStyle/>
+          <a:p>
+            <a:fld id="{AC358548-9BFF-2A41-B589-C75B6C647976}" type="slidenum">
+              <a:rPr lang="en-US" altLang="ja-JP" smtClean="0"/>
+              <a:pPr/>
+              <a:t>6</a:t>
+            </a:fld>
+            <a:endParaRPr lang="en-US"/>
+          </a:p>
+        </p:txBody>
+      </p:sp>
+      <p:sp>
+        <p:nvSpPr>
+          <p:cNvPr id="5" name="AutoShape 2" descr="http://images.clipartpanda.com/unhappy-family-clipart-sad-smiley.svg"/>
+          <p:cNvSpPr>
+            <a:spLocks noChangeAspect="1" noChangeArrowheads="1"/>
+          </p:cNvSpPr>
+          <p:nvPr/>
+        </p:nvSpPr>
+        <p:spPr bwMode="auto">
+          <a:xfrm>
+            <a:off x="155575" y="-144463"/>
+            <a:ext cx="304800" cy="304801"/>
+          </a:xfrm>
+          <a:prstGeom prst="rect">
+            <a:avLst/>
+          </a:prstGeom>
+          <a:noFill/>
+          <a:extLst>
+            <a:ext uri="{909E8E84-426E-40DD-AFC4-6F175D3DCCD1}">
+              <a14:hiddenFill xmlns:a14="http://schemas.microsoft.com/office/drawing/2010/main">
+                <a:solidFill>
+                  <a:srgbClr val="FFFFFF"/>
+                </a:solidFill>
+              </a14:hiddenFill>
+            </a:ext>
+          </a:extLst>
+        </p:spPr>
+        <p:txBody>
+          <a:bodyPr vert="horz" wrap="square" lIns="91440" tIns="45720" rIns="91440" bIns="45720" numCol="1" anchor="t" anchorCtr="0" compatLnSpc="1">
+            <a:prstTxWarp prst="textNoShape">
+              <a:avLst/>
+            </a:prstTxWarp>
+          </a:bodyPr>
+          <a:lstStyle/>
+          <a:p>
+            <a:endParaRPr lang="en-US"/>
+          </a:p>
+        </p:txBody>
+      </p:sp>
+      <p:pic>
+        <p:nvPicPr>
+          <p:cNvPr id="1028" name="Picture 4"/>
+          <p:cNvPicPr>
+            <a:picLocks noChangeAspect="1" noChangeArrowheads="1"/>
+          </p:cNvPicPr>
+          <p:nvPr/>
+        </p:nvPicPr>
+        <p:blipFill>
+          <a:blip r:embed="rId2">
+            <a:extLst>
+              <a:ext uri="{28A0092B-C50C-407E-A947-70E740481C1C}">
+                <a14:useLocalDpi xmlns:a14="http://schemas.microsoft.com/office/drawing/2010/main" val="0"/>
+              </a:ext>
+            </a:extLst>
+          </a:blip>
+          <a:srcRect/>
+          <a:stretch>
+            <a:fillRect/>
+          </a:stretch>
+        </p:blipFill>
+        <p:spPr bwMode="auto">
+          <a:xfrm>
+            <a:off x="971600" y="2108444"/>
+            <a:ext cx="2019300" cy="1892300"/>
+          </a:xfrm>
+          <a:prstGeom prst="rect">
+            <a:avLst/>
+          </a:prstGeom>
+          <a:noFill/>
+          <a:ln>
+            <a:noFill/>
+          </a:ln>
+          <a:effectLst/>
+          <a:extLst>
+            <a:ext uri="{909E8E84-426E-40DD-AFC4-6F175D3DCCD1}">
+              <a14:hiddenFill xmlns:a14="http://schemas.microsoft.com/office/drawing/2010/main">
+                <a:solidFill>
+                  <a:schemeClr val="accent1"/>
+                </a:solidFill>
+              </a14:hiddenFill>
+            </a:ext>
+            <a:ext uri="{91240B29-F687-4F45-9708-019B960494DF}">
+              <a14:hiddenLine xmlns:a14="http://schemas.microsoft.com/office/drawing/2010/main" w="9525">
+                <a:solidFill>
+                  <a:schemeClr val="tx1"/>
+                </a:solidFill>
+                <a:miter lim="800000"/>
+                <a:headEnd/>
+                <a:tailEnd/>
+              </a14:hiddenLine>
+            </a:ext>
+            <a:ext uri="{AF507438-7753-43E0-B8FC-AC1667EBCBE1}">
+              <a14:hiddenEffects xmlns:a14="http://schemas.microsoft.com/office/drawing/2010/main">
+                <a:effectLst>
+                  <a:outerShdw dist="35921" dir="2700000" algn="ctr" rotWithShape="0">
+                    <a:schemeClr val="bg2"/>
+                  </a:outerShdw>
+                </a:effectLst>
+              </a14:hiddenEffects>
+            </a:ext>
+          </a:extLst>
+        </p:spPr>
+      </p:pic>
+      <p:sp>
+        <p:nvSpPr>
+          <p:cNvPr id="8" name="Rectangle 7"/>
+          <p:cNvSpPr/>
+          <p:nvPr/>
+        </p:nvSpPr>
+        <p:spPr>
+          <a:xfrm>
+            <a:off x="7020272" y="2720670"/>
+            <a:ext cx="1584175" cy="770450"/>
+          </a:xfrm>
+          <a:prstGeom prst="rect">
+            <a:avLst/>
+          </a:prstGeom>
+        </p:spPr>
+        <p:style>
+          <a:lnRef idx="0">
+            <a:schemeClr val="accent1"/>
+          </a:lnRef>
+          <a:fillRef idx="3">
+            <a:schemeClr val="accent1"/>
+          </a:fillRef>
+          <a:effectRef idx="3">
+            <a:schemeClr val="accent1"/>
+          </a:effectRef>
+          <a:fontRef idx="minor">
+            <a:schemeClr val="lt1"/>
+          </a:fontRef>
+        </p:style>
+        <p:txBody>
+          <a:bodyPr rtlCol="0" anchor="ctr"/>
+          <a:lstStyle/>
+          <a:p>
+            <a:pPr algn="ctr"/>
+            <a:r>
+              <a:rPr lang="en-US" smtClean="0"/>
+              <a:t>User</a:t>
+            </a:r>
+            <a:endParaRPr lang="en-US"/>
+          </a:p>
+        </p:txBody>
+      </p:sp>
+      <p:cxnSp>
+        <p:nvCxnSpPr>
+          <p:cNvPr id="9" name="Straight Arrow Connector 8"/>
+          <p:cNvCxnSpPr>
+            <a:stCxn id="1028" idx="3"/>
+            <a:endCxn id="8" idx="1"/>
+          </p:cNvCxnSpPr>
+          <p:nvPr/>
+        </p:nvCxnSpPr>
+        <p:spPr>
+          <a:xfrm>
+            <a:off x="2990900" y="3054594"/>
+            <a:ext cx="4029372" cy="51301"/>
+          </a:xfrm>
+          <a:prstGeom prst="straightConnector1">
+            <a:avLst/>
+          </a:prstGeom>
+          <a:ln>
+            <a:solidFill>
+              <a:srgbClr val="002060"/>
+            </a:solidFill>
+            <a:tailEnd type="arrow"/>
+          </a:ln>
+        </p:spPr>
+        <p:style>
+          <a:lnRef idx="1">
+            <a:schemeClr val="accent1"/>
+          </a:lnRef>
+          <a:fillRef idx="0">
+            <a:schemeClr val="accent1"/>
+          </a:fillRef>
+          <a:effectRef idx="0">
+            <a:schemeClr val="accent1"/>
+          </a:effectRef>
+          <a:fontRef idx="minor">
+            <a:schemeClr val="tx1"/>
+          </a:fontRef>
+        </p:style>
+      </p:cxnSp>
+      <p:sp>
+        <p:nvSpPr>
+          <p:cNvPr id="14" name="TextBox 13"/>
+          <p:cNvSpPr txBox="1"/>
+          <p:nvPr/>
+        </p:nvSpPr>
+        <p:spPr>
+          <a:xfrm>
+            <a:off x="4139952" y="2469819"/>
+            <a:ext cx="1072730" cy="584775"/>
+          </a:xfrm>
+          <a:prstGeom prst="rect">
+            <a:avLst/>
+          </a:prstGeom>
+          <a:noFill/>
+        </p:spPr>
+        <p:txBody>
+          <a:bodyPr wrap="none" rtlCol="0">
+            <a:spAutoFit/>
+          </a:bodyPr>
+          <a:lstStyle/>
+          <a:p>
+            <a:r>
+              <a:rPr lang="en-US" sz="3200" b="1" smtClean="0">
+                <a:solidFill>
+                  <a:srgbClr val="FF0000"/>
+                </a:solidFill>
+              </a:rPr>
+              <a:t>Ask!</a:t>
+            </a:r>
+            <a:endParaRPr lang="en-US" sz="3200" b="1">
+              <a:solidFill>
+                <a:srgbClr val="FF0000"/>
+              </a:solidFill>
+            </a:endParaRPr>
+          </a:p>
+        </p:txBody>
+      </p:sp>
+      <p:sp>
+        <p:nvSpPr>
+          <p:cNvPr id="16" name="Title 1"/>
+          <p:cNvSpPr txBox="1">
+            <a:spLocks/>
+          </p:cNvSpPr>
+          <p:nvPr/>
+        </p:nvSpPr>
+        <p:spPr bwMode="auto">
+          <a:xfrm>
+            <a:off x="609600" y="430213"/>
+            <a:ext cx="8229600" cy="1139825"/>
+          </a:xfrm>
+          <a:prstGeom prst="rect">
+            <a:avLst/>
+          </a:prstGeom>
+          <a:noFill/>
+          <a:ln>
+            <a:noFill/>
+          </a:ln>
+          <a:extLst>
+            <a:ext uri="{909E8E84-426E-40DD-AFC4-6F175D3DCCD1}">
+              <a14:hiddenFill xmlns:a14="http://schemas.microsoft.com/office/drawing/2010/main">
+                <a:solidFill>
+                  <a:srgbClr val="FFFFFF"/>
+                </a:solidFill>
+              </a14:hiddenFill>
+            </a:ext>
+            <a:ext uri="{91240B29-F687-4F45-9708-019B960494DF}">
+              <a14:hiddenLine xmlns:a14="http://schemas.microsoft.com/office/drawing/2010/main" w="9525">
+                <a:solidFill>
+                  <a:srgbClr val="000000"/>
+                </a:solidFill>
+                <a:miter lim="800000"/>
+                <a:headEnd/>
+                <a:tailEnd/>
+              </a14:hiddenLine>
+            </a:ext>
+            <a:ext uri="{FAA26D3D-D897-4be2-8F04-BA451C77F1D7}">
+              <ma14:placeholderFlag xmlns:ma14="http://schemas.microsoft.com/office/mac/drawingml/2011/main" xmlns="" val="1"/>
+            </a:ext>
+          </a:extLst>
+        </p:spPr>
+        <p:txBody>
+          <a:bodyPr vert="horz" wrap="square" lIns="91440" tIns="45720" rIns="91440" bIns="45720" numCol="1" anchor="b" anchorCtr="0" compatLnSpc="1">
+            <a:prstTxWarp prst="textNoShape">
+              <a:avLst/>
+            </a:prstTxWarp>
+            <a:normAutofit/>
+          </a:bodyPr>
+          <a:lstStyle>
+            <a:lvl1pPr algn="l" rtl="0" eaLnBrk="0" fontAlgn="base" hangingPunct="0">
+              <a:spcBef>
+                <a:spcPct val="0"/>
+              </a:spcBef>
+              <a:spcAft>
+                <a:spcPct val="0"/>
+              </a:spcAft>
+              <a:defRPr kumimoji="1" sz="4400" b="1">
+                <a:solidFill>
+                  <a:srgbClr val="F59D1C"/>
+                </a:solidFill>
+                <a:latin typeface="+mj-lt"/>
+                <a:ea typeface="+mj-ea"/>
+                <a:cs typeface="+mj-cs"/>
+              </a:defRPr>
+            </a:lvl1pPr>
+            <a:lvl2pPr algn="l" rtl="0" eaLnBrk="0" fontAlgn="base" hangingPunct="0">
+              <a:spcBef>
+                <a:spcPct val="0"/>
+              </a:spcBef>
+              <a:spcAft>
+                <a:spcPct val="0"/>
+              </a:spcAft>
+              <a:defRPr kumimoji="1" sz="4400" b="1">
+                <a:solidFill>
+                  <a:srgbClr val="F59D1C"/>
+                </a:solidFill>
+                <a:latin typeface="メイリオ" pitchFamily="50" charset="-128"/>
+                <a:ea typeface="メイリオ" pitchFamily="50" charset="-128"/>
+                <a:cs typeface="メイリオ" pitchFamily="50" charset="-128"/>
+              </a:defRPr>
+            </a:lvl2pPr>
+            <a:lvl3pPr algn="l" rtl="0" eaLnBrk="0" fontAlgn="base" hangingPunct="0">
+              <a:spcBef>
+                <a:spcPct val="0"/>
+              </a:spcBef>
+              <a:spcAft>
+                <a:spcPct val="0"/>
+              </a:spcAft>
+              <a:defRPr kumimoji="1" sz="4400" b="1">
+                <a:solidFill>
+                  <a:srgbClr val="F59D1C"/>
+                </a:solidFill>
+                <a:latin typeface="メイリオ" pitchFamily="50" charset="-128"/>
+                <a:ea typeface="メイリオ" pitchFamily="50" charset="-128"/>
+                <a:cs typeface="メイリオ" pitchFamily="50" charset="-128"/>
+              </a:defRPr>
+            </a:lvl3pPr>
+            <a:lvl4pPr algn="l" rtl="0" eaLnBrk="0" fontAlgn="base" hangingPunct="0">
+              <a:spcBef>
+                <a:spcPct val="0"/>
+              </a:spcBef>
+              <a:spcAft>
+                <a:spcPct val="0"/>
+              </a:spcAft>
+              <a:defRPr kumimoji="1" sz="4400" b="1">
+                <a:solidFill>
+                  <a:srgbClr val="F59D1C"/>
+                </a:solidFill>
+                <a:latin typeface="メイリオ" pitchFamily="50" charset="-128"/>
+                <a:ea typeface="メイリオ" pitchFamily="50" charset="-128"/>
+                <a:cs typeface="メイリオ" pitchFamily="50" charset="-128"/>
+              </a:defRPr>
+            </a:lvl4pPr>
+            <a:lvl5pPr algn="l" rtl="0" eaLnBrk="0" fontAlgn="base" hangingPunct="0">
+              <a:spcBef>
+                <a:spcPct val="0"/>
+              </a:spcBef>
+              <a:spcAft>
+                <a:spcPct val="0"/>
+              </a:spcAft>
+              <a:defRPr kumimoji="1" sz="4400" b="1">
+                <a:solidFill>
+                  <a:srgbClr val="F59D1C"/>
+                </a:solidFill>
+                <a:latin typeface="メイリオ" pitchFamily="50" charset="-128"/>
+                <a:ea typeface="メイリオ" pitchFamily="50" charset="-128"/>
+                <a:cs typeface="メイリオ" pitchFamily="50" charset="-128"/>
+              </a:defRPr>
+            </a:lvl5pPr>
+            <a:lvl6pPr marL="457200" algn="l" rtl="0" eaLnBrk="1" fontAlgn="base" hangingPunct="1">
+              <a:spcBef>
+                <a:spcPct val="0"/>
+              </a:spcBef>
+              <a:spcAft>
+                <a:spcPct val="0"/>
+              </a:spcAft>
+              <a:defRPr kumimoji="1" sz="4400" b="1">
+                <a:solidFill>
+                  <a:srgbClr val="F59D1C"/>
+                </a:solidFill>
+                <a:latin typeface="メイリオ" pitchFamily="50" charset="-128"/>
+                <a:ea typeface="メイリオ" pitchFamily="50" charset="-128"/>
+                <a:cs typeface="メイリオ" pitchFamily="50" charset="-128"/>
+              </a:defRPr>
+            </a:lvl6pPr>
+            <a:lvl7pPr marL="914400" algn="l" rtl="0" eaLnBrk="1" fontAlgn="base" hangingPunct="1">
+              <a:spcBef>
+                <a:spcPct val="0"/>
+              </a:spcBef>
+              <a:spcAft>
+                <a:spcPct val="0"/>
+              </a:spcAft>
+              <a:defRPr kumimoji="1" sz="4400" b="1">
+                <a:solidFill>
+                  <a:srgbClr val="F59D1C"/>
+                </a:solidFill>
+                <a:latin typeface="メイリオ" pitchFamily="50" charset="-128"/>
+                <a:ea typeface="メイリオ" pitchFamily="50" charset="-128"/>
+                <a:cs typeface="メイリオ" pitchFamily="50" charset="-128"/>
+              </a:defRPr>
+            </a:lvl7pPr>
+            <a:lvl8pPr marL="1371600" algn="l" rtl="0" eaLnBrk="1" fontAlgn="base" hangingPunct="1">
+              <a:spcBef>
+                <a:spcPct val="0"/>
+              </a:spcBef>
+              <a:spcAft>
+                <a:spcPct val="0"/>
+              </a:spcAft>
+              <a:defRPr kumimoji="1" sz="4400" b="1">
+                <a:solidFill>
+                  <a:srgbClr val="F59D1C"/>
+                </a:solidFill>
+                <a:latin typeface="メイリオ" pitchFamily="50" charset="-128"/>
+                <a:ea typeface="メイリオ" pitchFamily="50" charset="-128"/>
+                <a:cs typeface="メイリオ" pitchFamily="50" charset="-128"/>
+              </a:defRPr>
+            </a:lvl8pPr>
+            <a:lvl9pPr marL="1828800" algn="l" rtl="0" eaLnBrk="1" fontAlgn="base" hangingPunct="1">
+              <a:spcBef>
+                <a:spcPct val="0"/>
+              </a:spcBef>
+              <a:spcAft>
+                <a:spcPct val="0"/>
+              </a:spcAft>
+              <a:defRPr kumimoji="1" sz="4400" b="1">
+                <a:solidFill>
+                  <a:srgbClr val="F59D1C"/>
+                </a:solidFill>
+                <a:latin typeface="メイリオ" pitchFamily="50" charset="-128"/>
+                <a:ea typeface="メイリオ" pitchFamily="50" charset="-128"/>
+                <a:cs typeface="メイリオ" pitchFamily="50" charset="-128"/>
+              </a:defRPr>
+            </a:lvl9pPr>
+          </a:lstStyle>
+          <a:p>
+            <a:r>
+              <a:rPr lang="en-US" smtClean="0"/>
+              <a:t>Introduction</a:t>
+            </a:r>
+            <a:endParaRPr lang="vi-VN" dirty="0"/>
+          </a:p>
+        </p:txBody>
+      </p:sp>
+    </p:spTree>
+    <p:extLst>
+      <p:ext uri="{BB962C8B-B14F-4D97-AF65-F5344CB8AC3E}">
+        <p14:creationId xmlns:p14="http://schemas.microsoft.com/office/powerpoint/2010/main" val="2504429931"/>
+      </p:ext>
+    </p:extLst>
+  </p:cSld>
+  <p:clrMapOvr>
+    <a:masterClrMapping/>
+  </p:clrMapOvr>
+  <p:timing>
+    <p:tnLst>
+      <p:par>
+        <p:cTn id="1" dur="indefinite" restart="never" nodeType="tmRoot"/>
+      </p:par>
+    </p:tnLst>
+  </p:timing>
+</p:sld>
+</file>
+
+<file path=ppt/slides/slide7.xml><?xml version="1.0" encoding="utf-8"?>
+<p:sld xmlns:a="http://schemas.openxmlformats.org/drawingml/2006/main" xmlns:r="http://schemas.openxmlformats.org/officeDocument/2006/relationships" xmlns:p="http://schemas.openxmlformats.org/presentationml/2006/main">
+  <p:cSld>
+    <p:spTree>
+      <p:nvGrpSpPr>
+        <p:cNvPr id="1" name=""/>
+        <p:cNvGrpSpPr/>
+        <p:nvPr/>
+      </p:nvGrpSpPr>
+      <p:grpSpPr>
+        <a:xfrm>
+          <a:off x="0" y="0"/>
+          <a:ext cx="0" cy="0"/>
+          <a:chOff x="0" y="0"/>
+          <a:chExt cx="0" cy="0"/>
+        </a:xfrm>
+      </p:grpSpPr>
+      <p:sp>
+        <p:nvSpPr>
+          <p:cNvPr id="4" name="Slide Number Placeholder 3"/>
+          <p:cNvSpPr>
+            <a:spLocks noGrp="1"/>
+          </p:cNvSpPr>
+          <p:nvPr>
+            <p:ph type="sldNum" sz="quarter" idx="11"/>
+          </p:nvPr>
+        </p:nvSpPr>
+        <p:spPr/>
+        <p:txBody>
+          <a:bodyPr/>
+          <a:lstStyle/>
+          <a:p>
+            <a:fld id="{AC358548-9BFF-2A41-B589-C75B6C647976}" type="slidenum">
+              <a:rPr lang="en-US" altLang="ja-JP" smtClean="0"/>
+              <a:pPr/>
+              <a:t>7</a:t>
+            </a:fld>
+            <a:endParaRPr lang="en-US"/>
+          </a:p>
+        </p:txBody>
+      </p:sp>
+      <p:sp>
+        <p:nvSpPr>
+          <p:cNvPr id="5" name="AutoShape 2" descr="http://images.clipartpanda.com/unhappy-family-clipart-sad-smiley.svg"/>
+          <p:cNvSpPr>
+            <a:spLocks noChangeAspect="1" noChangeArrowheads="1"/>
+          </p:cNvSpPr>
+          <p:nvPr/>
+        </p:nvSpPr>
+        <p:spPr bwMode="auto">
+          <a:xfrm>
+            <a:off x="155575" y="-144463"/>
+            <a:ext cx="304800" cy="304801"/>
+          </a:xfrm>
+          <a:prstGeom prst="rect">
+            <a:avLst/>
+          </a:prstGeom>
+          <a:noFill/>
+          <a:extLst>
+            <a:ext uri="{909E8E84-426E-40DD-AFC4-6F175D3DCCD1}">
+              <a14:hiddenFill xmlns:a14="http://schemas.microsoft.com/office/drawing/2010/main">
+                <a:solidFill>
+                  <a:srgbClr val="FFFFFF"/>
+                </a:solidFill>
+              </a14:hiddenFill>
+            </a:ext>
+          </a:extLst>
+        </p:spPr>
+        <p:txBody>
+          <a:bodyPr vert="horz" wrap="square" lIns="91440" tIns="45720" rIns="91440" bIns="45720" numCol="1" anchor="t" anchorCtr="0" compatLnSpc="1">
+            <a:prstTxWarp prst="textNoShape">
+              <a:avLst/>
+            </a:prstTxWarp>
+          </a:bodyPr>
+          <a:lstStyle/>
+          <a:p>
+            <a:endParaRPr lang="en-US"/>
+          </a:p>
+        </p:txBody>
+      </p:sp>
+      <p:sp>
+        <p:nvSpPr>
+          <p:cNvPr id="8" name="Rectangle 7"/>
+          <p:cNvSpPr/>
+          <p:nvPr/>
+        </p:nvSpPr>
+        <p:spPr>
+          <a:xfrm>
+            <a:off x="7020272" y="2636912"/>
+            <a:ext cx="1584175" cy="770450"/>
+          </a:xfrm>
+          <a:prstGeom prst="rect">
+            <a:avLst/>
+          </a:prstGeom>
+        </p:spPr>
+        <p:style>
+          <a:lnRef idx="0">
+            <a:schemeClr val="accent1"/>
+          </a:lnRef>
+          <a:fillRef idx="3">
+            <a:schemeClr val="accent1"/>
+          </a:fillRef>
+          <a:effectRef idx="3">
+            <a:schemeClr val="accent1"/>
+          </a:effectRef>
+          <a:fontRef idx="minor">
+            <a:schemeClr val="lt1"/>
+          </a:fontRef>
+        </p:style>
+        <p:txBody>
+          <a:bodyPr rtlCol="0" anchor="ctr"/>
+          <a:lstStyle/>
+          <a:p>
+            <a:pPr algn="ctr"/>
+            <a:r>
+              <a:rPr lang="en-US" smtClean="0"/>
+              <a:t>User</a:t>
+            </a:r>
+            <a:endParaRPr lang="en-US"/>
+          </a:p>
+        </p:txBody>
+      </p:sp>
+      <p:cxnSp>
+        <p:nvCxnSpPr>
+          <p:cNvPr id="9" name="Straight Arrow Connector 8"/>
+          <p:cNvCxnSpPr>
+            <a:stCxn id="8" idx="1"/>
+          </p:cNvCxnSpPr>
+          <p:nvPr/>
+        </p:nvCxnSpPr>
+        <p:spPr>
+          <a:xfrm flipH="1">
+            <a:off x="2990900" y="3022137"/>
+            <a:ext cx="4029372" cy="32457"/>
+          </a:xfrm>
+          <a:prstGeom prst="straightConnector1">
+            <a:avLst/>
+          </a:prstGeom>
+          <a:ln>
+            <a:solidFill>
+              <a:srgbClr val="002060"/>
+            </a:solidFill>
+            <a:tailEnd type="arrow"/>
+          </a:ln>
+        </p:spPr>
+        <p:style>
+          <a:lnRef idx="1">
+            <a:schemeClr val="accent1"/>
+          </a:lnRef>
+          <a:fillRef idx="0">
+            <a:schemeClr val="accent1"/>
+          </a:fillRef>
+          <a:effectRef idx="0">
+            <a:schemeClr val="accent1"/>
+          </a:effectRef>
+          <a:fontRef idx="minor">
+            <a:schemeClr val="tx1"/>
+          </a:fontRef>
+        </p:style>
+      </p:cxnSp>
+      <p:sp>
+        <p:nvSpPr>
+          <p:cNvPr id="10" name="TextBox 9"/>
+          <p:cNvSpPr txBox="1"/>
+          <p:nvPr/>
+        </p:nvSpPr>
+        <p:spPr>
+          <a:xfrm>
+            <a:off x="3736777" y="2461538"/>
+            <a:ext cx="1802096" cy="584775"/>
+          </a:xfrm>
+          <a:prstGeom prst="rect">
+            <a:avLst/>
+          </a:prstGeom>
+          <a:noFill/>
+        </p:spPr>
+        <p:txBody>
+          <a:bodyPr wrap="none" rtlCol="0">
+            <a:spAutoFit/>
+          </a:bodyPr>
+          <a:lstStyle/>
+          <a:p>
+            <a:r>
+              <a:rPr lang="en-US" sz="3200" b="1" smtClean="0">
+                <a:solidFill>
+                  <a:srgbClr val="FF0000"/>
+                </a:solidFill>
+              </a:rPr>
+              <a:t>Answer!</a:t>
+            </a:r>
+            <a:endParaRPr lang="en-US" sz="3200" b="1">
+              <a:solidFill>
+                <a:srgbClr val="FF0000"/>
+              </a:solidFill>
+            </a:endParaRPr>
+          </a:p>
+        </p:txBody>
+      </p:sp>
+      <p:pic>
+        <p:nvPicPr>
+          <p:cNvPr id="2050" name="Picture 2"/>
+          <p:cNvPicPr>
+            <a:picLocks noChangeAspect="1" noChangeArrowheads="1"/>
+          </p:cNvPicPr>
+          <p:nvPr/>
+        </p:nvPicPr>
+        <p:blipFill>
+          <a:blip r:embed="rId2">
+            <a:extLst>
+              <a:ext uri="{28A0092B-C50C-407E-A947-70E740481C1C}">
+                <a14:useLocalDpi xmlns:a14="http://schemas.microsoft.com/office/drawing/2010/main" val="0"/>
+              </a:ext>
+            </a:extLst>
+          </a:blip>
+          <a:srcRect/>
+          <a:stretch>
+            <a:fillRect/>
+          </a:stretch>
+        </p:blipFill>
+        <p:spPr bwMode="auto">
+          <a:xfrm>
+            <a:off x="946200" y="2070344"/>
+            <a:ext cx="2044700" cy="1968500"/>
+          </a:xfrm>
+          <a:prstGeom prst="rect">
+            <a:avLst/>
+          </a:prstGeom>
+          <a:noFill/>
+          <a:ln>
+            <a:noFill/>
+          </a:ln>
+          <a:effectLst/>
+          <a:extLst>
+            <a:ext uri="{909E8E84-426E-40DD-AFC4-6F175D3DCCD1}">
+              <a14:hiddenFill xmlns:a14="http://schemas.microsoft.com/office/drawing/2010/main">
+                <a:solidFill>
+                  <a:schemeClr val="accent1"/>
+                </a:solidFill>
+              </a14:hiddenFill>
+            </a:ext>
+            <a:ext uri="{91240B29-F687-4F45-9708-019B960494DF}">
+              <a14:hiddenLine xmlns:a14="http://schemas.microsoft.com/office/drawing/2010/main" w="9525">
+                <a:solidFill>
+                  <a:schemeClr val="tx1"/>
+                </a:solidFill>
+                <a:miter lim="800000"/>
+                <a:headEnd/>
+                <a:tailEnd/>
+              </a14:hiddenLine>
+            </a:ext>
+            <a:ext uri="{AF507438-7753-43E0-B8FC-AC1667EBCBE1}">
+              <a14:hiddenEffects xmlns:a14="http://schemas.microsoft.com/office/drawing/2010/main">
+                <a:effectLst>
+                  <a:outerShdw dist="35921" dir="2700000" algn="ctr" rotWithShape="0">
+                    <a:schemeClr val="bg2"/>
+                  </a:outerShdw>
+                </a:effectLst>
+              </a14:hiddenEffects>
+            </a:ext>
+          </a:extLst>
+        </p:spPr>
+      </p:pic>
+      <p:sp>
+        <p:nvSpPr>
+          <p:cNvPr id="15" name="Title 1"/>
+          <p:cNvSpPr>
+            <a:spLocks noGrp="1"/>
+          </p:cNvSpPr>
+          <p:nvPr>
+            <p:ph type="title"/>
+          </p:nvPr>
+        </p:nvSpPr>
+        <p:spPr>
+          <a:xfrm>
+            <a:off x="457200" y="277813"/>
+            <a:ext cx="8229600" cy="1139825"/>
+          </a:xfrm>
+        </p:spPr>
+        <p:txBody>
+          <a:bodyPr/>
+          <a:lstStyle/>
+          <a:p>
+            <a:r>
+              <a:rPr lang="en-US" dirty="0" smtClean="0"/>
+              <a:t>Introduction</a:t>
+            </a:r>
+            <a:endParaRPr lang="vi-VN" dirty="0"/>
+          </a:p>
+        </p:txBody>
+      </p:sp>
+    </p:spTree>
+    <p:extLst>
+      <p:ext uri="{BB962C8B-B14F-4D97-AF65-F5344CB8AC3E}">
+        <p14:creationId xmlns:p14="http://schemas.microsoft.com/office/powerpoint/2010/main" val="2694774390"/>
+      </p:ext>
+    </p:extLst>
+  </p:cSld>
+  <p:clrMapOvr>
+    <a:masterClrMapping/>
+  </p:clrMapOvr>
+  <p:timing>
+    <p:tnLst>
+      <p:par>
+        <p:cTn id="1" dur="indefinite" restart="never" nodeType="tmRoot"/>
+      </p:par>
+    </p:tnLst>
+  </p:timing>
+</p:sld>
+</file>
+
+<file path=ppt/slides/slide8.xml><?xml version="1.0" encoding="utf-8"?>
+<p:sld xmlns:a="http://schemas.openxmlformats.org/drawingml/2006/main" xmlns:r="http://schemas.openxmlformats.org/officeDocument/2006/relationships" xmlns:p="http://schemas.openxmlformats.org/presentationml/2006/main">
+  <p:cSld>
+    <p:spTree>
+      <p:nvGrpSpPr>
+        <p:cNvPr id="1" name=""/>
+        <p:cNvGrpSpPr/>
+        <p:nvPr/>
+      </p:nvGrpSpPr>
+      <p:grpSpPr>
+        <a:xfrm>
+          <a:off x="0" y="0"/>
+          <a:ext cx="0" cy="0"/>
+          <a:chOff x="0" y="0"/>
+          <a:chExt cx="0" cy="0"/>
+        </a:xfrm>
+      </p:grpSpPr>
+      <p:sp>
+        <p:nvSpPr>
+          <p:cNvPr id="4" name="Slide Number Placeholder 3"/>
+          <p:cNvSpPr>
+            <a:spLocks noGrp="1"/>
+          </p:cNvSpPr>
+          <p:nvPr>
+            <p:ph type="sldNum" sz="quarter" idx="11"/>
+          </p:nvPr>
+        </p:nvSpPr>
+        <p:spPr/>
+        <p:txBody>
+          <a:bodyPr/>
+          <a:lstStyle/>
+          <a:p>
+            <a:fld id="{AC358548-9BFF-2A41-B589-C75B6C647976}" type="slidenum">
+              <a:rPr lang="en-US" altLang="ja-JP" smtClean="0"/>
+              <a:pPr/>
+              <a:t>8</a:t>
+            </a:fld>
+            <a:endParaRPr lang="en-US"/>
+          </a:p>
+        </p:txBody>
+      </p:sp>
+      <p:sp>
+        <p:nvSpPr>
+          <p:cNvPr id="5" name="AutoShape 2" descr="http://images.clipartpanda.com/unhappy-family-clipart-sad-smiley.svg"/>
+          <p:cNvSpPr>
+            <a:spLocks noChangeAspect="1" noChangeArrowheads="1"/>
+          </p:cNvSpPr>
+          <p:nvPr/>
+        </p:nvSpPr>
+        <p:spPr bwMode="auto">
+          <a:xfrm>
+            <a:off x="155575" y="-144463"/>
+            <a:ext cx="304800" cy="304801"/>
+          </a:xfrm>
+          <a:prstGeom prst="rect">
+            <a:avLst/>
+          </a:prstGeom>
+          <a:noFill/>
+          <a:extLst>
+            <a:ext uri="{909E8E84-426E-40DD-AFC4-6F175D3DCCD1}">
+              <a14:hiddenFill xmlns:a14="http://schemas.microsoft.com/office/drawing/2010/main">
+                <a:solidFill>
+                  <a:srgbClr val="FFFFFF"/>
+                </a:solidFill>
+              </a14:hiddenFill>
+            </a:ext>
+          </a:extLst>
+        </p:spPr>
+        <p:txBody>
+          <a:bodyPr vert="horz" wrap="square" lIns="91440" tIns="45720" rIns="91440" bIns="45720" numCol="1" anchor="t" anchorCtr="0" compatLnSpc="1">
+            <a:prstTxWarp prst="textNoShape">
+              <a:avLst/>
+            </a:prstTxWarp>
+          </a:bodyPr>
+          <a:lstStyle/>
+          <a:p>
+            <a:endParaRPr lang="en-US"/>
+          </a:p>
+        </p:txBody>
+      </p:sp>
+      <p:sp>
+        <p:nvSpPr>
+          <p:cNvPr id="8" name="Rectangle 7"/>
+          <p:cNvSpPr/>
+          <p:nvPr/>
+        </p:nvSpPr>
+        <p:spPr>
+          <a:xfrm>
+            <a:off x="7020272" y="2636912"/>
+            <a:ext cx="1584175" cy="770450"/>
+          </a:xfrm>
+          <a:prstGeom prst="rect">
+            <a:avLst/>
+          </a:prstGeom>
+        </p:spPr>
+        <p:style>
+          <a:lnRef idx="0">
+            <a:schemeClr val="accent1"/>
+          </a:lnRef>
+          <a:fillRef idx="3">
+            <a:schemeClr val="accent1"/>
+          </a:fillRef>
+          <a:effectRef idx="3">
+            <a:schemeClr val="accent1"/>
+          </a:effectRef>
+          <a:fontRef idx="minor">
+            <a:schemeClr val="lt1"/>
+          </a:fontRef>
+        </p:style>
+        <p:txBody>
+          <a:bodyPr rtlCol="0" anchor="ctr"/>
+          <a:lstStyle/>
+          <a:p>
+            <a:pPr algn="ctr"/>
+            <a:r>
+              <a:rPr lang="en-US" smtClean="0"/>
+              <a:t>User</a:t>
+            </a:r>
+            <a:endParaRPr lang="en-US"/>
+          </a:p>
+        </p:txBody>
+      </p:sp>
+      <p:cxnSp>
+        <p:nvCxnSpPr>
+          <p:cNvPr id="9" name="Straight Arrow Connector 8"/>
+          <p:cNvCxnSpPr>
+            <a:stCxn id="8" idx="1"/>
+          </p:cNvCxnSpPr>
+          <p:nvPr/>
+        </p:nvCxnSpPr>
+        <p:spPr>
+          <a:xfrm flipH="1">
+            <a:off x="2990900" y="3022137"/>
+            <a:ext cx="4029372" cy="32457"/>
+          </a:xfrm>
+          <a:prstGeom prst="straightConnector1">
+            <a:avLst/>
+          </a:prstGeom>
+          <a:ln>
+            <a:solidFill>
+              <a:srgbClr val="002060"/>
+            </a:solidFill>
+            <a:tailEnd type="arrow"/>
+          </a:ln>
+        </p:spPr>
+        <p:style>
+          <a:lnRef idx="1">
+            <a:schemeClr val="accent1"/>
+          </a:lnRef>
+          <a:fillRef idx="0">
+            <a:schemeClr val="accent1"/>
+          </a:fillRef>
+          <a:effectRef idx="0">
+            <a:schemeClr val="accent1"/>
+          </a:effectRef>
+          <a:fontRef idx="minor">
+            <a:schemeClr val="tx1"/>
+          </a:fontRef>
+        </p:style>
+      </p:cxnSp>
+      <p:sp>
+        <p:nvSpPr>
+          <p:cNvPr id="10" name="TextBox 9"/>
+          <p:cNvSpPr txBox="1"/>
+          <p:nvPr/>
+        </p:nvSpPr>
+        <p:spPr>
+          <a:xfrm>
+            <a:off x="3026102" y="2479102"/>
+            <a:ext cx="2969852" cy="584775"/>
+          </a:xfrm>
+          <a:prstGeom prst="rect">
+            <a:avLst/>
+          </a:prstGeom>
+          <a:noFill/>
+        </p:spPr>
+        <p:txBody>
+          <a:bodyPr wrap="none" rtlCol="0">
+            <a:spAutoFit/>
+          </a:bodyPr>
+          <a:lstStyle/>
+          <a:p>
+            <a:r>
+              <a:rPr lang="en-US" sz="3200" b="1" smtClean="0">
+                <a:solidFill>
+                  <a:srgbClr val="FF0000"/>
+                </a:solidFill>
+              </a:rPr>
+              <a:t>Good Answer</a:t>
+            </a:r>
+            <a:r>
+              <a:rPr lang="en-US" sz="3200" b="1">
+                <a:solidFill>
+                  <a:srgbClr val="FF0000"/>
+                </a:solidFill>
+              </a:rPr>
+              <a:t>!</a:t>
+            </a:r>
+          </a:p>
+        </p:txBody>
+      </p:sp>
+      <p:pic>
+        <p:nvPicPr>
+          <p:cNvPr id="3074" name="Picture 2"/>
+          <p:cNvPicPr>
+            <a:picLocks noChangeAspect="1" noChangeArrowheads="1"/>
+          </p:cNvPicPr>
+          <p:nvPr/>
+        </p:nvPicPr>
+        <p:blipFill>
+          <a:blip r:embed="rId2">
+            <a:extLst>
+              <a:ext uri="{28A0092B-C50C-407E-A947-70E740481C1C}">
+                <a14:useLocalDpi xmlns:a14="http://schemas.microsoft.com/office/drawing/2010/main" val="0"/>
+              </a:ext>
+            </a:extLst>
+          </a:blip>
+          <a:srcRect/>
+          <a:stretch>
+            <a:fillRect/>
+          </a:stretch>
+        </p:blipFill>
+        <p:spPr bwMode="auto">
+          <a:xfrm>
+            <a:off x="957141" y="2070344"/>
+            <a:ext cx="2044700" cy="1968500"/>
+          </a:xfrm>
+          <a:prstGeom prst="rect">
+            <a:avLst/>
+          </a:prstGeom>
+          <a:noFill/>
+          <a:ln>
+            <a:noFill/>
+          </a:ln>
+          <a:effectLst/>
+          <a:extLst>
+            <a:ext uri="{909E8E84-426E-40DD-AFC4-6F175D3DCCD1}">
+              <a14:hiddenFill xmlns:a14="http://schemas.microsoft.com/office/drawing/2010/main">
+                <a:solidFill>
+                  <a:schemeClr val="accent1"/>
+                </a:solidFill>
+              </a14:hiddenFill>
+            </a:ext>
+            <a:ext uri="{91240B29-F687-4F45-9708-019B960494DF}">
+              <a14:hiddenLine xmlns:a14="http://schemas.microsoft.com/office/drawing/2010/main" w="9525">
+                <a:solidFill>
+                  <a:schemeClr val="tx1"/>
+                </a:solidFill>
+                <a:miter lim="800000"/>
+                <a:headEnd/>
+                <a:tailEnd/>
+              </a14:hiddenLine>
+            </a:ext>
+            <a:ext uri="{AF507438-7753-43E0-B8FC-AC1667EBCBE1}">
+              <a14:hiddenEffects xmlns:a14="http://schemas.microsoft.com/office/drawing/2010/main">
+                <a:effectLst>
+                  <a:outerShdw dist="35921" dir="2700000" algn="ctr" rotWithShape="0">
+                    <a:schemeClr val="bg2"/>
+                  </a:outerShdw>
+                </a:effectLst>
+              </a14:hiddenEffects>
+            </a:ext>
+          </a:extLst>
+        </p:spPr>
+      </p:pic>
+      <p:sp>
+        <p:nvSpPr>
+          <p:cNvPr id="11" name="Title 1"/>
+          <p:cNvSpPr>
+            <a:spLocks noGrp="1"/>
+          </p:cNvSpPr>
+          <p:nvPr>
+            <p:ph type="title"/>
+          </p:nvPr>
+        </p:nvSpPr>
+        <p:spPr>
+          <a:xfrm>
+            <a:off x="457200" y="277813"/>
+            <a:ext cx="8229600" cy="1139825"/>
+          </a:xfrm>
+        </p:spPr>
+        <p:txBody>
+          <a:bodyPr/>
+          <a:lstStyle/>
+          <a:p>
+            <a:r>
+              <a:rPr lang="en-US" dirty="0" smtClean="0"/>
+              <a:t>Introduction</a:t>
+            </a:r>
+            <a:endParaRPr lang="vi-VN" dirty="0"/>
+          </a:p>
+        </p:txBody>
+      </p:sp>
+    </p:spTree>
+    <p:extLst>
+      <p:ext uri="{BB962C8B-B14F-4D97-AF65-F5344CB8AC3E}">
+        <p14:creationId xmlns:p14="http://schemas.microsoft.com/office/powerpoint/2010/main" val="2763913482"/>
+      </p:ext>
+    </p:extLst>
+  </p:cSld>
+  <p:clrMapOvr>
+    <a:masterClrMapping/>
+  </p:clrMapOvr>
+  <p:timing>
+    <p:tnLst>
+      <p:par>
+        <p:cTn id="1" dur="indefinite" restart="never" nodeType="tmRoot"/>
+      </p:par>
+    </p:tnLst>
+  </p:timing>
+</p:sld>
+</file>
+
+<file path=ppt/slides/slide9.xml><?xml version="1.0" encoding="utf-8"?>
+<p:sld xmlns:a="http://schemas.openxmlformats.org/drawingml/2006/main" xmlns:r="http://schemas.openxmlformats.org/officeDocument/2006/relationships" xmlns:p="http://schemas.openxmlformats.org/presentationml/2006/main">
+  <p:cSld>
+    <p:spTree>
+      <p:nvGrpSpPr>
+        <p:cNvPr id="1" name=""/>
+        <p:cNvGrpSpPr/>
+        <p:nvPr/>
+      </p:nvGrpSpPr>
+      <p:grpSpPr>
+        <a:xfrm>
+          <a:off x="0" y="0"/>
+          <a:ext cx="0" cy="0"/>
+          <a:chOff x="0" y="0"/>
+          <a:chExt cx="0" cy="0"/>
+        </a:xfrm>
+      </p:grpSpPr>
+      <p:sp>
+        <p:nvSpPr>
+          <p:cNvPr id="4" name="Slide Number Placeholder 3"/>
+          <p:cNvSpPr>
+            <a:spLocks noGrp="1"/>
+          </p:cNvSpPr>
+          <p:nvPr>
+            <p:ph type="sldNum" sz="quarter" idx="11"/>
+          </p:nvPr>
+        </p:nvSpPr>
+        <p:spPr/>
+        <p:txBody>
+          <a:bodyPr/>
+          <a:lstStyle/>
+          <a:p>
+            <a:fld id="{AC358548-9BFF-2A41-B589-C75B6C647976}" type="slidenum">
+              <a:rPr lang="en-US" altLang="ja-JP" smtClean="0"/>
+              <a:pPr/>
+              <a:t>9</a:t>
+            </a:fld>
+            <a:endParaRPr lang="en-US"/>
+          </a:p>
+        </p:txBody>
+      </p:sp>
+      <p:sp>
+        <p:nvSpPr>
+          <p:cNvPr id="5" name="AutoShape 2" descr="http://images.clipartpanda.com/unhappy-family-clipart-sad-smiley.svg"/>
+          <p:cNvSpPr>
+            <a:spLocks noChangeAspect="1" noChangeArrowheads="1"/>
+          </p:cNvSpPr>
+          <p:nvPr/>
+        </p:nvSpPr>
+        <p:spPr bwMode="auto">
+          <a:xfrm>
+            <a:off x="155575" y="-144463"/>
+            <a:ext cx="304800" cy="304801"/>
+          </a:xfrm>
+          <a:prstGeom prst="rect">
+            <a:avLst/>
+          </a:prstGeom>
+          <a:noFill/>
+          <a:extLst>
+            <a:ext uri="{909E8E84-426E-40DD-AFC4-6F175D3DCCD1}">
+              <a14:hiddenFill xmlns:a14="http://schemas.microsoft.com/office/drawing/2010/main">
+                <a:solidFill>
+                  <a:srgbClr val="FFFFFF"/>
+                </a:solidFill>
+              </a14:hiddenFill>
+            </a:ext>
+          </a:extLst>
+        </p:spPr>
+        <p:txBody>
+          <a:bodyPr vert="horz" wrap="square" lIns="91440" tIns="45720" rIns="91440" bIns="45720" numCol="1" anchor="t" anchorCtr="0" compatLnSpc="1">
+            <a:prstTxWarp prst="textNoShape">
+              <a:avLst/>
+            </a:prstTxWarp>
+          </a:bodyPr>
+          <a:lstStyle/>
+          <a:p>
+            <a:endParaRPr lang="en-US"/>
+          </a:p>
+        </p:txBody>
+      </p:sp>
+      <p:graphicFrame>
+        <p:nvGraphicFramePr>
+          <p:cNvPr id="3" name="Table 2"/>
+          <p:cNvGraphicFramePr>
+            <a:graphicFrameLocks noGrp="1"/>
+          </p:cNvGraphicFramePr>
+          <p:nvPr>
+            <p:extLst>
+              <p:ext uri="{D42A27DB-BD31-4B8C-83A1-F6EECF244321}">
+                <p14:modId xmlns:p14="http://schemas.microsoft.com/office/powerpoint/2010/main" val="575682424"/>
+              </p:ext>
+            </p:extLst>
+          </p:nvPr>
+        </p:nvGraphicFramePr>
+        <p:xfrm>
+          <a:off x="755576" y="2132856"/>
+          <a:ext cx="7920880" cy="3347687"/>
+        </p:xfrm>
+        <a:graphic>
+          <a:graphicData uri="http://schemas.openxmlformats.org/drawingml/2006/table">
+            <a:tbl>
+              <a:tblPr firstRow="1" bandRow="1">
+                <a:tableStyleId>{073A0DAA-6AF3-43AB-8588-CEC1D06C72B9}</a:tableStyleId>
+              </a:tblPr>
+              <a:tblGrid>
+                <a:gridCol w="3960440"/>
+                <a:gridCol w="3960440"/>
+              </a:tblGrid>
+              <a:tr h="1104796">
+                <a:tc>
+                  <a:txBody>
+                    <a:bodyPr/>
+                    <a:lstStyle/>
+                    <a:p>
+                      <a:pPr algn="ctr"/>
+                      <a:r>
+                        <a:rPr lang="en-US" smtClean="0"/>
+                        <a:t>A</a:t>
+                      </a:r>
+                      <a:endParaRPr lang="en-US"/>
+                    </a:p>
+                  </a:txBody>
+                  <a:tcPr>
+                    <a:solidFill>
+                      <a:schemeClr val="tx2"/>
+                    </a:solidFill>
+                  </a:tcPr>
+                </a:tc>
+                <a:tc>
+                  <a:txBody>
+                    <a:bodyPr/>
+                    <a:lstStyle/>
+                    <a:p>
+                      <a:pPr algn="ctr"/>
+                      <a:r>
+                        <a:rPr lang="en-US" smtClean="0"/>
+                        <a:t>B</a:t>
+                      </a:r>
+                      <a:endParaRPr lang="en-US"/>
+                    </a:p>
+                  </a:txBody>
+                  <a:tcPr>
+                    <a:solidFill>
+                      <a:schemeClr val="tx2"/>
+                    </a:solidFill>
+                  </a:tcPr>
+                </a:tc>
+              </a:tr>
+              <a:tr h="779851">
+                <a:tc>
+                  <a:txBody>
+                    <a:bodyPr/>
+                    <a:lstStyle/>
+                    <a:p>
+                      <a:pPr marL="0" marR="0" indent="0" algn="l" defTabSz="914400" rtl="0" eaLnBrk="1" fontAlgn="auto" latinLnBrk="0" hangingPunct="1">
+                        <a:lnSpc>
+                          <a:spcPct val="100000"/>
+                        </a:lnSpc>
+                        <a:spcBef>
+                          <a:spcPts val="0"/>
+                        </a:spcBef>
+                        <a:spcAft>
+                          <a:spcPts val="0"/>
+                        </a:spcAft>
+                        <a:buClrTx/>
+                        <a:buSzTx/>
+                        <a:buFontTx/>
+                        <a:buNone/>
+                        <a:tabLst/>
+                        <a:defRPr/>
+                      </a:pPr>
+                      <a:r>
+                        <a:rPr lang="en-US" smtClean="0"/>
+                        <a:t>What</a:t>
+                      </a:r>
+                      <a:r>
+                        <a:rPr lang="en-US" baseline="0" smtClean="0"/>
+                        <a:t> is your favourite food?</a:t>
+                      </a:r>
+                      <a:endParaRPr lang="en-US" smtClean="0"/>
+                    </a:p>
+                    <a:p>
+                      <a:endParaRPr kumimoji="1" lang="en-US" sz="1800" b="1" kern="1200">
+                        <a:solidFill>
+                          <a:schemeClr val="lt1"/>
+                        </a:solidFill>
+                        <a:latin typeface="+mn-lt"/>
+                        <a:ea typeface="+mn-ea"/>
+                        <a:cs typeface="+mn-cs"/>
+                      </a:endParaRPr>
+                    </a:p>
+                  </a:txBody>
+                  <a:tcPr>
+                    <a:solidFill>
+                      <a:schemeClr val="accent1">
+                        <a:lumMod val="60000"/>
+                        <a:lumOff val="40000"/>
+                      </a:schemeClr>
+                    </a:solidFill>
+                  </a:tcPr>
+                </a:tc>
+                <a:tc>
+                  <a:txBody>
+                    <a:bodyPr/>
+                    <a:lstStyle/>
+                    <a:p>
+                      <a:endParaRPr kumimoji="1" lang="en-US" sz="1800" b="1" kern="1200" smtClean="0">
+                        <a:solidFill>
+                          <a:schemeClr val="lt1"/>
+                        </a:solidFill>
+                        <a:latin typeface="+mn-lt"/>
+                        <a:ea typeface="+mn-ea"/>
+                        <a:cs typeface="+mn-cs"/>
+                      </a:endParaRPr>
+                    </a:p>
+                  </a:txBody>
+                  <a:tcPr>
+                    <a:solidFill>
+                      <a:schemeClr val="bg1"/>
+                    </a:solidFill>
+                  </a:tcPr>
+                </a:tc>
+              </a:tr>
+              <a:tr h="1355714">
+                <a:tc>
+                  <a:txBody>
+                    <a:bodyPr/>
+                    <a:lstStyle/>
+                    <a:p>
+                      <a:pPr marL="0" marR="0" indent="0" algn="l" defTabSz="914400" rtl="0" eaLnBrk="1" fontAlgn="auto" latinLnBrk="0" hangingPunct="1">
+                        <a:lnSpc>
+                          <a:spcPct val="100000"/>
+                        </a:lnSpc>
+                        <a:spcBef>
+                          <a:spcPts val="0"/>
+                        </a:spcBef>
+                        <a:spcAft>
+                          <a:spcPts val="0"/>
+                        </a:spcAft>
+                        <a:buClrTx/>
+                        <a:buSzTx/>
+                        <a:buFontTx/>
+                        <a:buNone/>
+                        <a:tabLst/>
+                        <a:defRPr/>
+                      </a:pPr>
+                      <a:r>
+                        <a:rPr lang="en-US" smtClean="0"/>
+                        <a:t>Who is your idol? </a:t>
+                      </a:r>
+                    </a:p>
+                    <a:p>
+                      <a:pPr marL="0" marR="0" indent="0" algn="l" defTabSz="914400" rtl="0" eaLnBrk="1" fontAlgn="auto" latinLnBrk="0" hangingPunct="1">
+                        <a:lnSpc>
+                          <a:spcPct val="100000"/>
+                        </a:lnSpc>
+                        <a:spcBef>
+                          <a:spcPts val="0"/>
+                        </a:spcBef>
+                        <a:spcAft>
+                          <a:spcPts val="0"/>
+                        </a:spcAft>
+                        <a:buClrTx/>
+                        <a:buSzTx/>
+                        <a:buFontTx/>
+                        <a:buNone/>
+                        <a:tabLst/>
+                        <a:defRPr/>
+                      </a:pPr>
+                      <a:r>
+                        <a:rPr lang="en-US" smtClean="0"/>
+                        <a:t>(B receives random question)</a:t>
+                      </a:r>
+                    </a:p>
+                    <a:p>
+                      <a:endParaRPr lang="en-US"/>
+                    </a:p>
+                  </a:txBody>
+                  <a:tcPr>
+                    <a:solidFill>
+                      <a:schemeClr val="bg1">
+                        <a:lumMod val="95000"/>
+                      </a:schemeClr>
+                    </a:solidFill>
+                  </a:tcPr>
+                </a:tc>
+                <a:tc>
+                  <a:txBody>
+                    <a:bodyPr/>
+                    <a:lstStyle/>
+                    <a:p>
+                      <a:pPr marL="0" marR="0" indent="0" algn="l" defTabSz="914400" rtl="0" eaLnBrk="1" fontAlgn="auto" latinLnBrk="0" hangingPunct="1">
+                        <a:lnSpc>
+                          <a:spcPct val="100000"/>
+                        </a:lnSpc>
+                        <a:spcBef>
+                          <a:spcPts val="0"/>
+                        </a:spcBef>
+                        <a:spcAft>
+                          <a:spcPts val="0"/>
+                        </a:spcAft>
+                        <a:buClrTx/>
+                        <a:buSzTx/>
+                        <a:buFontTx/>
+                        <a:buNone/>
+                        <a:tabLst/>
+                        <a:defRPr/>
+                      </a:pPr>
+                      <a:r>
+                        <a:rPr kumimoji="1" lang="en-US" sz="1800" b="1" kern="1200" smtClean="0">
+                          <a:solidFill>
+                            <a:schemeClr val="lt1"/>
+                          </a:solidFill>
+                          <a:latin typeface="+mn-lt"/>
+                          <a:ea typeface="+mn-ea"/>
+                          <a:cs typeface="+mn-cs"/>
+                        </a:rPr>
+                        <a:t>Taylor Swift ! </a:t>
+                      </a:r>
+                    </a:p>
+                    <a:p>
+                      <a:endParaRPr kumimoji="1" lang="en-US" sz="1800" b="1" kern="1200" smtClean="0">
+                        <a:solidFill>
+                          <a:schemeClr val="lt1"/>
+                        </a:solidFill>
+                        <a:latin typeface="+mn-lt"/>
+                        <a:ea typeface="+mn-ea"/>
+                        <a:cs typeface="+mn-cs"/>
+                      </a:endParaRPr>
+                    </a:p>
+                    <a:p>
+                      <a:endParaRPr kumimoji="1" lang="en-US" sz="1800" b="1" kern="1200" smtClean="0">
+                        <a:solidFill>
+                          <a:schemeClr val="lt1"/>
+                        </a:solidFill>
+                        <a:latin typeface="+mn-lt"/>
+                        <a:ea typeface="+mn-ea"/>
+                        <a:cs typeface="+mn-cs"/>
+                      </a:endParaRPr>
+                    </a:p>
+                    <a:p>
+                      <a:endParaRPr kumimoji="1" lang="en-US" sz="1800" b="1" kern="1200" smtClean="0">
+                        <a:solidFill>
+                          <a:schemeClr val="lt1"/>
+                        </a:solidFill>
+                        <a:latin typeface="+mn-lt"/>
+                        <a:ea typeface="+mn-ea"/>
+                        <a:cs typeface="+mn-cs"/>
+                      </a:endParaRPr>
+                    </a:p>
+                    <a:p>
+                      <a:endParaRPr kumimoji="1" lang="en-US" sz="1800" b="1" kern="1200">
+                        <a:solidFill>
+                          <a:schemeClr val="lt1"/>
+                        </a:solidFill>
+                        <a:latin typeface="+mn-lt"/>
+                        <a:ea typeface="+mn-ea"/>
+                        <a:cs typeface="+mn-cs"/>
+                      </a:endParaRPr>
+                    </a:p>
+                  </a:txBody>
+                  <a:tcPr>
+                    <a:solidFill>
+                      <a:schemeClr val="accent1">
+                        <a:lumMod val="60000"/>
+                        <a:lumOff val="40000"/>
+                      </a:schemeClr>
+                    </a:solidFill>
+                  </a:tcPr>
+                </a:tc>
+              </a:tr>
+            </a:tbl>
+          </a:graphicData>
+        </a:graphic>
+      </p:graphicFrame>
+      <p:pic>
+        <p:nvPicPr>
+          <p:cNvPr id="4099" name="Picture 3"/>
+          <p:cNvPicPr>
+            <a:picLocks noChangeAspect="1" noChangeArrowheads="1"/>
+          </p:cNvPicPr>
+          <p:nvPr/>
+        </p:nvPicPr>
+        <p:blipFill>
+          <a:blip r:embed="rId2" cstate="email">
+            <a:extLst>
+              <a:ext uri="{28A0092B-C50C-407E-A947-70E740481C1C}">
+                <a14:useLocalDpi xmlns:a14="http://schemas.microsoft.com/office/drawing/2010/main" val="0"/>
+              </a:ext>
+            </a:extLst>
+          </a:blip>
+          <a:srcRect/>
+          <a:stretch>
+            <a:fillRect/>
+          </a:stretch>
+        </p:blipFill>
+        <p:spPr bwMode="auto">
+          <a:xfrm>
+            <a:off x="6728079" y="4149080"/>
+            <a:ext cx="1616174" cy="1152128"/>
+          </a:xfrm>
+          <a:prstGeom prst="rect">
+            <a:avLst/>
+          </a:prstGeom>
+          <a:noFill/>
+          <a:ln>
+            <a:noFill/>
+          </a:ln>
+          <a:effectLst/>
+          <a:extLst>
+            <a:ext uri="{909E8E84-426E-40DD-AFC4-6F175D3DCCD1}">
+              <a14:hiddenFill xmlns:a14="http://schemas.microsoft.com/office/drawing/2010/main">
+                <a:solidFill>
+                  <a:schemeClr val="accent1"/>
+                </a:solidFill>
+              </a14:hiddenFill>
+            </a:ext>
+            <a:ext uri="{91240B29-F687-4F45-9708-019B960494DF}">
+              <a14:hiddenLine xmlns:a14="http://schemas.microsoft.com/office/drawing/2010/main" w="9525">
+                <a:solidFill>
+                  <a:schemeClr val="tx1"/>
+                </a:solidFill>
+                <a:miter lim="800000"/>
+                <a:headEnd/>
+                <a:tailEnd/>
+              </a14:hiddenLine>
+            </a:ext>
+            <a:ext uri="{AF507438-7753-43E0-B8FC-AC1667EBCBE1}">
+              <a14:hiddenEffects xmlns:a14="http://schemas.microsoft.com/office/drawing/2010/main">
+                <a:effectLst>
+                  <a:outerShdw dist="35921" dir="2700000" algn="ctr" rotWithShape="0">
+                    <a:schemeClr val="bg2"/>
+                  </a:outerShdw>
+                </a:effectLst>
+              </a14:hiddenEffects>
+            </a:ext>
+          </a:extLst>
+        </p:spPr>
+      </p:pic>
+      <p:sp>
+        <p:nvSpPr>
+          <p:cNvPr id="12" name="Title 1"/>
+          <p:cNvSpPr>
+            <a:spLocks noGrp="1"/>
+          </p:cNvSpPr>
+          <p:nvPr>
+            <p:ph type="title"/>
+          </p:nvPr>
+        </p:nvSpPr>
+        <p:spPr/>
+        <p:txBody>
+          <a:bodyPr/>
+          <a:lstStyle/>
+          <a:p>
+            <a:r>
+              <a:rPr lang="en-US" dirty="0" smtClean="0"/>
+              <a:t>Introduction</a:t>
+            </a:r>
+            <a:endParaRPr lang="vi-VN" dirty="0"/>
+          </a:p>
+        </p:txBody>
+      </p:sp>
+    </p:spTree>
+    <p:extLst>
+      <p:ext uri="{BB962C8B-B14F-4D97-AF65-F5344CB8AC3E}">
+        <p14:creationId xmlns:p14="http://schemas.microsoft.com/office/powerpoint/2010/main" val="3520248735"/>
+      </p:ext>
+    </p:extLst>
+  </p:cSld>
+  <p:clrMapOvr>
+    <a:masterClrMapping/>
+  </p:clrMapOvr>
+  <p:timing>
+    <p:tnLst>
+      <p:par>
+        <p:cTn id="1" dur="indefinite" restart="never" nodeType="tmRoot"/>
       </p:par>
     </p:tnLst>
   </p:timing>

--- a/Document/slide.pptx
+++ b/Document/slide.pptx
@@ -158,7 +158,7 @@
   </p:defaultTextStyle>
   <p:extLst>
     <p:ext uri="{EFAFB233-063F-42B5-8137-9DF3F51BA10A}">
-      <p15:sldGuideLst xmlns:p15="http://schemas.microsoft.com/office/powerpoint/2012/main" xmlns="">
+      <p15:sldGuideLst xmlns:p15="http://schemas.microsoft.com/office/powerpoint/2012/main">
         <p15:guide id="1" orient="horz" pos="2160">
           <p15:clr>
             <a:srgbClr val="A4A3A4"/>
@@ -172,7 +172,7 @@
       </p15:sldGuideLst>
     </p:ext>
     <p:ext uri="{2D200454-40CA-4A62-9FC3-DE9A4176ACB9}">
-      <p15:notesGuideLst xmlns:p15="http://schemas.microsoft.com/office/powerpoint/2012/main" xmlns=""/>
+      <p15:notesGuideLst xmlns:p15="http://schemas.microsoft.com/office/powerpoint/2012/main"/>
     </p:ext>
   </p:extLst>
 </p:presentation>
@@ -4275,7 +4275,7 @@
               </a14:hiddenLine>
             </a:ext>
             <a:ext uri="{FAA26D3D-D897-4be2-8F04-BA451C77F1D7}">
-              <ma14:placeholderFlag xmlns:ma14="http://schemas.microsoft.com/office/mac/drawingml/2011/main" xmlns="" val="1"/>
+              <ma14:placeholderFlag xmlns="" xmlns:ma14="http://schemas.microsoft.com/office/mac/drawingml/2011/main" val="1"/>
             </a:ext>
           </a:extLst>
         </p:spPr>
@@ -4336,7 +4336,7 @@
               </a14:hiddenLine>
             </a:ext>
             <a:ext uri="{FAA26D3D-D897-4be2-8F04-BA451C77F1D7}">
-              <ma14:placeholderFlag xmlns:ma14="http://schemas.microsoft.com/office/mac/drawingml/2011/main" xmlns="" val="1"/>
+              <ma14:placeholderFlag xmlns="" xmlns:ma14="http://schemas.microsoft.com/office/mac/drawingml/2011/main" val="1"/>
             </a:ext>
           </a:extLst>
         </p:spPr>
@@ -5277,13 +5277,18 @@
           </a:p>
           <a:p>
             <a:r>
-              <a:rPr lang="en-US" altLang="ja-JP" sz="5700" dirty="0" smtClean="0">
+              <a:rPr lang="en-US" altLang="ja-JP" sz="5700" smtClean="0">
                 <a:solidFill>
                   <a:srgbClr val="0070C0"/>
                 </a:solidFill>
               </a:rPr>
-              <a:t>Make people smile!</a:t>
-            </a:r>
+              <a:t>Cackle Conversation!</a:t>
+            </a:r>
+            <a:endParaRPr lang="en-US" altLang="ja-JP" sz="5700" dirty="0" smtClean="0">
+              <a:solidFill>
+                <a:srgbClr val="0070C0"/>
+              </a:solidFill>
+            </a:endParaRPr>
           </a:p>
           <a:p>
             <a:r>
@@ -6479,11 +6484,7 @@
           <a:p>
             <a:r>
               <a:rPr lang="en-US"/>
-              <a:t>Server-side language</a:t>
-            </a:r>
-            <a:r>
-              <a:rPr lang="en-US"/>
-              <a:t>: </a:t>
+              <a:t>Server-side language: </a:t>
             </a:r>
             <a:r>
               <a:rPr lang="en-US" smtClean="0"/>
@@ -6494,30 +6495,17 @@
           <a:p>
             <a:r>
               <a:rPr lang="en-US"/>
-              <a:t>Database</a:t>
-            </a:r>
-            <a:r>
-              <a:rPr lang="en-US"/>
-              <a:t>: </a:t>
+              <a:t>Database: </a:t>
             </a:r>
             <a:r>
               <a:rPr lang="en-US" smtClean="0"/>
               <a:t>MySQL.</a:t>
             </a:r>
-            <a:endParaRPr lang="en-US" smtClean="0"/>
           </a:p>
           <a:p>
             <a:r>
               <a:rPr lang="en-US" smtClean="0"/>
-              <a:t>Using </a:t>
-            </a:r>
-            <a:r>
-              <a:rPr lang="en-US" smtClean="0"/>
-              <a:t>MVC </a:t>
-            </a:r>
-            <a:r>
-              <a:rPr lang="en-US" smtClean="0"/>
-              <a:t>model :</a:t>
+              <a:t>Using MVC model :</a:t>
             </a:r>
             <a:endParaRPr lang="en-US" dirty="0" smtClean="0"/>
           </a:p>
@@ -10135,7 +10123,7 @@
               </a14:hiddenLine>
             </a:ext>
             <a:ext uri="{FAA26D3D-D897-4be2-8F04-BA451C77F1D7}">
-              <ma14:placeholderFlag xmlns:ma14="http://schemas.microsoft.com/office/mac/drawingml/2011/main" xmlns="" val="1"/>
+              <ma14:placeholderFlag xmlns="" xmlns:ma14="http://schemas.microsoft.com/office/mac/drawingml/2011/main" val="1"/>
             </a:ext>
           </a:extLst>
         </p:spPr>
